--- a/Documentacion/jasmine.pptx
+++ b/Documentacion/jasmine.pptx
@@ -11,6 +11,7 @@
     <p:sldId id="257" r:id="rId5"/>
     <p:sldId id="258" r:id="rId6"/>
     <p:sldId id="261" r:id="rId7"/>
+    <p:sldId id="262" r:id="rId8"/>
   </p:sldIdLst>
   <p:sldSz cx="12192000" cy="6858000"/>
   <p:notesSz cx="6858000" cy="9144000"/>
@@ -124,9 +125,13 @@
             <p14:sldId id="257"/>
             <p14:sldId id="258"/>
             <p14:sldId id="261"/>
+            <p14:sldId id="262"/>
           </p14:sldIdLst>
         </p14:section>
       </p14:sectionLst>
+    </p:ext>
+    <p:ext uri="{EFAFB233-063F-42B5-8137-9DF3F51BA10A}">
+      <p15:sldGuideLst xmlns:p15="http://schemas.microsoft.com/office/powerpoint/2012/main"/>
     </p:ext>
   </p:extLst>
 </p:presentation>
@@ -263,7 +268,7 @@
           <a:p>
             <a:fld id="{CBF0928C-8919-4079-8CB5-882BC2C58241}" type="datetimeFigureOut">
               <a:rPr lang="en-US" smtClean="0"/>
-              <a:t>09/11/2015</a:t>
+              <a:t>19/11/2015</a:t>
             </a:fld>
             <a:endParaRPr lang="en-US"/>
           </a:p>
@@ -433,7 +438,7 @@
           <a:p>
             <a:fld id="{CBF0928C-8919-4079-8CB5-882BC2C58241}" type="datetimeFigureOut">
               <a:rPr lang="en-US" smtClean="0"/>
-              <a:t>09/11/2015</a:t>
+              <a:t>19/11/2015</a:t>
             </a:fld>
             <a:endParaRPr lang="en-US"/>
           </a:p>
@@ -613,7 +618,7 @@
           <a:p>
             <a:fld id="{CBF0928C-8919-4079-8CB5-882BC2C58241}" type="datetimeFigureOut">
               <a:rPr lang="en-US" smtClean="0"/>
-              <a:t>09/11/2015</a:t>
+              <a:t>19/11/2015</a:t>
             </a:fld>
             <a:endParaRPr lang="en-US"/>
           </a:p>
@@ -783,7 +788,7 @@
           <a:p>
             <a:fld id="{CBF0928C-8919-4079-8CB5-882BC2C58241}" type="datetimeFigureOut">
               <a:rPr lang="en-US" smtClean="0"/>
-              <a:t>09/11/2015</a:t>
+              <a:t>19/11/2015</a:t>
             </a:fld>
             <a:endParaRPr lang="en-US"/>
           </a:p>
@@ -1029,7 +1034,7 @@
           <a:p>
             <a:fld id="{CBF0928C-8919-4079-8CB5-882BC2C58241}" type="datetimeFigureOut">
               <a:rPr lang="en-US" smtClean="0"/>
-              <a:t>09/11/2015</a:t>
+              <a:t>19/11/2015</a:t>
             </a:fld>
             <a:endParaRPr lang="en-US"/>
           </a:p>
@@ -1261,7 +1266,7 @@
           <a:p>
             <a:fld id="{CBF0928C-8919-4079-8CB5-882BC2C58241}" type="datetimeFigureOut">
               <a:rPr lang="en-US" smtClean="0"/>
-              <a:t>09/11/2015</a:t>
+              <a:t>19/11/2015</a:t>
             </a:fld>
             <a:endParaRPr lang="en-US"/>
           </a:p>
@@ -1628,7 +1633,7 @@
           <a:p>
             <a:fld id="{CBF0928C-8919-4079-8CB5-882BC2C58241}" type="datetimeFigureOut">
               <a:rPr lang="en-US" smtClean="0"/>
-              <a:t>09/11/2015</a:t>
+              <a:t>19/11/2015</a:t>
             </a:fld>
             <a:endParaRPr lang="en-US"/>
           </a:p>
@@ -1746,7 +1751,7 @@
           <a:p>
             <a:fld id="{CBF0928C-8919-4079-8CB5-882BC2C58241}" type="datetimeFigureOut">
               <a:rPr lang="en-US" smtClean="0"/>
-              <a:t>09/11/2015</a:t>
+              <a:t>19/11/2015</a:t>
             </a:fld>
             <a:endParaRPr lang="en-US"/>
           </a:p>
@@ -1841,7 +1846,7 @@
           <a:p>
             <a:fld id="{CBF0928C-8919-4079-8CB5-882BC2C58241}" type="datetimeFigureOut">
               <a:rPr lang="en-US" smtClean="0"/>
-              <a:t>09/11/2015</a:t>
+              <a:t>19/11/2015</a:t>
             </a:fld>
             <a:endParaRPr lang="en-US"/>
           </a:p>
@@ -2118,7 +2123,7 @@
           <a:p>
             <a:fld id="{CBF0928C-8919-4079-8CB5-882BC2C58241}" type="datetimeFigureOut">
               <a:rPr lang="en-US" smtClean="0"/>
-              <a:t>09/11/2015</a:t>
+              <a:t>19/11/2015</a:t>
             </a:fld>
             <a:endParaRPr lang="en-US"/>
           </a:p>
@@ -2371,7 +2376,7 @@
           <a:p>
             <a:fld id="{CBF0928C-8919-4079-8CB5-882BC2C58241}" type="datetimeFigureOut">
               <a:rPr lang="en-US" smtClean="0"/>
-              <a:t>09/11/2015</a:t>
+              <a:t>19/11/2015</a:t>
             </a:fld>
             <a:endParaRPr lang="en-US"/>
           </a:p>
@@ -2584,7 +2589,7 @@
           <a:p>
             <a:fld id="{CBF0928C-8919-4079-8CB5-882BC2C58241}" type="datetimeFigureOut">
               <a:rPr lang="en-US" smtClean="0"/>
-              <a:t>09/11/2015</a:t>
+              <a:t>19/11/2015</a:t>
             </a:fld>
             <a:endParaRPr lang="en-US"/>
           </a:p>
@@ -3775,83 +3780,31 @@
           </a:p>
         </p:txBody>
       </p:sp>
-      <p:pic>
-        <p:nvPicPr>
-          <p:cNvPr id="4" name="Imagen 3"/>
-          <p:cNvPicPr>
-            <a:picLocks noChangeAspect="1"/>
-          </p:cNvPicPr>
+      <p:sp>
+        <p:nvSpPr>
+          <p:cNvPr id="6" name="Rectángulo 5"/>
+          <p:cNvSpPr/>
           <p:nvPr/>
-        </p:nvPicPr>
-        <p:blipFill>
-          <a:blip r:embed="rId2"/>
-          <a:stretch>
-            <a:fillRect/>
-          </a:stretch>
-        </p:blipFill>
+        </p:nvSpPr>
         <p:spPr>
           <a:xfrm>
-            <a:off x="1790170" y="2505604"/>
-            <a:ext cx="2905125" cy="2371725"/>
+            <a:off x="838200" y="5372642"/>
+            <a:ext cx="184731" cy="369332"/>
           </a:xfrm>
           <a:prstGeom prst="rect">
             <a:avLst/>
           </a:prstGeom>
         </p:spPr>
-      </p:pic>
-      <p:sp>
-        <p:nvSpPr>
-          <p:cNvPr id="6" name="Rectángulo 5"/>
-          <p:cNvSpPr/>
-          <p:nvPr/>
-        </p:nvSpPr>
-        <p:spPr>
-          <a:xfrm>
-            <a:off x="838200" y="5372642"/>
-            <a:ext cx="3841693" cy="369332"/>
-          </a:xfrm>
-          <a:prstGeom prst="rect">
-            <a:avLst/>
-          </a:prstGeom>
-        </p:spPr>
         <p:txBody>
           <a:bodyPr wrap="none">
             <a:spAutoFit/>
           </a:bodyPr>
           <a:lstStyle/>
           <a:p>
-            <a:r>
-              <a:rPr lang="en-US" dirty="0" smtClean="0"/>
-              <a:t>https://jsfiddle.net/Ericuss/sw3f3m41/</a:t>
-            </a:r>
             <a:endParaRPr lang="en-US" dirty="0"/>
           </a:p>
         </p:txBody>
       </p:sp>
-      <p:pic>
-        <p:nvPicPr>
-          <p:cNvPr id="7" name="Imagen 6"/>
-          <p:cNvPicPr>
-            <a:picLocks noChangeAspect="1"/>
-          </p:cNvPicPr>
-          <p:nvPr/>
-        </p:nvPicPr>
-        <p:blipFill>
-          <a:blip r:embed="rId3"/>
-          <a:stretch>
-            <a:fillRect/>
-          </a:stretch>
-        </p:blipFill>
-        <p:spPr>
-          <a:xfrm>
-            <a:off x="6717154" y="1339863"/>
-            <a:ext cx="4247180" cy="4032779"/>
-          </a:xfrm>
-          <a:prstGeom prst="rect">
-            <a:avLst/>
-          </a:prstGeom>
-        </p:spPr>
-      </p:pic>
     </p:spTree>
     <p:extLst>
       <p:ext uri="{BB962C8B-B14F-4D97-AF65-F5344CB8AC3E}">
@@ -3882,6 +3835,30 @@
           <a:chExt cx="0" cy="0"/>
         </a:xfrm>
       </p:grpSpPr>
+      <p:pic>
+        <p:nvPicPr>
+          <p:cNvPr id="6" name="Imagen 5"/>
+          <p:cNvPicPr>
+            <a:picLocks noChangeAspect="1"/>
+          </p:cNvPicPr>
+          <p:nvPr/>
+        </p:nvPicPr>
+        <p:blipFill>
+          <a:blip r:embed="rId2"/>
+          <a:stretch>
+            <a:fillRect/>
+          </a:stretch>
+        </p:blipFill>
+        <p:spPr>
+          <a:xfrm>
+            <a:off x="6093514" y="428966"/>
+            <a:ext cx="5800726" cy="5706787"/>
+          </a:xfrm>
+          <a:prstGeom prst="rect">
+            <a:avLst/>
+          </a:prstGeom>
+        </p:spPr>
+      </p:pic>
       <p:sp>
         <p:nvSpPr>
           <p:cNvPr id="2" name="Título 1"/>
@@ -3892,7 +3869,12 @@
             <p:ph type="title"/>
           </p:nvPr>
         </p:nvSpPr>
-        <p:spPr/>
+        <p:spPr>
+          <a:xfrm>
+            <a:off x="838200" y="130730"/>
+            <a:ext cx="10515600" cy="1325563"/>
+          </a:xfrm>
+        </p:spPr>
         <p:txBody>
           <a:bodyPr/>
           <a:lstStyle/>
@@ -3915,7 +3897,12 @@
             <p:ph idx="1"/>
           </p:nvPr>
         </p:nvSpPr>
-        <p:spPr/>
+        <p:spPr>
+          <a:xfrm>
+            <a:off x="649358" y="1205947"/>
+            <a:ext cx="6122504" cy="4348163"/>
+          </a:xfrm>
+        </p:spPr>
         <p:txBody>
           <a:bodyPr/>
           <a:lstStyle/>
@@ -3956,7 +3943,117 @@
               <a:rPr lang="en-US" dirty="0" err="1" smtClean="0"/>
               <a:t>fijo</a:t>
             </a:r>
-            <a:endParaRPr lang="es-ES" dirty="0"/>
+            <a:endParaRPr lang="en-US" dirty="0" smtClean="0"/>
+          </a:p>
+          <a:p>
+            <a:pPr marL="0" indent="0">
+              <a:buNone/>
+            </a:pPr>
+            <a:r>
+              <a:rPr lang="en-US" sz="2400" dirty="0"/>
+              <a:t>(</a:t>
+            </a:r>
+            <a:r>
+              <a:rPr lang="en-US" sz="2400" dirty="0" smtClean="0"/>
+              <a:t>el </a:t>
+            </a:r>
+            <a:r>
+              <a:rPr lang="en-US" sz="2400" dirty="0" err="1" smtClean="0"/>
+              <a:t>resultado</a:t>
+            </a:r>
+            <a:r>
+              <a:rPr lang="en-US" sz="2400" dirty="0" smtClean="0"/>
+              <a:t> no se </a:t>
+            </a:r>
+            <a:r>
+              <a:rPr lang="en-US" sz="2400" dirty="0" err="1" smtClean="0"/>
+              <a:t>ve</a:t>
+            </a:r>
+            <a:r>
+              <a:rPr lang="en-US" sz="2400" dirty="0" smtClean="0"/>
+              <a:t> </a:t>
+            </a:r>
+            <a:r>
+              <a:rPr lang="en-US" sz="2400" dirty="0" err="1" smtClean="0"/>
+              <a:t>alterado</a:t>
+            </a:r>
+            <a:r>
+              <a:rPr lang="en-US" sz="2400" dirty="0" smtClean="0"/>
+              <a:t> </a:t>
+            </a:r>
+            <a:r>
+              <a:rPr lang="en-US" sz="2400" dirty="0" err="1" smtClean="0"/>
+              <a:t>por</a:t>
+            </a:r>
+            <a:r>
+              <a:rPr lang="en-US" sz="2400" dirty="0" smtClean="0"/>
+              <a:t> el </a:t>
+            </a:r>
+            <a:r>
+              <a:rPr lang="en-US" sz="2400" dirty="0" err="1" smtClean="0"/>
+              <a:t>contexto</a:t>
+            </a:r>
+            <a:r>
+              <a:rPr lang="en-US" sz="2400" dirty="0" smtClean="0"/>
+              <a:t>)</a:t>
+            </a:r>
+            <a:endParaRPr lang="es-ES" sz="2400" dirty="0"/>
+          </a:p>
+        </p:txBody>
+      </p:sp>
+      <p:pic>
+        <p:nvPicPr>
+          <p:cNvPr id="4" name="Imagen 3"/>
+          <p:cNvPicPr>
+            <a:picLocks noChangeAspect="1"/>
+          </p:cNvPicPr>
+          <p:nvPr/>
+        </p:nvPicPr>
+        <p:blipFill>
+          <a:blip r:embed="rId3"/>
+          <a:stretch>
+            <a:fillRect/>
+          </a:stretch>
+        </p:blipFill>
+        <p:spPr>
+          <a:xfrm>
+            <a:off x="1136581" y="2472201"/>
+            <a:ext cx="4773889" cy="3584044"/>
+          </a:xfrm>
+          <a:prstGeom prst="rect">
+            <a:avLst/>
+          </a:prstGeom>
+        </p:spPr>
+      </p:pic>
+      <p:sp>
+        <p:nvSpPr>
+          <p:cNvPr id="5" name="Rectángulo 4"/>
+          <p:cNvSpPr/>
+          <p:nvPr/>
+        </p:nvSpPr>
+        <p:spPr>
+          <a:xfrm>
+            <a:off x="1080789" y="6056245"/>
+            <a:ext cx="5429884" cy="523220"/>
+          </a:xfrm>
+          <a:prstGeom prst="rect">
+            <a:avLst/>
+          </a:prstGeom>
+        </p:spPr>
+        <p:txBody>
+          <a:bodyPr wrap="none">
+            <a:spAutoFit/>
+          </a:bodyPr>
+          <a:lstStyle/>
+          <a:p>
+            <a:r>
+              <a:rPr lang="es-ES" sz="2800" dirty="0"/>
+              <a:t>http://jsfiddle.net/Ericuss/vujvaxx4</a:t>
+            </a:r>
+            <a:r>
+              <a:rPr lang="es-ES" dirty="0"/>
+              <a:t>/</a:t>
+            </a:r>
           </a:p>
         </p:txBody>
       </p:sp>
@@ -3964,6 +4061,259 @@
     <p:extLst>
       <p:ext uri="{BB962C8B-B14F-4D97-AF65-F5344CB8AC3E}">
         <p14:creationId xmlns:p14="http://schemas.microsoft.com/office/powerpoint/2010/main" val="323741171"/>
+      </p:ext>
+    </p:extLst>
+  </p:cSld>
+  <p:clrMapOvr>
+    <a:masterClrMapping/>
+  </p:clrMapOvr>
+</p:sld>
+</file>
+
+<file path=ppt/slides/slide7.xml><?xml version="1.0" encoding="utf-8"?>
+<p:sld xmlns:a="http://schemas.openxmlformats.org/drawingml/2006/main" xmlns:r="http://schemas.openxmlformats.org/officeDocument/2006/relationships" xmlns:p="http://schemas.openxmlformats.org/presentationml/2006/main">
+  <p:cSld>
+    <p:spTree>
+      <p:nvGrpSpPr>
+        <p:cNvPr id="1" name=""/>
+        <p:cNvGrpSpPr/>
+        <p:nvPr/>
+      </p:nvGrpSpPr>
+      <p:grpSpPr>
+        <a:xfrm>
+          <a:off x="0" y="0"/>
+          <a:ext cx="0" cy="0"/>
+          <a:chOff x="0" y="0"/>
+          <a:chExt cx="0" cy="0"/>
+        </a:xfrm>
+      </p:grpSpPr>
+      <p:sp>
+        <p:nvSpPr>
+          <p:cNvPr id="2" name="Título 1"/>
+          <p:cNvSpPr>
+            <a:spLocks noGrp="1"/>
+          </p:cNvSpPr>
+          <p:nvPr>
+            <p:ph type="title"/>
+          </p:nvPr>
+        </p:nvSpPr>
+        <p:spPr>
+          <a:xfrm>
+            <a:off x="838200" y="130730"/>
+            <a:ext cx="10515600" cy="1325563"/>
+          </a:xfrm>
+        </p:spPr>
+        <p:txBody>
+          <a:bodyPr/>
+          <a:lstStyle/>
+          <a:p>
+            <a:r>
+              <a:rPr lang="es-ES" dirty="0" err="1" smtClean="0"/>
+              <a:t>Spy</a:t>
+            </a:r>
+            <a:endParaRPr lang="es-ES" dirty="0"/>
+          </a:p>
+        </p:txBody>
+      </p:sp>
+      <p:sp>
+        <p:nvSpPr>
+          <p:cNvPr id="3" name="Marcador de contenido 2"/>
+          <p:cNvSpPr>
+            <a:spLocks noGrp="1"/>
+          </p:cNvSpPr>
+          <p:nvPr>
+            <p:ph idx="1"/>
+          </p:nvPr>
+        </p:nvSpPr>
+        <p:spPr>
+          <a:xfrm>
+            <a:off x="543339" y="1205947"/>
+            <a:ext cx="6228523" cy="4348163"/>
+          </a:xfrm>
+        </p:spPr>
+        <p:txBody>
+          <a:bodyPr/>
+          <a:lstStyle/>
+          <a:p>
+            <a:r>
+              <a:rPr lang="en-US" dirty="0" smtClean="0"/>
+              <a:t>Son </a:t>
+            </a:r>
+            <a:r>
+              <a:rPr lang="en-US" dirty="0" err="1" smtClean="0"/>
+              <a:t>como</a:t>
+            </a:r>
+            <a:r>
+              <a:rPr lang="en-US" dirty="0" smtClean="0"/>
+              <a:t> “Stubs </a:t>
+            </a:r>
+            <a:r>
+              <a:rPr lang="en-US" dirty="0" err="1" smtClean="0"/>
+              <a:t>vitaminados</a:t>
+            </a:r>
+            <a:r>
+              <a:rPr lang="en-US" dirty="0" smtClean="0"/>
+              <a:t>”</a:t>
+            </a:r>
+          </a:p>
+          <a:p>
+            <a:r>
+              <a:rPr lang="en-US" sz="2400" dirty="0" err="1" smtClean="0"/>
+              <a:t>Tiene</a:t>
+            </a:r>
+            <a:r>
+              <a:rPr lang="en-US" sz="2400" dirty="0" smtClean="0"/>
+              <a:t> </a:t>
+            </a:r>
+            <a:r>
+              <a:rPr lang="en-US" sz="2400" dirty="0" err="1" smtClean="0"/>
+              <a:t>opciones</a:t>
+            </a:r>
+            <a:r>
+              <a:rPr lang="en-US" sz="2400" dirty="0" smtClean="0"/>
+              <a:t> para saber </a:t>
+            </a:r>
+            <a:r>
+              <a:rPr lang="en-US" sz="2400" dirty="0" err="1" smtClean="0"/>
+              <a:t>si</a:t>
+            </a:r>
+            <a:r>
+              <a:rPr lang="en-US" sz="2400" dirty="0" smtClean="0"/>
+              <a:t> se ha </a:t>
+            </a:r>
+            <a:r>
+              <a:rPr lang="en-US" sz="2400" dirty="0" err="1" smtClean="0"/>
+              <a:t>llamado</a:t>
+            </a:r>
+            <a:r>
+              <a:rPr lang="en-US" sz="2400" dirty="0" smtClean="0"/>
+              <a:t>, </a:t>
+            </a:r>
+            <a:r>
+              <a:rPr lang="en-US" sz="2400" dirty="0" err="1" smtClean="0"/>
+              <a:t>cuantas</a:t>
+            </a:r>
+            <a:r>
+              <a:rPr lang="en-US" sz="2400" dirty="0" smtClean="0"/>
+              <a:t> </a:t>
+            </a:r>
+            <a:r>
+              <a:rPr lang="en-US" sz="2400" dirty="0" err="1" smtClean="0"/>
+              <a:t>veces</a:t>
+            </a:r>
+            <a:r>
+              <a:rPr lang="en-US" sz="2400" dirty="0" smtClean="0"/>
+              <a:t>, que </a:t>
+            </a:r>
+            <a:r>
+              <a:rPr lang="en-US" sz="2400" dirty="0" err="1" smtClean="0"/>
+              <a:t>retorne</a:t>
+            </a:r>
+            <a:r>
+              <a:rPr lang="en-US" sz="2400" dirty="0" smtClean="0"/>
+              <a:t> </a:t>
+            </a:r>
+            <a:r>
+              <a:rPr lang="en-US" sz="2400" dirty="0" err="1" smtClean="0"/>
+              <a:t>determinados</a:t>
+            </a:r>
+            <a:r>
+              <a:rPr lang="en-US" sz="2400" dirty="0" smtClean="0"/>
+              <a:t> </a:t>
+            </a:r>
+            <a:r>
+              <a:rPr lang="en-US" sz="2400" dirty="0" err="1" smtClean="0"/>
+              <a:t>valores</a:t>
+            </a:r>
+            <a:r>
+              <a:rPr lang="en-US" sz="2400" dirty="0" smtClean="0"/>
+              <a:t>, etc.</a:t>
+            </a:r>
+            <a:endParaRPr lang="es-ES" sz="2400" dirty="0"/>
+          </a:p>
+        </p:txBody>
+      </p:sp>
+      <p:sp>
+        <p:nvSpPr>
+          <p:cNvPr id="5" name="Rectángulo 4"/>
+          <p:cNvSpPr/>
+          <p:nvPr/>
+        </p:nvSpPr>
+        <p:spPr>
+          <a:xfrm>
+            <a:off x="1080789" y="6056245"/>
+            <a:ext cx="5739263" cy="523220"/>
+          </a:xfrm>
+          <a:prstGeom prst="rect">
+            <a:avLst/>
+          </a:prstGeom>
+        </p:spPr>
+        <p:txBody>
+          <a:bodyPr wrap="none">
+            <a:spAutoFit/>
+          </a:bodyPr>
+          <a:lstStyle/>
+          <a:p>
+            <a:r>
+              <a:rPr lang="es-ES" sz="2800" dirty="0"/>
+              <a:t>http://jsfiddle.net/Ericuss/wyrov8bw/</a:t>
+            </a:r>
+            <a:endParaRPr lang="es-ES" dirty="0"/>
+          </a:p>
+        </p:txBody>
+      </p:sp>
+      <p:pic>
+        <p:nvPicPr>
+          <p:cNvPr id="7" name="Imagen 6"/>
+          <p:cNvPicPr>
+            <a:picLocks noChangeAspect="1"/>
+          </p:cNvPicPr>
+          <p:nvPr/>
+        </p:nvPicPr>
+        <p:blipFill>
+          <a:blip r:embed="rId2"/>
+          <a:stretch>
+            <a:fillRect/>
+          </a:stretch>
+        </p:blipFill>
+        <p:spPr>
+          <a:xfrm>
+            <a:off x="971137" y="2766805"/>
+            <a:ext cx="4342986" cy="3401303"/>
+          </a:xfrm>
+          <a:prstGeom prst="rect">
+            <a:avLst/>
+          </a:prstGeom>
+        </p:spPr>
+      </p:pic>
+      <p:pic>
+        <p:nvPicPr>
+          <p:cNvPr id="8" name="Imagen 7"/>
+          <p:cNvPicPr>
+            <a:picLocks noChangeAspect="1"/>
+          </p:cNvPicPr>
+          <p:nvPr/>
+        </p:nvPicPr>
+        <p:blipFill>
+          <a:blip r:embed="rId3"/>
+          <a:stretch>
+            <a:fillRect/>
+          </a:stretch>
+        </p:blipFill>
+        <p:spPr>
+          <a:xfrm>
+            <a:off x="7199660" y="130729"/>
+            <a:ext cx="4886322" cy="6776699"/>
+          </a:xfrm>
+          <a:prstGeom prst="rect">
+            <a:avLst/>
+          </a:prstGeom>
+        </p:spPr>
+      </p:pic>
+    </p:spTree>
+    <p:extLst>
+      <p:ext uri="{BB962C8B-B14F-4D97-AF65-F5344CB8AC3E}">
+        <p14:creationId xmlns:p14="http://schemas.microsoft.com/office/powerpoint/2010/main" val="104214701"/>
       </p:ext>
     </p:extLst>
   </p:cSld>

--- a/Documentacion/jasmine.pptx
+++ b/Documentacion/jasmine.pptx
@@ -11,23 +11,27 @@
     <p:sldMasterId id="2147483661" r:id="rId10"/>
   </p:sldMasterIdLst>
   <p:notesMasterIdLst>
-    <p:notesMasterId r:id="rId22"/>
+    <p:notesMasterId r:id="rId26"/>
   </p:notesMasterIdLst>
   <p:handoutMasterIdLst>
-    <p:handoutMasterId r:id="rId23"/>
+    <p:handoutMasterId r:id="rId27"/>
   </p:handoutMasterIdLst>
   <p:sldIdLst>
     <p:sldId id="256" r:id="rId11"/>
     <p:sldId id="360" r:id="rId12"/>
-    <p:sldId id="361" r:id="rId13"/>
-    <p:sldId id="362" r:id="rId14"/>
-    <p:sldId id="363" r:id="rId15"/>
-    <p:sldId id="364" r:id="rId16"/>
-    <p:sldId id="365" r:id="rId17"/>
-    <p:sldId id="366" r:id="rId18"/>
-    <p:sldId id="367" r:id="rId19"/>
-    <p:sldId id="368" r:id="rId20"/>
-    <p:sldId id="265" r:id="rId21"/>
+    <p:sldId id="367" r:id="rId13"/>
+    <p:sldId id="361" r:id="rId14"/>
+    <p:sldId id="371" r:id="rId15"/>
+    <p:sldId id="362" r:id="rId16"/>
+    <p:sldId id="363" r:id="rId17"/>
+    <p:sldId id="365" r:id="rId18"/>
+    <p:sldId id="373" r:id="rId19"/>
+    <p:sldId id="369" r:id="rId20"/>
+    <p:sldId id="372" r:id="rId21"/>
+    <p:sldId id="370" r:id="rId22"/>
+    <p:sldId id="366" r:id="rId23"/>
+    <p:sldId id="368" r:id="rId24"/>
+    <p:sldId id="265" r:id="rId25"/>
   </p:sldIdLst>
   <p:sldSz cx="12192000" cy="6858000"/>
   <p:notesSz cx="6858000" cy="9144000"/>
@@ -127,6 +131,49 @@
     </a:lvl9pPr>
   </p:defaultTextStyle>
   <p:extLst>
+    <p:ext uri="{521415D9-36F7-43E2-AB2F-B90AF26B5E84}">
+      <p14:sectionLst xmlns:p14="http://schemas.microsoft.com/office/powerpoint/2010/main">
+        <p14:section name="Intro" id="{648F7671-C2C8-479E-80F8-8353857D2FD3}">
+          <p14:sldIdLst>
+            <p14:sldId id="256"/>
+            <p14:sldId id="360"/>
+          </p14:sldIdLst>
+        </p14:section>
+        <p14:section name="Demo VS FizzBuzz" id="{0AAA4355-2067-4205-85F4-D340880B79DC}">
+          <p14:sldIdLst>
+            <p14:sldId id="367"/>
+          </p14:sldIdLst>
+        </p14:section>
+        <p14:section name="Test Double" id="{A72A8FAC-F95B-452D-B29C-C818F108AD6F}">
+          <p14:sldIdLst>
+            <p14:sldId id="361"/>
+            <p14:sldId id="371"/>
+            <p14:sldId id="362"/>
+            <p14:sldId id="363"/>
+            <p14:sldId id="365"/>
+            <p14:sldId id="373"/>
+            <p14:sldId id="369"/>
+            <p14:sldId id="372"/>
+            <p14:sldId id="370"/>
+          </p14:sldIdLst>
+        </p14:section>
+        <p14:section name="Sinon" id="{BE98A4EB-C9F6-490E-8A3A-F1C989434855}">
+          <p14:sldIdLst>
+            <p14:sldId id="366"/>
+          </p14:sldIdLst>
+        </p14:section>
+        <p14:section name="Build server con test" id="{17210CAD-4A0B-47DB-9CF7-82E77D424859}">
+          <p14:sldIdLst>
+            <p14:sldId id="368"/>
+          </p14:sldIdLst>
+        </p14:section>
+        <p14:section name="Fin" id="{2499AC87-2D7C-42B9-9E22-52B4983509DA}">
+          <p14:sldIdLst>
+            <p14:sldId id="265"/>
+          </p14:sldIdLst>
+        </p14:section>
+      </p14:sectionLst>
+    </p:ext>
     <p:ext uri="{EFAFB233-063F-42B5-8137-9DF3F51BA10A}">
       <p15:sldGuideLst xmlns:p15="http://schemas.microsoft.com/office/powerpoint/2012/main"/>
     </p:ext>
@@ -1310,454 +1357,6 @@
       <dsp:cNvGrpSpPr/>
     </dsp:nvGrpSpPr>
     <dsp:grpSpPr/>
-    <dsp:sp modelId="{C19FBA30-382B-44E2-8C1D-137A6F897C28}">
-      <dsp:nvSpPr>
-        <dsp:cNvPr id="0" name=""/>
-        <dsp:cNvSpPr/>
-      </dsp:nvSpPr>
-      <dsp:spPr>
-        <a:xfrm>
-          <a:off x="619648" y="0"/>
-          <a:ext cx="7022680" cy="2448272"/>
-        </a:xfrm>
-        <a:prstGeom prst="rightArrow">
-          <a:avLst/>
-        </a:prstGeom>
-        <a:solidFill>
-          <a:schemeClr val="accent3">
-            <a:tint val="40000"/>
-            <a:hueOff val="0"/>
-            <a:satOff val="0"/>
-            <a:lumOff val="0"/>
-            <a:alphaOff val="0"/>
-          </a:schemeClr>
-        </a:solidFill>
-        <a:ln>
-          <a:noFill/>
-        </a:ln>
-        <a:effectLst/>
-      </dsp:spPr>
-      <dsp:style>
-        <a:lnRef idx="0">
-          <a:scrgbClr r="0" g="0" b="0"/>
-        </a:lnRef>
-        <a:fillRef idx="1">
-          <a:scrgbClr r="0" g="0" b="0"/>
-        </a:fillRef>
-        <a:effectRef idx="2">
-          <a:scrgbClr r="0" g="0" b="0"/>
-        </a:effectRef>
-        <a:fontRef idx="minor"/>
-      </dsp:style>
-    </dsp:sp>
-    <dsp:sp modelId="{3BE67301-9880-4FEC-99F7-88569348EA0D}">
-      <dsp:nvSpPr>
-        <dsp:cNvPr id="0" name=""/>
-        <dsp:cNvSpPr/>
-      </dsp:nvSpPr>
-      <dsp:spPr>
-        <a:xfrm>
-          <a:off x="2823" y="734481"/>
-          <a:ext cx="1834739" cy="979308"/>
-        </a:xfrm>
-        <a:prstGeom prst="roundRect">
-          <a:avLst/>
-        </a:prstGeom>
-        <a:gradFill rotWithShape="0">
-          <a:gsLst>
-            <a:gs pos="0">
-              <a:schemeClr val="accent3">
-                <a:shade val="80000"/>
-                <a:hueOff val="0"/>
-                <a:satOff val="0"/>
-                <a:lumOff val="0"/>
-                <a:alphaOff val="0"/>
-                <a:satMod val="103000"/>
-                <a:lumMod val="102000"/>
-                <a:tint val="94000"/>
-              </a:schemeClr>
-            </a:gs>
-            <a:gs pos="50000">
-              <a:schemeClr val="accent3">
-                <a:shade val="80000"/>
-                <a:hueOff val="0"/>
-                <a:satOff val="0"/>
-                <a:lumOff val="0"/>
-                <a:alphaOff val="0"/>
-                <a:satMod val="110000"/>
-                <a:lumMod val="100000"/>
-                <a:shade val="100000"/>
-              </a:schemeClr>
-            </a:gs>
-            <a:gs pos="100000">
-              <a:schemeClr val="accent3">
-                <a:shade val="80000"/>
-                <a:hueOff val="0"/>
-                <a:satOff val="0"/>
-                <a:lumOff val="0"/>
-                <a:alphaOff val="0"/>
-                <a:lumMod val="99000"/>
-                <a:satMod val="120000"/>
-                <a:shade val="78000"/>
-              </a:schemeClr>
-            </a:gs>
-          </a:gsLst>
-          <a:lin ang="5400000" scaled="0"/>
-        </a:gradFill>
-        <a:ln>
-          <a:noFill/>
-        </a:ln>
-        <a:effectLst/>
-      </dsp:spPr>
-      <dsp:style>
-        <a:lnRef idx="0">
-          <a:scrgbClr r="0" g="0" b="0"/>
-        </a:lnRef>
-        <a:fillRef idx="3">
-          <a:scrgbClr r="0" g="0" b="0"/>
-        </a:fillRef>
-        <a:effectRef idx="2">
-          <a:scrgbClr r="0" g="0" b="0"/>
-        </a:effectRef>
-        <a:fontRef idx="minor">
-          <a:schemeClr val="lt1"/>
-        </a:fontRef>
-      </dsp:style>
-      <dsp:txBody>
-        <a:bodyPr spcFirstLastPara="0" vert="horz" wrap="square" lIns="76200" tIns="76200" rIns="76200" bIns="76200" numCol="1" spcCol="1270" anchor="ctr" anchorCtr="0">
-          <a:noAutofit/>
-        </a:bodyPr>
-        <a:lstStyle/>
-        <a:p>
-          <a:pPr lvl="0" algn="ctr" defTabSz="889000">
-            <a:lnSpc>
-              <a:spcPct val="90000"/>
-            </a:lnSpc>
-            <a:spcBef>
-              <a:spcPct val="0"/>
-            </a:spcBef>
-            <a:spcAft>
-              <a:spcPct val="35000"/>
-            </a:spcAft>
-          </a:pPr>
-          <a:r>
-            <a:rPr lang="es-ES" sz="2000" kern="1200" dirty="0" smtClean="0"/>
-            <a:t>SPRINT 1</a:t>
-          </a:r>
-          <a:endParaRPr lang="es-ES" sz="2000" kern="1200" dirty="0"/>
-        </a:p>
-      </dsp:txBody>
-      <dsp:txXfrm>
-        <a:off x="50629" y="782287"/>
-        <a:ext cx="1739127" cy="883696"/>
-      </dsp:txXfrm>
-    </dsp:sp>
-    <dsp:sp modelId="{41F7C86B-E9DC-4364-8A2B-DD3371CBF3D3}">
-      <dsp:nvSpPr>
-        <dsp:cNvPr id="0" name=""/>
-        <dsp:cNvSpPr/>
-      </dsp:nvSpPr>
-      <dsp:spPr>
-        <a:xfrm>
-          <a:off x="2143353" y="734481"/>
-          <a:ext cx="1834739" cy="979308"/>
-        </a:xfrm>
-        <a:prstGeom prst="roundRect">
-          <a:avLst/>
-        </a:prstGeom>
-        <a:gradFill rotWithShape="0">
-          <a:gsLst>
-            <a:gs pos="0">
-              <a:schemeClr val="accent3">
-                <a:shade val="80000"/>
-                <a:hueOff val="0"/>
-                <a:satOff val="0"/>
-                <a:lumOff val="6364"/>
-                <a:alphaOff val="0"/>
-                <a:satMod val="103000"/>
-                <a:lumMod val="102000"/>
-                <a:tint val="94000"/>
-              </a:schemeClr>
-            </a:gs>
-            <a:gs pos="50000">
-              <a:schemeClr val="accent3">
-                <a:shade val="80000"/>
-                <a:hueOff val="0"/>
-                <a:satOff val="0"/>
-                <a:lumOff val="6364"/>
-                <a:alphaOff val="0"/>
-                <a:satMod val="110000"/>
-                <a:lumMod val="100000"/>
-                <a:shade val="100000"/>
-              </a:schemeClr>
-            </a:gs>
-            <a:gs pos="100000">
-              <a:schemeClr val="accent3">
-                <a:shade val="80000"/>
-                <a:hueOff val="0"/>
-                <a:satOff val="0"/>
-                <a:lumOff val="6364"/>
-                <a:alphaOff val="0"/>
-                <a:lumMod val="99000"/>
-                <a:satMod val="120000"/>
-                <a:shade val="78000"/>
-              </a:schemeClr>
-            </a:gs>
-          </a:gsLst>
-          <a:lin ang="5400000" scaled="0"/>
-        </a:gradFill>
-        <a:ln>
-          <a:noFill/>
-        </a:ln>
-        <a:effectLst/>
-      </dsp:spPr>
-      <dsp:style>
-        <a:lnRef idx="0">
-          <a:scrgbClr r="0" g="0" b="0"/>
-        </a:lnRef>
-        <a:fillRef idx="3">
-          <a:scrgbClr r="0" g="0" b="0"/>
-        </a:fillRef>
-        <a:effectRef idx="2">
-          <a:scrgbClr r="0" g="0" b="0"/>
-        </a:effectRef>
-        <a:fontRef idx="minor">
-          <a:schemeClr val="lt1"/>
-        </a:fontRef>
-      </dsp:style>
-      <dsp:txBody>
-        <a:bodyPr spcFirstLastPara="0" vert="horz" wrap="square" lIns="76200" tIns="76200" rIns="76200" bIns="76200" numCol="1" spcCol="1270" anchor="ctr" anchorCtr="0">
-          <a:noAutofit/>
-        </a:bodyPr>
-        <a:lstStyle/>
-        <a:p>
-          <a:pPr lvl="0" algn="ctr" defTabSz="889000">
-            <a:lnSpc>
-              <a:spcPct val="90000"/>
-            </a:lnSpc>
-            <a:spcBef>
-              <a:spcPct val="0"/>
-            </a:spcBef>
-            <a:spcAft>
-              <a:spcPct val="35000"/>
-            </a:spcAft>
-          </a:pPr>
-          <a:r>
-            <a:rPr lang="es-ES" sz="2000" kern="1200" dirty="0" smtClean="0"/>
-            <a:t>SPRINT 2</a:t>
-          </a:r>
-          <a:endParaRPr lang="es-ES" sz="2000" kern="1200" dirty="0"/>
-        </a:p>
-      </dsp:txBody>
-      <dsp:txXfrm>
-        <a:off x="2191159" y="782287"/>
-        <a:ext cx="1739127" cy="883696"/>
-      </dsp:txXfrm>
-    </dsp:sp>
-    <dsp:sp modelId="{4BAD5466-94E1-47CA-9FAA-DDD3B7595BCC}">
-      <dsp:nvSpPr>
-        <dsp:cNvPr id="0" name=""/>
-        <dsp:cNvSpPr/>
-      </dsp:nvSpPr>
-      <dsp:spPr>
-        <a:xfrm>
-          <a:off x="4283883" y="734481"/>
-          <a:ext cx="1834739" cy="979308"/>
-        </a:xfrm>
-        <a:prstGeom prst="roundRect">
-          <a:avLst/>
-        </a:prstGeom>
-        <a:gradFill rotWithShape="0">
-          <a:gsLst>
-            <a:gs pos="0">
-              <a:schemeClr val="accent3">
-                <a:shade val="80000"/>
-                <a:hueOff val="0"/>
-                <a:satOff val="0"/>
-                <a:lumOff val="12728"/>
-                <a:alphaOff val="0"/>
-                <a:satMod val="103000"/>
-                <a:lumMod val="102000"/>
-                <a:tint val="94000"/>
-              </a:schemeClr>
-            </a:gs>
-            <a:gs pos="50000">
-              <a:schemeClr val="accent3">
-                <a:shade val="80000"/>
-                <a:hueOff val="0"/>
-                <a:satOff val="0"/>
-                <a:lumOff val="12728"/>
-                <a:alphaOff val="0"/>
-                <a:satMod val="110000"/>
-                <a:lumMod val="100000"/>
-                <a:shade val="100000"/>
-              </a:schemeClr>
-            </a:gs>
-            <a:gs pos="100000">
-              <a:schemeClr val="accent3">
-                <a:shade val="80000"/>
-                <a:hueOff val="0"/>
-                <a:satOff val="0"/>
-                <a:lumOff val="12728"/>
-                <a:alphaOff val="0"/>
-                <a:lumMod val="99000"/>
-                <a:satMod val="120000"/>
-                <a:shade val="78000"/>
-              </a:schemeClr>
-            </a:gs>
-          </a:gsLst>
-          <a:lin ang="5400000" scaled="0"/>
-        </a:gradFill>
-        <a:ln>
-          <a:noFill/>
-        </a:ln>
-        <a:effectLst/>
-      </dsp:spPr>
-      <dsp:style>
-        <a:lnRef idx="0">
-          <a:scrgbClr r="0" g="0" b="0"/>
-        </a:lnRef>
-        <a:fillRef idx="3">
-          <a:scrgbClr r="0" g="0" b="0"/>
-        </a:fillRef>
-        <a:effectRef idx="2">
-          <a:scrgbClr r="0" g="0" b="0"/>
-        </a:effectRef>
-        <a:fontRef idx="minor">
-          <a:schemeClr val="lt1"/>
-        </a:fontRef>
-      </dsp:style>
-      <dsp:txBody>
-        <a:bodyPr spcFirstLastPara="0" vert="horz" wrap="square" lIns="76200" tIns="76200" rIns="76200" bIns="76200" numCol="1" spcCol="1270" anchor="ctr" anchorCtr="0">
-          <a:noAutofit/>
-        </a:bodyPr>
-        <a:lstStyle/>
-        <a:p>
-          <a:pPr lvl="0" algn="ctr" defTabSz="889000">
-            <a:lnSpc>
-              <a:spcPct val="90000"/>
-            </a:lnSpc>
-            <a:spcBef>
-              <a:spcPct val="0"/>
-            </a:spcBef>
-            <a:spcAft>
-              <a:spcPct val="35000"/>
-            </a:spcAft>
-          </a:pPr>
-          <a:r>
-            <a:rPr lang="es-ES" sz="2000" kern="1200" dirty="0" smtClean="0"/>
-            <a:t>SPRINT…</a:t>
-          </a:r>
-          <a:endParaRPr lang="es-ES" sz="2000" kern="1200" dirty="0"/>
-        </a:p>
-      </dsp:txBody>
-      <dsp:txXfrm>
-        <a:off x="4331689" y="782287"/>
-        <a:ext cx="1739127" cy="883696"/>
-      </dsp:txXfrm>
-    </dsp:sp>
-    <dsp:sp modelId="{467EE60E-61AA-427F-A830-D12F30BF2A28}">
-      <dsp:nvSpPr>
-        <dsp:cNvPr id="0" name=""/>
-        <dsp:cNvSpPr/>
-      </dsp:nvSpPr>
-      <dsp:spPr>
-        <a:xfrm>
-          <a:off x="6424413" y="734481"/>
-          <a:ext cx="1834739" cy="979308"/>
-        </a:xfrm>
-        <a:prstGeom prst="roundRect">
-          <a:avLst/>
-        </a:prstGeom>
-        <a:gradFill rotWithShape="0">
-          <a:gsLst>
-            <a:gs pos="0">
-              <a:schemeClr val="accent3">
-                <a:shade val="80000"/>
-                <a:hueOff val="0"/>
-                <a:satOff val="0"/>
-                <a:lumOff val="19092"/>
-                <a:alphaOff val="0"/>
-                <a:satMod val="103000"/>
-                <a:lumMod val="102000"/>
-                <a:tint val="94000"/>
-              </a:schemeClr>
-            </a:gs>
-            <a:gs pos="50000">
-              <a:schemeClr val="accent3">
-                <a:shade val="80000"/>
-                <a:hueOff val="0"/>
-                <a:satOff val="0"/>
-                <a:lumOff val="19092"/>
-                <a:alphaOff val="0"/>
-                <a:satMod val="110000"/>
-                <a:lumMod val="100000"/>
-                <a:shade val="100000"/>
-              </a:schemeClr>
-            </a:gs>
-            <a:gs pos="100000">
-              <a:schemeClr val="accent3">
-                <a:shade val="80000"/>
-                <a:hueOff val="0"/>
-                <a:satOff val="0"/>
-                <a:lumOff val="19092"/>
-                <a:alphaOff val="0"/>
-                <a:lumMod val="99000"/>
-                <a:satMod val="120000"/>
-                <a:shade val="78000"/>
-              </a:schemeClr>
-            </a:gs>
-          </a:gsLst>
-          <a:lin ang="5400000" scaled="0"/>
-        </a:gradFill>
-        <a:ln>
-          <a:noFill/>
-        </a:ln>
-        <a:effectLst/>
-      </dsp:spPr>
-      <dsp:style>
-        <a:lnRef idx="0">
-          <a:scrgbClr r="0" g="0" b="0"/>
-        </a:lnRef>
-        <a:fillRef idx="3">
-          <a:scrgbClr r="0" g="0" b="0"/>
-        </a:fillRef>
-        <a:effectRef idx="2">
-          <a:scrgbClr r="0" g="0" b="0"/>
-        </a:effectRef>
-        <a:fontRef idx="minor">
-          <a:schemeClr val="lt1"/>
-        </a:fontRef>
-      </dsp:style>
-      <dsp:txBody>
-        <a:bodyPr spcFirstLastPara="0" vert="horz" wrap="square" lIns="76200" tIns="76200" rIns="76200" bIns="76200" numCol="1" spcCol="1270" anchor="ctr" anchorCtr="0">
-          <a:noAutofit/>
-        </a:bodyPr>
-        <a:lstStyle/>
-        <a:p>
-          <a:pPr lvl="0" algn="ctr" defTabSz="889000">
-            <a:lnSpc>
-              <a:spcPct val="90000"/>
-            </a:lnSpc>
-            <a:spcBef>
-              <a:spcPct val="0"/>
-            </a:spcBef>
-            <a:spcAft>
-              <a:spcPct val="35000"/>
-            </a:spcAft>
-          </a:pPr>
-          <a:r>
-            <a:rPr lang="es-ES" sz="2000" kern="1200" dirty="0" smtClean="0"/>
-            <a:t>SPRINT N</a:t>
-          </a:r>
-          <a:endParaRPr lang="es-ES" sz="2000" kern="1200" dirty="0"/>
-        </a:p>
-      </dsp:txBody>
-      <dsp:txXfrm>
-        <a:off x="6472219" y="782287"/>
-        <a:ext cx="1739127" cy="883696"/>
-      </dsp:txXfrm>
-    </dsp:sp>
   </dsp:spTree>
 </dsp:drawing>
 </file>
@@ -3032,7 +2631,7 @@
           <a:p>
             <a:fld id="{1524C607-EC43-4D45-819C-01ED569A62A9}" type="datetimeFigureOut">
               <a:rPr lang="es-ES_tradnl" smtClean="0"/>
-              <a:t>20/11/2015</a:t>
+              <a:t>23/11/2015</a:t>
             </a:fld>
             <a:endParaRPr lang="es-ES_tradnl"/>
           </a:p>
@@ -3197,7 +2796,7 @@
           <a:p>
             <a:fld id="{26D2F09D-BAE4-494B-8CCF-2A216F98B43B}" type="datetimeFigureOut">
               <a:rPr lang="es-ES_tradnl" smtClean="0"/>
-              <a:t>20/11/2015</a:t>
+              <a:t>23/11/2015</a:t>
             </a:fld>
             <a:endParaRPr lang="es-ES_tradnl"/>
           </a:p>
@@ -6153,7 +5752,7 @@
           <a:p>
             <a:fld id="{CBF0928C-8919-4079-8CB5-882BC2C58241}" type="datetimeFigureOut">
               <a:rPr lang="en-US" smtClean="0"/>
-              <a:t>11/20/2015</a:t>
+              <a:t>23/11/2015</a:t>
             </a:fld>
             <a:endParaRPr lang="en-US"/>
           </a:p>
@@ -15786,12 +15385,12 @@
               <a:t>… y </a:t>
             </a:r>
             <a:r>
-              <a:rPr lang="es-ES" dirty="0" err="1" smtClean="0"/>
-              <a:t>algom</a:t>
-            </a:r>
-            <a:r>
               <a:rPr lang="es-ES" dirty="0" smtClean="0"/>
-              <a:t> más…</a:t>
+              <a:t>algo </a:t>
+            </a:r>
+            <a:r>
+              <a:rPr lang="es-ES" dirty="0" smtClean="0"/>
+              <a:t>más…</a:t>
             </a:r>
             <a:endParaRPr lang="en-US" dirty="0" smtClean="0"/>
           </a:p>
@@ -15888,6 +15487,891 @@
           <a:chExt cx="0" cy="0"/>
         </a:xfrm>
       </p:grpSpPr>
+      <p:pic>
+        <p:nvPicPr>
+          <p:cNvPr id="6" name="Imagen 5"/>
+          <p:cNvPicPr>
+            <a:picLocks noChangeAspect="1"/>
+          </p:cNvPicPr>
+          <p:nvPr/>
+        </p:nvPicPr>
+        <p:blipFill>
+          <a:blip r:embed="rId2"/>
+          <a:stretch>
+            <a:fillRect/>
+          </a:stretch>
+        </p:blipFill>
+        <p:spPr>
+          <a:xfrm>
+            <a:off x="6093514" y="338436"/>
+            <a:ext cx="5800726" cy="5706787"/>
+          </a:xfrm>
+          <a:prstGeom prst="rect">
+            <a:avLst/>
+          </a:prstGeom>
+          <a:solidFill>
+            <a:srgbClr val="FFFFFF">
+              <a:shade val="85000"/>
+            </a:srgbClr>
+          </a:solidFill>
+          <a:ln w="88900" cap="sq">
+            <a:solidFill>
+              <a:srgbClr val="FFFFFF"/>
+            </a:solidFill>
+            <a:miter lim="800000"/>
+          </a:ln>
+          <a:effectLst>
+            <a:outerShdw blurRad="55000" dist="18000" dir="5400000" algn="tl" rotWithShape="0">
+              <a:srgbClr val="000000">
+                <a:alpha val="40000"/>
+              </a:srgbClr>
+            </a:outerShdw>
+          </a:effectLst>
+          <a:scene3d>
+            <a:camera prst="orthographicFront"/>
+            <a:lightRig rig="twoPt" dir="t">
+              <a:rot lat="0" lon="0" rev="7200000"/>
+            </a:lightRig>
+          </a:scene3d>
+          <a:sp3d>
+            <a:bevelT w="25400" h="19050"/>
+            <a:contourClr>
+              <a:srgbClr val="FFFFFF"/>
+            </a:contourClr>
+          </a:sp3d>
+        </p:spPr>
+      </p:pic>
+      <p:sp>
+        <p:nvSpPr>
+          <p:cNvPr id="2" name="Título 1"/>
+          <p:cNvSpPr>
+            <a:spLocks noGrp="1"/>
+          </p:cNvSpPr>
+          <p:nvPr>
+            <p:ph type="title"/>
+          </p:nvPr>
+        </p:nvSpPr>
+        <p:spPr>
+          <a:xfrm>
+            <a:off x="838200" y="25620"/>
+            <a:ext cx="10515600" cy="850263"/>
+          </a:xfrm>
+        </p:spPr>
+        <p:txBody>
+          <a:bodyPr/>
+          <a:lstStyle/>
+          <a:p>
+            <a:r>
+              <a:rPr lang="es-ES" dirty="0" err="1" smtClean="0"/>
+              <a:t>Stubs</a:t>
+            </a:r>
+            <a:endParaRPr lang="es-ES" dirty="0"/>
+          </a:p>
+        </p:txBody>
+      </p:sp>
+      <p:sp>
+        <p:nvSpPr>
+          <p:cNvPr id="3" name="Marcador de contenido 2"/>
+          <p:cNvSpPr>
+            <a:spLocks noGrp="1"/>
+          </p:cNvSpPr>
+          <p:nvPr>
+            <p:ph idx="1"/>
+          </p:nvPr>
+        </p:nvSpPr>
+        <p:spPr>
+          <a:xfrm>
+            <a:off x="838200" y="769546"/>
+            <a:ext cx="10515600" cy="5407418"/>
+          </a:xfrm>
+        </p:spPr>
+        <p:txBody>
+          <a:bodyPr/>
+          <a:lstStyle/>
+          <a:p>
+            <a:r>
+              <a:rPr lang="en-US" sz="2400" dirty="0" err="1" smtClean="0"/>
+              <a:t>Es</a:t>
+            </a:r>
+            <a:r>
+              <a:rPr lang="en-US" sz="2400" dirty="0" smtClean="0"/>
+              <a:t> un spy “</a:t>
+            </a:r>
+            <a:r>
+              <a:rPr lang="en-US" sz="2400" dirty="0" err="1" smtClean="0"/>
+              <a:t>vitaminado</a:t>
+            </a:r>
+            <a:r>
+              <a:rPr lang="en-US" sz="2400" dirty="0" smtClean="0"/>
+              <a:t>”</a:t>
+            </a:r>
+          </a:p>
+          <a:p>
+            <a:pPr marL="0" indent="0">
+              <a:buNone/>
+            </a:pPr>
+            <a:r>
+              <a:rPr lang="en-US" sz="2400" dirty="0" smtClean="0"/>
+              <a:t>    (</a:t>
+            </a:r>
+            <a:r>
+              <a:rPr lang="en-US" sz="2400" dirty="0" err="1" smtClean="0"/>
+              <a:t>sabemos</a:t>
+            </a:r>
+            <a:r>
+              <a:rPr lang="en-US" sz="2400" dirty="0" smtClean="0"/>
+              <a:t> </a:t>
+            </a:r>
+            <a:r>
+              <a:rPr lang="en-US" sz="2400" dirty="0" err="1" smtClean="0"/>
+              <a:t>si</a:t>
+            </a:r>
+            <a:r>
+              <a:rPr lang="en-US" sz="2400" dirty="0" smtClean="0"/>
+              <a:t> se llama)</a:t>
+            </a:r>
+            <a:endParaRPr lang="es-ES" sz="2400" dirty="0" smtClean="0"/>
+          </a:p>
+          <a:p>
+            <a:r>
+              <a:rPr lang="es-ES" sz="2400" dirty="0" smtClean="0"/>
+              <a:t>Tiene las funciones que necesitamos </a:t>
+            </a:r>
+          </a:p>
+          <a:p>
+            <a:pPr marL="0" indent="0">
+              <a:buNone/>
+            </a:pPr>
+            <a:r>
+              <a:rPr lang="es-ES" sz="2400" dirty="0" smtClean="0"/>
+              <a:t>   devolviendo un valor fijo</a:t>
+            </a:r>
+            <a:endParaRPr lang="es-ES" sz="2400" dirty="0"/>
+          </a:p>
+        </p:txBody>
+      </p:sp>
+      <p:pic>
+        <p:nvPicPr>
+          <p:cNvPr id="4" name="Imagen 3"/>
+          <p:cNvPicPr>
+            <a:picLocks noChangeAspect="1"/>
+          </p:cNvPicPr>
+          <p:nvPr/>
+        </p:nvPicPr>
+        <p:blipFill>
+          <a:blip r:embed="rId3"/>
+          <a:stretch>
+            <a:fillRect/>
+          </a:stretch>
+        </p:blipFill>
+        <p:spPr>
+          <a:xfrm>
+            <a:off x="1136581" y="2571784"/>
+            <a:ext cx="4773889" cy="3584044"/>
+          </a:xfrm>
+          <a:prstGeom prst="rect">
+            <a:avLst/>
+          </a:prstGeom>
+          <a:solidFill>
+            <a:srgbClr val="FFFFFF">
+              <a:shade val="85000"/>
+            </a:srgbClr>
+          </a:solidFill>
+          <a:ln w="88900" cap="sq">
+            <a:solidFill>
+              <a:srgbClr val="FFFFFF"/>
+            </a:solidFill>
+            <a:miter lim="800000"/>
+          </a:ln>
+          <a:effectLst>
+            <a:outerShdw blurRad="55000" dist="18000" dir="5400000" algn="tl" rotWithShape="0">
+              <a:srgbClr val="000000">
+                <a:alpha val="40000"/>
+              </a:srgbClr>
+            </a:outerShdw>
+          </a:effectLst>
+          <a:scene3d>
+            <a:camera prst="orthographicFront"/>
+            <a:lightRig rig="twoPt" dir="t">
+              <a:rot lat="0" lon="0" rev="7200000"/>
+            </a:lightRig>
+          </a:scene3d>
+          <a:sp3d>
+            <a:bevelT w="25400" h="19050"/>
+            <a:contourClr>
+              <a:srgbClr val="FFFFFF"/>
+            </a:contourClr>
+          </a:sp3d>
+        </p:spPr>
+      </p:pic>
+      <p:sp>
+        <p:nvSpPr>
+          <p:cNvPr id="5" name="Rectángulo 4"/>
+          <p:cNvSpPr/>
+          <p:nvPr/>
+        </p:nvSpPr>
+        <p:spPr>
+          <a:xfrm>
+            <a:off x="1080789" y="6056245"/>
+            <a:ext cx="5429884" cy="523220"/>
+          </a:xfrm>
+          <a:prstGeom prst="rect">
+            <a:avLst/>
+          </a:prstGeom>
+        </p:spPr>
+        <p:txBody>
+          <a:bodyPr wrap="none">
+            <a:spAutoFit/>
+          </a:bodyPr>
+          <a:lstStyle/>
+          <a:p>
+            <a:r>
+              <a:rPr lang="es-ES" sz="2800" dirty="0"/>
+              <a:t>http://jsfiddle.net/Ericuss/vujvaxx4</a:t>
+            </a:r>
+            <a:r>
+              <a:rPr lang="es-ES" dirty="0"/>
+              <a:t>/</a:t>
+            </a:r>
+          </a:p>
+        </p:txBody>
+      </p:sp>
+    </p:spTree>
+    <p:extLst>
+      <p:ext uri="{BB962C8B-B14F-4D97-AF65-F5344CB8AC3E}">
+        <p14:creationId xmlns:p14="http://schemas.microsoft.com/office/powerpoint/2010/main" val="1177701694"/>
+      </p:ext>
+    </p:extLst>
+  </p:cSld>
+  <p:clrMapOvr>
+    <a:masterClrMapping/>
+  </p:clrMapOvr>
+  <p:timing>
+    <p:tnLst>
+      <p:par>
+        <p:cTn id="1" dur="indefinite" restart="never" nodeType="tmRoot"/>
+      </p:par>
+    </p:tnLst>
+  </p:timing>
+</p:sld>
+</file>
+
+<file path=ppt/slides/slide11.xml><?xml version="1.0" encoding="utf-8"?>
+<p:sld xmlns:a="http://schemas.openxmlformats.org/drawingml/2006/main" xmlns:r="http://schemas.openxmlformats.org/officeDocument/2006/relationships" xmlns:p="http://schemas.openxmlformats.org/presentationml/2006/main">
+  <p:cSld>
+    <p:spTree>
+      <p:nvGrpSpPr>
+        <p:cNvPr id="1" name=""/>
+        <p:cNvGrpSpPr/>
+        <p:nvPr/>
+      </p:nvGrpSpPr>
+      <p:grpSpPr>
+        <a:xfrm>
+          <a:off x="0" y="0"/>
+          <a:ext cx="0" cy="0"/>
+          <a:chOff x="0" y="0"/>
+          <a:chExt cx="0" cy="0"/>
+        </a:xfrm>
+      </p:grpSpPr>
+      <p:sp>
+        <p:nvSpPr>
+          <p:cNvPr id="2" name="Título 1"/>
+          <p:cNvSpPr>
+            <a:spLocks noGrp="1"/>
+          </p:cNvSpPr>
+          <p:nvPr>
+            <p:ph type="title"/>
+          </p:nvPr>
+        </p:nvSpPr>
+        <p:spPr>
+          <a:xfrm>
+            <a:off x="838200" y="25620"/>
+            <a:ext cx="10515600" cy="850263"/>
+          </a:xfrm>
+        </p:spPr>
+        <p:txBody>
+          <a:bodyPr/>
+          <a:lstStyle/>
+          <a:p>
+            <a:r>
+              <a:rPr lang="es-ES" dirty="0" err="1" smtClean="0"/>
+              <a:t>Stubs</a:t>
+            </a:r>
+            <a:r>
+              <a:rPr lang="es-ES" dirty="0" smtClean="0"/>
+              <a:t> con </a:t>
+            </a:r>
+            <a:r>
+              <a:rPr lang="es-ES" dirty="0" err="1" smtClean="0"/>
+              <a:t>sinon</a:t>
+            </a:r>
+            <a:endParaRPr lang="es-ES" dirty="0"/>
+          </a:p>
+        </p:txBody>
+      </p:sp>
+      <p:sp>
+        <p:nvSpPr>
+          <p:cNvPr id="3" name="Marcador de contenido 2"/>
+          <p:cNvSpPr>
+            <a:spLocks noGrp="1"/>
+          </p:cNvSpPr>
+          <p:nvPr>
+            <p:ph idx="1"/>
+          </p:nvPr>
+        </p:nvSpPr>
+        <p:spPr>
+          <a:xfrm>
+            <a:off x="838200" y="769546"/>
+            <a:ext cx="10515600" cy="5407418"/>
+          </a:xfrm>
+        </p:spPr>
+        <p:txBody>
+          <a:bodyPr/>
+          <a:lstStyle/>
+          <a:p>
+            <a:r>
+              <a:rPr lang="en-US" sz="2400" dirty="0" err="1" smtClean="0"/>
+              <a:t>Es</a:t>
+            </a:r>
+            <a:r>
+              <a:rPr lang="en-US" sz="2400" dirty="0" smtClean="0"/>
+              <a:t> un spy “</a:t>
+            </a:r>
+            <a:r>
+              <a:rPr lang="en-US" sz="2400" dirty="0" err="1" smtClean="0"/>
+              <a:t>vitaminado</a:t>
+            </a:r>
+            <a:r>
+              <a:rPr lang="en-US" sz="2400" dirty="0" smtClean="0"/>
+              <a:t>”</a:t>
+            </a:r>
+          </a:p>
+          <a:p>
+            <a:pPr marL="0" indent="0">
+              <a:buNone/>
+            </a:pPr>
+            <a:r>
+              <a:rPr lang="en-US" sz="2400" dirty="0" smtClean="0"/>
+              <a:t>    (</a:t>
+            </a:r>
+            <a:r>
+              <a:rPr lang="en-US" sz="2400" dirty="0" err="1" smtClean="0"/>
+              <a:t>sabemos</a:t>
+            </a:r>
+            <a:r>
+              <a:rPr lang="en-US" sz="2400" dirty="0" smtClean="0"/>
+              <a:t> </a:t>
+            </a:r>
+            <a:r>
+              <a:rPr lang="en-US" sz="2400" dirty="0" err="1" smtClean="0"/>
+              <a:t>si</a:t>
+            </a:r>
+            <a:r>
+              <a:rPr lang="en-US" sz="2400" dirty="0" smtClean="0"/>
+              <a:t> se llama)</a:t>
+            </a:r>
+            <a:endParaRPr lang="es-ES" sz="2400" dirty="0" smtClean="0"/>
+          </a:p>
+          <a:p>
+            <a:r>
+              <a:rPr lang="es-ES" sz="2400" dirty="0" smtClean="0"/>
+              <a:t>Tiene las funciones que necesitamos </a:t>
+            </a:r>
+          </a:p>
+          <a:p>
+            <a:pPr marL="0" indent="0">
+              <a:buNone/>
+            </a:pPr>
+            <a:r>
+              <a:rPr lang="es-ES" sz="2400" dirty="0" smtClean="0"/>
+              <a:t>   devolviendo un valor fijo</a:t>
+            </a:r>
+            <a:endParaRPr lang="es-ES" sz="2400" dirty="0"/>
+          </a:p>
+        </p:txBody>
+      </p:sp>
+      <p:pic>
+        <p:nvPicPr>
+          <p:cNvPr id="4" name="Imagen 3"/>
+          <p:cNvPicPr>
+            <a:picLocks noChangeAspect="1"/>
+          </p:cNvPicPr>
+          <p:nvPr/>
+        </p:nvPicPr>
+        <p:blipFill>
+          <a:blip r:embed="rId2"/>
+          <a:stretch>
+            <a:fillRect/>
+          </a:stretch>
+        </p:blipFill>
+        <p:spPr>
+          <a:xfrm>
+            <a:off x="1136582" y="2571784"/>
+            <a:ext cx="4651660" cy="3492279"/>
+          </a:xfrm>
+          <a:prstGeom prst="rect">
+            <a:avLst/>
+          </a:prstGeom>
+          <a:solidFill>
+            <a:srgbClr val="FFFFFF">
+              <a:shade val="85000"/>
+            </a:srgbClr>
+          </a:solidFill>
+          <a:ln w="88900" cap="sq">
+            <a:solidFill>
+              <a:srgbClr val="FFFFFF"/>
+            </a:solidFill>
+            <a:miter lim="800000"/>
+          </a:ln>
+          <a:effectLst>
+            <a:outerShdw blurRad="55000" dist="18000" dir="5400000" algn="tl" rotWithShape="0">
+              <a:srgbClr val="000000">
+                <a:alpha val="40000"/>
+              </a:srgbClr>
+            </a:outerShdw>
+          </a:effectLst>
+          <a:scene3d>
+            <a:camera prst="orthographicFront"/>
+            <a:lightRig rig="twoPt" dir="t">
+              <a:rot lat="0" lon="0" rev="7200000"/>
+            </a:lightRig>
+          </a:scene3d>
+          <a:sp3d>
+            <a:bevelT w="25400" h="19050"/>
+            <a:contourClr>
+              <a:srgbClr val="FFFFFF"/>
+            </a:contourClr>
+          </a:sp3d>
+        </p:spPr>
+      </p:pic>
+      <p:sp>
+        <p:nvSpPr>
+          <p:cNvPr id="5" name="Rectángulo 4"/>
+          <p:cNvSpPr/>
+          <p:nvPr/>
+        </p:nvSpPr>
+        <p:spPr>
+          <a:xfrm>
+            <a:off x="1080789" y="6056245"/>
+            <a:ext cx="5706049" cy="523220"/>
+          </a:xfrm>
+          <a:prstGeom prst="rect">
+            <a:avLst/>
+          </a:prstGeom>
+        </p:spPr>
+        <p:txBody>
+          <a:bodyPr wrap="none">
+            <a:spAutoFit/>
+          </a:bodyPr>
+          <a:lstStyle/>
+          <a:p>
+            <a:r>
+              <a:rPr lang="es-ES" sz="2800" dirty="0"/>
+              <a:t>http://jsfiddle.net/Ericuss/vmyuqzoe/</a:t>
+            </a:r>
+            <a:endParaRPr lang="es-ES" dirty="0"/>
+          </a:p>
+        </p:txBody>
+      </p:sp>
+      <p:pic>
+        <p:nvPicPr>
+          <p:cNvPr id="7" name="Imagen 6"/>
+          <p:cNvPicPr>
+            <a:picLocks noChangeAspect="1"/>
+          </p:cNvPicPr>
+          <p:nvPr/>
+        </p:nvPicPr>
+        <p:blipFill>
+          <a:blip r:embed="rId3"/>
+          <a:stretch>
+            <a:fillRect/>
+          </a:stretch>
+        </p:blipFill>
+        <p:spPr>
+          <a:xfrm>
+            <a:off x="6208851" y="665825"/>
+            <a:ext cx="5874633" cy="5129962"/>
+          </a:xfrm>
+          <a:prstGeom prst="rect">
+            <a:avLst/>
+          </a:prstGeom>
+          <a:solidFill>
+            <a:srgbClr val="FFFFFF">
+              <a:shade val="85000"/>
+            </a:srgbClr>
+          </a:solidFill>
+          <a:ln w="88900" cap="sq">
+            <a:solidFill>
+              <a:srgbClr val="FFFFFF"/>
+            </a:solidFill>
+            <a:miter lim="800000"/>
+          </a:ln>
+          <a:effectLst>
+            <a:outerShdw blurRad="55000" dist="18000" dir="5400000" algn="tl" rotWithShape="0">
+              <a:srgbClr val="000000">
+                <a:alpha val="40000"/>
+              </a:srgbClr>
+            </a:outerShdw>
+          </a:effectLst>
+          <a:scene3d>
+            <a:camera prst="orthographicFront"/>
+            <a:lightRig rig="twoPt" dir="t">
+              <a:rot lat="0" lon="0" rev="7200000"/>
+            </a:lightRig>
+          </a:scene3d>
+          <a:sp3d>
+            <a:bevelT w="25400" h="19050"/>
+            <a:contourClr>
+              <a:srgbClr val="FFFFFF"/>
+            </a:contourClr>
+          </a:sp3d>
+        </p:spPr>
+      </p:pic>
+    </p:spTree>
+    <p:extLst>
+      <p:ext uri="{BB962C8B-B14F-4D97-AF65-F5344CB8AC3E}">
+        <p14:creationId xmlns:p14="http://schemas.microsoft.com/office/powerpoint/2010/main" val="1232745985"/>
+      </p:ext>
+    </p:extLst>
+  </p:cSld>
+  <p:clrMapOvr>
+    <a:masterClrMapping/>
+  </p:clrMapOvr>
+  <p:timing>
+    <p:tnLst>
+      <p:par>
+        <p:cTn id="1" dur="indefinite" restart="never" nodeType="tmRoot"/>
+      </p:par>
+    </p:tnLst>
+  </p:timing>
+</p:sld>
+</file>
+
+<file path=ppt/slides/slide12.xml><?xml version="1.0" encoding="utf-8"?>
+<p:sld xmlns:a="http://schemas.openxmlformats.org/drawingml/2006/main" xmlns:r="http://schemas.openxmlformats.org/officeDocument/2006/relationships" xmlns:p="http://schemas.openxmlformats.org/presentationml/2006/main">
+  <p:cSld>
+    <p:spTree>
+      <p:nvGrpSpPr>
+        <p:cNvPr id="1" name=""/>
+        <p:cNvGrpSpPr/>
+        <p:nvPr/>
+      </p:nvGrpSpPr>
+      <p:grpSpPr>
+        <a:xfrm>
+          <a:off x="0" y="0"/>
+          <a:ext cx="0" cy="0"/>
+          <a:chOff x="0" y="0"/>
+          <a:chExt cx="0" cy="0"/>
+        </a:xfrm>
+      </p:grpSpPr>
+      <p:sp>
+        <p:nvSpPr>
+          <p:cNvPr id="2" name="Título 1"/>
+          <p:cNvSpPr>
+            <a:spLocks noGrp="1"/>
+          </p:cNvSpPr>
+          <p:nvPr>
+            <p:ph type="title"/>
+          </p:nvPr>
+        </p:nvSpPr>
+        <p:spPr>
+          <a:xfrm>
+            <a:off x="838200" y="134256"/>
+            <a:ext cx="10515600" cy="850263"/>
+          </a:xfrm>
+        </p:spPr>
+        <p:txBody>
+          <a:bodyPr/>
+          <a:lstStyle/>
+          <a:p>
+            <a:r>
+              <a:rPr lang="es-ES" dirty="0" err="1" smtClean="0"/>
+              <a:t>Mock</a:t>
+            </a:r>
+            <a:endParaRPr lang="es-ES" dirty="0"/>
+          </a:p>
+        </p:txBody>
+      </p:sp>
+      <p:sp>
+        <p:nvSpPr>
+          <p:cNvPr id="3" name="Marcador de contenido 2"/>
+          <p:cNvSpPr>
+            <a:spLocks noGrp="1"/>
+          </p:cNvSpPr>
+          <p:nvPr>
+            <p:ph idx="1"/>
+          </p:nvPr>
+        </p:nvSpPr>
+        <p:spPr>
+          <a:xfrm>
+            <a:off x="838200" y="1213164"/>
+            <a:ext cx="5607867" cy="4963800"/>
+          </a:xfrm>
+        </p:spPr>
+        <p:txBody>
+          <a:bodyPr/>
+          <a:lstStyle/>
+          <a:p>
+            <a:r>
+              <a:rPr lang="es-ES" sz="2400" dirty="0" smtClean="0"/>
+              <a:t>Tiene algo de comportamiento</a:t>
+            </a:r>
+          </a:p>
+          <a:p>
+            <a:r>
+              <a:rPr lang="es-ES" sz="2400" dirty="0" smtClean="0"/>
+              <a:t>Sobretodo sirve para sustituir servicios</a:t>
+            </a:r>
+            <a:endParaRPr lang="es-ES" sz="2400" dirty="0"/>
+          </a:p>
+        </p:txBody>
+      </p:sp>
+      <p:sp>
+        <p:nvSpPr>
+          <p:cNvPr id="5" name="Rectángulo 4"/>
+          <p:cNvSpPr/>
+          <p:nvPr/>
+        </p:nvSpPr>
+        <p:spPr>
+          <a:xfrm>
+            <a:off x="1080789" y="6056245"/>
+            <a:ext cx="5626092" cy="523220"/>
+          </a:xfrm>
+          <a:prstGeom prst="rect">
+            <a:avLst/>
+          </a:prstGeom>
+        </p:spPr>
+        <p:txBody>
+          <a:bodyPr wrap="none">
+            <a:spAutoFit/>
+          </a:bodyPr>
+          <a:lstStyle/>
+          <a:p>
+            <a:r>
+              <a:rPr lang="es-ES" sz="2800" dirty="0"/>
+              <a:t>http://jsfiddle.net/Ericuss/d15p5ozL/</a:t>
+            </a:r>
+            <a:endParaRPr lang="es-ES" dirty="0"/>
+          </a:p>
+        </p:txBody>
+      </p:sp>
+      <p:pic>
+        <p:nvPicPr>
+          <p:cNvPr id="7" name="Imagen 6"/>
+          <p:cNvPicPr>
+            <a:picLocks noChangeAspect="1"/>
+          </p:cNvPicPr>
+          <p:nvPr/>
+        </p:nvPicPr>
+        <p:blipFill>
+          <a:blip r:embed="rId2"/>
+          <a:stretch>
+            <a:fillRect/>
+          </a:stretch>
+        </p:blipFill>
+        <p:spPr>
+          <a:xfrm>
+            <a:off x="1080788" y="2710755"/>
+            <a:ext cx="4230067" cy="1906509"/>
+          </a:xfrm>
+          <a:prstGeom prst="rect">
+            <a:avLst/>
+          </a:prstGeom>
+          <a:solidFill>
+            <a:srgbClr val="FFFFFF">
+              <a:shade val="85000"/>
+            </a:srgbClr>
+          </a:solidFill>
+          <a:ln w="88900" cap="sq">
+            <a:solidFill>
+              <a:srgbClr val="FFFFFF"/>
+            </a:solidFill>
+            <a:miter lim="800000"/>
+          </a:ln>
+          <a:effectLst>
+            <a:outerShdw blurRad="55000" dist="18000" dir="5400000" algn="tl" rotWithShape="0">
+              <a:srgbClr val="000000">
+                <a:alpha val="40000"/>
+              </a:srgbClr>
+            </a:outerShdw>
+          </a:effectLst>
+          <a:scene3d>
+            <a:camera prst="orthographicFront"/>
+            <a:lightRig rig="twoPt" dir="t">
+              <a:rot lat="0" lon="0" rev="7200000"/>
+            </a:lightRig>
+          </a:scene3d>
+          <a:sp3d>
+            <a:bevelT w="25400" h="19050"/>
+            <a:contourClr>
+              <a:srgbClr val="FFFFFF"/>
+            </a:contourClr>
+          </a:sp3d>
+        </p:spPr>
+      </p:pic>
+      <p:pic>
+        <p:nvPicPr>
+          <p:cNvPr id="8" name="Imagen 7"/>
+          <p:cNvPicPr>
+            <a:picLocks noChangeAspect="1"/>
+          </p:cNvPicPr>
+          <p:nvPr/>
+        </p:nvPicPr>
+        <p:blipFill>
+          <a:blip r:embed="rId3"/>
+          <a:stretch>
+            <a:fillRect/>
+          </a:stretch>
+        </p:blipFill>
+        <p:spPr>
+          <a:xfrm>
+            <a:off x="7695447" y="70885"/>
+            <a:ext cx="4355468" cy="6751851"/>
+          </a:xfrm>
+          <a:prstGeom prst="rect">
+            <a:avLst/>
+          </a:prstGeom>
+          <a:solidFill>
+            <a:srgbClr val="FFFFFF">
+              <a:shade val="85000"/>
+            </a:srgbClr>
+          </a:solidFill>
+          <a:ln w="88900" cap="sq">
+            <a:solidFill>
+              <a:srgbClr val="FFFFFF"/>
+            </a:solidFill>
+            <a:miter lim="800000"/>
+          </a:ln>
+          <a:effectLst>
+            <a:outerShdw blurRad="55000" dist="18000" dir="5400000" algn="tl" rotWithShape="0">
+              <a:srgbClr val="000000">
+                <a:alpha val="40000"/>
+              </a:srgbClr>
+            </a:outerShdw>
+          </a:effectLst>
+          <a:scene3d>
+            <a:camera prst="orthographicFront"/>
+            <a:lightRig rig="twoPt" dir="t">
+              <a:rot lat="0" lon="0" rev="7200000"/>
+            </a:lightRig>
+          </a:scene3d>
+          <a:sp3d>
+            <a:bevelT w="25400" h="19050"/>
+            <a:contourClr>
+              <a:srgbClr val="FFFFFF"/>
+            </a:contourClr>
+          </a:sp3d>
+        </p:spPr>
+      </p:pic>
+    </p:spTree>
+    <p:extLst>
+      <p:ext uri="{BB962C8B-B14F-4D97-AF65-F5344CB8AC3E}">
+        <p14:creationId xmlns:p14="http://schemas.microsoft.com/office/powerpoint/2010/main" val="4036135093"/>
+      </p:ext>
+    </p:extLst>
+  </p:cSld>
+  <p:clrMapOvr>
+    <a:masterClrMapping/>
+  </p:clrMapOvr>
+  <p:timing>
+    <p:tnLst>
+      <p:par>
+        <p:cTn id="1" dur="indefinite" restart="never" nodeType="tmRoot"/>
+      </p:par>
+    </p:tnLst>
+  </p:timing>
+</p:sld>
+</file>
+
+<file path=ppt/slides/slide13.xml><?xml version="1.0" encoding="utf-8"?>
+<p:sld xmlns:a="http://schemas.openxmlformats.org/drawingml/2006/main" xmlns:r="http://schemas.openxmlformats.org/officeDocument/2006/relationships" xmlns:p="http://schemas.openxmlformats.org/presentationml/2006/main">
+  <p:cSld>
+    <p:spTree>
+      <p:nvGrpSpPr>
+        <p:cNvPr id="1" name=""/>
+        <p:cNvGrpSpPr/>
+        <p:nvPr/>
+      </p:nvGrpSpPr>
+      <p:grpSpPr>
+        <a:xfrm>
+          <a:off x="0" y="0"/>
+          <a:ext cx="0" cy="0"/>
+          <a:chOff x="0" y="0"/>
+          <a:chExt cx="0" cy="0"/>
+        </a:xfrm>
+      </p:grpSpPr>
+      <p:sp>
+        <p:nvSpPr>
+          <p:cNvPr id="2" name="Título 1"/>
+          <p:cNvSpPr>
+            <a:spLocks noGrp="1"/>
+          </p:cNvSpPr>
+          <p:nvPr>
+            <p:ph type="title"/>
+          </p:nvPr>
+        </p:nvSpPr>
+        <p:spPr/>
+        <p:txBody>
+          <a:bodyPr/>
+          <a:lstStyle/>
+          <a:p>
+            <a:r>
+              <a:rPr lang="es-ES" dirty="0" smtClean="0"/>
+              <a:t>Sinon.js (algo parecido!)</a:t>
+            </a:r>
+            <a:endParaRPr lang="es-ES" dirty="0"/>
+          </a:p>
+        </p:txBody>
+      </p:sp>
+      <p:sp>
+        <p:nvSpPr>
+          <p:cNvPr id="4" name="Marcador de contenido 3"/>
+          <p:cNvSpPr>
+            <a:spLocks noGrp="1"/>
+          </p:cNvSpPr>
+          <p:nvPr>
+            <p:ph idx="1"/>
+          </p:nvPr>
+        </p:nvSpPr>
+        <p:spPr/>
+        <p:txBody>
+          <a:bodyPr/>
+          <a:lstStyle/>
+          <a:p>
+            <a:endParaRPr lang="es-ES"/>
+          </a:p>
+        </p:txBody>
+      </p:sp>
+    </p:spTree>
+    <p:extLst>
+      <p:ext uri="{BB962C8B-B14F-4D97-AF65-F5344CB8AC3E}">
+        <p14:creationId xmlns:p14="http://schemas.microsoft.com/office/powerpoint/2010/main" val="2276218811"/>
+      </p:ext>
+    </p:extLst>
+  </p:cSld>
+  <p:clrMapOvr>
+    <a:masterClrMapping/>
+  </p:clrMapOvr>
+</p:sld>
+</file>
+
+<file path=ppt/slides/slide14.xml><?xml version="1.0" encoding="utf-8"?>
+<p:sld xmlns:a="http://schemas.openxmlformats.org/drawingml/2006/main" xmlns:r="http://schemas.openxmlformats.org/officeDocument/2006/relationships" xmlns:p="http://schemas.openxmlformats.org/presentationml/2006/main">
+  <p:cSld>
+    <p:spTree>
+      <p:nvGrpSpPr>
+        <p:cNvPr id="1" name=""/>
+        <p:cNvGrpSpPr/>
+        <p:nvPr/>
+      </p:nvGrpSpPr>
+      <p:grpSpPr>
+        <a:xfrm>
+          <a:off x="0" y="0"/>
+          <a:ext cx="0" cy="0"/>
+          <a:chOff x="0" y="0"/>
+          <a:chExt cx="0" cy="0"/>
+        </a:xfrm>
+      </p:grpSpPr>
       <p:sp>
         <p:nvSpPr>
           <p:cNvPr id="2" name="Título 1"/>
@@ -16068,7 +16552,7 @@
 </p:sld>
 </file>
 
-<file path=ppt/slides/slide11.xml><?xml version="1.0" encoding="utf-8"?>
+<file path=ppt/slides/slide15.xml><?xml version="1.0" encoding="utf-8"?>
 <p:sld xmlns:a="http://schemas.openxmlformats.org/drawingml/2006/main" xmlns:r="http://schemas.openxmlformats.org/officeDocument/2006/relationships" xmlns:p="http://schemas.openxmlformats.org/presentationml/2006/main">
   <p:cSld>
     <p:spTree>
@@ -16192,7 +16676,7 @@
               <a:t> de test </a:t>
             </a:r>
             <a:r>
-              <a:rPr lang="en-US" dirty="0" err="1" smtClean="0"/>
+              <a:rPr lang="es-ES" dirty="0" smtClean="0"/>
               <a:t>basado</a:t>
             </a:r>
             <a:r>
@@ -16210,139 +16694,36 @@
           </a:p>
           <a:p>
             <a:r>
-              <a:rPr lang="en-US" dirty="0" smtClean="0"/>
-              <a:t>Las </a:t>
-            </a:r>
-            <a:r>
-              <a:rPr lang="en-US" dirty="0" err="1" smtClean="0"/>
-              <a:t>diferencias</a:t>
-            </a:r>
-            <a:r>
-              <a:rPr lang="en-US" dirty="0" smtClean="0"/>
-              <a:t> </a:t>
-            </a:r>
-            <a:r>
-              <a:rPr lang="en-US" dirty="0" err="1" smtClean="0"/>
-              <a:t>respecto</a:t>
-            </a:r>
-            <a:r>
-              <a:rPr lang="en-US" dirty="0" smtClean="0"/>
-              <a:t> a TDD son:</a:t>
+              <a:rPr lang="es-ES" dirty="0" smtClean="0"/>
+              <a:t>Las diferencias respecto a TDD son:</a:t>
             </a:r>
           </a:p>
           <a:p>
             <a:pPr lvl="1"/>
             <a:r>
-              <a:rPr lang="en-US" dirty="0" smtClean="0"/>
-              <a:t>Los test son </a:t>
-            </a:r>
-            <a:r>
-              <a:rPr lang="en-US" dirty="0" err="1" smtClean="0"/>
-              <a:t>más</a:t>
-            </a:r>
-            <a:r>
-              <a:rPr lang="en-US" dirty="0" smtClean="0"/>
-              <a:t> </a:t>
-            </a:r>
-            <a:r>
-              <a:rPr lang="en-US" dirty="0" err="1" smtClean="0"/>
-              <a:t>descriptivos</a:t>
-            </a:r>
-            <a:endParaRPr lang="en-US" dirty="0" smtClean="0"/>
+              <a:rPr lang="es-ES" dirty="0" smtClean="0"/>
+              <a:t>Los test son más descriptivos</a:t>
+            </a:r>
           </a:p>
           <a:p>
             <a:pPr lvl="1"/>
             <a:r>
-              <a:rPr lang="en-US" dirty="0" smtClean="0"/>
-              <a:t>Son mas verbose</a:t>
-            </a:r>
+              <a:rPr lang="es-ES" dirty="0" smtClean="0"/>
+              <a:t>Son mas </a:t>
+            </a:r>
+            <a:r>
+              <a:rPr lang="es-ES" dirty="0" err="1" smtClean="0"/>
+              <a:t>verbose</a:t>
+            </a:r>
+            <a:endParaRPr lang="es-ES" dirty="0" smtClean="0"/>
           </a:p>
           <a:p>
             <a:pPr lvl="1"/>
             <a:r>
-              <a:rPr lang="en-US" dirty="0" smtClean="0"/>
-              <a:t>Al </a:t>
-            </a:r>
-            <a:r>
-              <a:rPr lang="en-US" dirty="0" err="1" smtClean="0"/>
-              <a:t>cumplir</a:t>
-            </a:r>
-            <a:r>
-              <a:rPr lang="en-US" dirty="0" smtClean="0"/>
-              <a:t> </a:t>
-            </a:r>
-            <a:r>
-              <a:rPr lang="en-US" dirty="0" err="1" smtClean="0"/>
-              <a:t>los</a:t>
-            </a:r>
-            <a:r>
-              <a:rPr lang="en-US" dirty="0" smtClean="0"/>
-              <a:t> 2 </a:t>
-            </a:r>
-            <a:r>
-              <a:rPr lang="en-US" dirty="0" err="1" smtClean="0"/>
-              <a:t>anteriores</a:t>
-            </a:r>
-            <a:r>
-              <a:rPr lang="en-US" dirty="0" smtClean="0"/>
-              <a:t> </a:t>
-            </a:r>
-            <a:r>
-              <a:rPr lang="en-US" dirty="0" err="1" smtClean="0"/>
-              <a:t>ayuda</a:t>
-            </a:r>
-            <a:r>
-              <a:rPr lang="en-US" dirty="0" smtClean="0"/>
-              <a:t> a que </a:t>
-            </a:r>
-            <a:r>
-              <a:rPr lang="en-US" dirty="0" err="1" smtClean="0"/>
-              <a:t>sirva</a:t>
-            </a:r>
-            <a:r>
-              <a:rPr lang="en-US" dirty="0" smtClean="0"/>
-              <a:t> de </a:t>
-            </a:r>
-            <a:r>
-              <a:rPr lang="en-US" dirty="0" err="1" smtClean="0"/>
-              <a:t>documentacion</a:t>
-            </a:r>
-            <a:r>
-              <a:rPr lang="en-US" dirty="0" smtClean="0"/>
-              <a:t> o que </a:t>
-            </a:r>
-            <a:r>
-              <a:rPr lang="en-US" dirty="0" err="1" smtClean="0"/>
-              <a:t>cualquiera</a:t>
-            </a:r>
-            <a:r>
-              <a:rPr lang="en-US" dirty="0" smtClean="0"/>
-              <a:t> </a:t>
-            </a:r>
-            <a:r>
-              <a:rPr lang="en-US" dirty="0" err="1" smtClean="0"/>
-              <a:t>pueda</a:t>
-            </a:r>
-            <a:r>
-              <a:rPr lang="en-US" dirty="0" smtClean="0"/>
-              <a:t> </a:t>
-            </a:r>
-            <a:r>
-              <a:rPr lang="en-US" dirty="0" err="1" smtClean="0"/>
-              <a:t>ententender</a:t>
-            </a:r>
-            <a:r>
-              <a:rPr lang="en-US" dirty="0" smtClean="0"/>
-              <a:t> la </a:t>
-            </a:r>
-            <a:r>
-              <a:rPr lang="en-US" dirty="0" err="1" smtClean="0"/>
-              <a:t>finalidad</a:t>
-            </a:r>
-            <a:r>
-              <a:rPr lang="en-US" dirty="0" smtClean="0"/>
-              <a:t> del test</a:t>
-            </a:r>
+              <a:rPr lang="es-ES" dirty="0" smtClean="0"/>
+              <a:t>Al cumplir los 2 anteriores ayuda a que sirva de documentación o que cualquiera pueda entender la finalidad del test</a:t>
+            </a:r>
+            <a:endParaRPr lang="es-ES" dirty="0" smtClean="0"/>
           </a:p>
         </p:txBody>
       </p:sp>
@@ -16399,10 +16780,10 @@
           <a:lstStyle/>
           <a:p>
             <a:r>
-              <a:rPr lang="en-US" dirty="0" smtClean="0"/>
-              <a:t>Test Double	</a:t>
-            </a:r>
-            <a:endParaRPr lang="en-US" dirty="0"/>
+              <a:rPr lang="es-ES" dirty="0" smtClean="0"/>
+              <a:t>Cómo utilizarlos en VS</a:t>
+            </a:r>
+            <a:endParaRPr lang="es-ES" dirty="0"/>
           </a:p>
         </p:txBody>
       </p:sp>
@@ -16422,146 +16803,40 @@
           <a:lstStyle/>
           <a:p>
             <a:r>
+              <a:rPr lang="es-ES" dirty="0" err="1" smtClean="0"/>
+              <a:t>Chutzpah</a:t>
+            </a:r>
+            <a:endParaRPr lang="es-ES" dirty="0" smtClean="0"/>
+          </a:p>
+          <a:p>
+            <a:r>
               <a:rPr lang="en-US" dirty="0" smtClean="0"/>
-              <a:t>Lo que se </a:t>
+              <a:t>Demo </a:t>
             </a:r>
             <a:r>
               <a:rPr lang="en-US" dirty="0" err="1" smtClean="0"/>
-              <a:t>utiliza</a:t>
-            </a:r>
-            <a:r>
-              <a:rPr lang="en-US" dirty="0" smtClean="0"/>
-              <a:t> para </a:t>
-            </a:r>
-            <a:r>
-              <a:rPr lang="en-US" dirty="0" err="1" smtClean="0"/>
-              <a:t>sustituir</a:t>
-            </a:r>
-            <a:r>
-              <a:rPr lang="en-US" dirty="0" smtClean="0"/>
-              <a:t> </a:t>
-            </a:r>
-            <a:r>
-              <a:rPr lang="en-US" dirty="0" err="1" smtClean="0"/>
-              <a:t>servicios</a:t>
-            </a:r>
-            <a:r>
-              <a:rPr lang="en-US" dirty="0" smtClean="0"/>
-              <a:t>, collaborators, </a:t>
-            </a:r>
-            <a:r>
-              <a:rPr lang="en-US" dirty="0" err="1" smtClean="0"/>
-              <a:t>obejtos</a:t>
-            </a:r>
-            <a:r>
-              <a:rPr lang="en-US" dirty="0" smtClean="0"/>
-              <a:t> </a:t>
-            </a:r>
-            <a:r>
-              <a:rPr lang="en-US" dirty="0" err="1" smtClean="0"/>
-              <a:t>ajenos</a:t>
-            </a:r>
-            <a:r>
-              <a:rPr lang="en-US" dirty="0" smtClean="0"/>
-              <a:t> o </a:t>
-            </a:r>
-            <a:r>
-              <a:rPr lang="en-US" dirty="0" err="1" smtClean="0"/>
-              <a:t>por</a:t>
-            </a:r>
-            <a:r>
-              <a:rPr lang="en-US" dirty="0" smtClean="0"/>
-              <a:t> </a:t>
-            </a:r>
-            <a:r>
-              <a:rPr lang="en-US" dirty="0" err="1" smtClean="0"/>
-              <a:t>parametros</a:t>
-            </a:r>
-            <a:r>
-              <a:rPr lang="en-US" dirty="0" smtClean="0"/>
-              <a:t>, …</a:t>
-            </a:r>
-          </a:p>
-          <a:p>
-            <a:r>
-              <a:rPr lang="en-US" dirty="0" smtClean="0"/>
-              <a:t>Los </a:t>
-            </a:r>
-            <a:r>
-              <a:rPr lang="en-US" dirty="0" err="1" smtClean="0"/>
-              <a:t>diferentes</a:t>
-            </a:r>
-            <a:r>
-              <a:rPr lang="en-US" dirty="0" smtClean="0"/>
-              <a:t> </a:t>
-            </a:r>
-            <a:r>
-              <a:rPr lang="en-US" dirty="0" err="1" smtClean="0"/>
-              <a:t>tipos</a:t>
-            </a:r>
-            <a:r>
-              <a:rPr lang="en-US" dirty="0" smtClean="0"/>
-              <a:t> son:</a:t>
-            </a:r>
-          </a:p>
-          <a:p>
-            <a:pPr lvl="1"/>
-            <a:r>
-              <a:rPr lang="en-US" dirty="0" smtClean="0"/>
-              <a:t>Dummy</a:t>
-            </a:r>
-          </a:p>
-          <a:p>
-            <a:pPr lvl="1"/>
-            <a:r>
-              <a:rPr lang="en-US" dirty="0" smtClean="0"/>
-              <a:t>Fake</a:t>
-            </a:r>
-          </a:p>
-          <a:p>
-            <a:pPr lvl="1"/>
-            <a:r>
-              <a:rPr lang="en-US" dirty="0" smtClean="0"/>
-              <a:t>Stubs</a:t>
-            </a:r>
-          </a:p>
-          <a:p>
-            <a:pPr lvl="1"/>
-            <a:r>
-              <a:rPr lang="en-US" dirty="0" smtClean="0"/>
-              <a:t>Spies</a:t>
-            </a:r>
-          </a:p>
-          <a:p>
-            <a:pPr lvl="1"/>
-            <a:r>
-              <a:rPr lang="en-US" dirty="0" smtClean="0"/>
-              <a:t>Mocks	</a:t>
-            </a:r>
-          </a:p>
-          <a:p>
-            <a:pPr lvl="1"/>
-            <a:endParaRPr lang="en-US" dirty="0"/>
+              <a:t>FizzBuzz</a:t>
+            </a:r>
+            <a:endParaRPr lang="es-ES" dirty="0" smtClean="0"/>
+          </a:p>
+          <a:p>
+            <a:pPr marL="0" indent="0">
+              <a:buNone/>
+            </a:pPr>
+            <a:endParaRPr lang="es-ES" dirty="0"/>
           </a:p>
         </p:txBody>
       </p:sp>
     </p:spTree>
     <p:extLst>
       <p:ext uri="{BB962C8B-B14F-4D97-AF65-F5344CB8AC3E}">
-        <p14:creationId xmlns:p14="http://schemas.microsoft.com/office/powerpoint/2010/main" val="1274272502"/>
+        <p14:creationId xmlns:p14="http://schemas.microsoft.com/office/powerpoint/2010/main" val="2447786033"/>
       </p:ext>
     </p:extLst>
   </p:cSld>
   <p:clrMapOvr>
     <a:masterClrMapping/>
   </p:clrMapOvr>
-  <p:timing>
-    <p:tnLst>
-      <p:par>
-        <p:cTn id="1" dur="indefinite" restart="never" nodeType="tmRoot"/>
-      </p:par>
-    </p:tnLst>
-  </p:timing>
 </p:sld>
 </file>
 
@@ -16599,7 +16874,7 @@
           <a:p>
             <a:r>
               <a:rPr lang="en-US" dirty="0" smtClean="0"/>
-              <a:t>Dummy</a:t>
+              <a:t>Test Double	</a:t>
             </a:r>
             <a:endParaRPr lang="en-US" dirty="0"/>
           </a:p>
@@ -16617,175 +16892,97 @@
         </p:nvSpPr>
         <p:spPr/>
         <p:txBody>
-          <a:bodyPr>
-            <a:normAutofit lnSpcReduction="10000"/>
-          </a:bodyPr>
+          <a:bodyPr/>
           <a:lstStyle/>
           <a:p>
             <a:r>
-              <a:rPr lang="en-US" dirty="0" err="1" smtClean="0"/>
-              <a:t>Objetos</a:t>
-            </a:r>
-            <a:r>
-              <a:rPr lang="en-US" dirty="0" smtClean="0"/>
-              <a:t> sin </a:t>
-            </a:r>
-            <a:r>
-              <a:rPr lang="en-US" dirty="0" err="1" smtClean="0"/>
-              <a:t>comportamiento</a:t>
-            </a:r>
-            <a:endParaRPr lang="en-US" dirty="0" smtClean="0"/>
-          </a:p>
-          <a:p>
-            <a:r>
-              <a:rPr lang="en-US" dirty="0" smtClean="0"/>
-              <a:t>Se </a:t>
-            </a:r>
-            <a:r>
-              <a:rPr lang="en-US" dirty="0" err="1" smtClean="0"/>
-              <a:t>utiliza</a:t>
-            </a:r>
-            <a:r>
-              <a:rPr lang="en-US" dirty="0" smtClean="0"/>
-              <a:t> para no </a:t>
-            </a:r>
-            <a:r>
-              <a:rPr lang="en-US" dirty="0" err="1" smtClean="0"/>
-              <a:t>pasar</a:t>
-            </a:r>
-            <a:r>
-              <a:rPr lang="en-US" dirty="0" smtClean="0"/>
-              <a:t> un null, </a:t>
-            </a:r>
-            <a:r>
-              <a:rPr lang="en-US" dirty="0" err="1" smtClean="0"/>
-              <a:t>agregar</a:t>
-            </a:r>
-            <a:r>
-              <a:rPr lang="en-US" dirty="0" smtClean="0"/>
-              <a:t> a arrays, etc.</a:t>
-            </a:r>
-          </a:p>
-          <a:p>
-            <a:pPr marL="0" indent="0">
-              <a:buNone/>
-            </a:pPr>
-            <a:endParaRPr lang="en-US" dirty="0"/>
-          </a:p>
-          <a:p>
-            <a:pPr marL="0" indent="0">
-              <a:buNone/>
-            </a:pPr>
-            <a:endParaRPr lang="en-US" dirty="0" smtClean="0"/>
-          </a:p>
-          <a:p>
-            <a:pPr marL="0" indent="0">
-              <a:buNone/>
-            </a:pPr>
-            <a:endParaRPr lang="en-US" dirty="0"/>
-          </a:p>
-          <a:p>
-            <a:pPr marL="0" indent="0">
-              <a:buNone/>
-            </a:pPr>
-            <a:endParaRPr lang="en-US" dirty="0" smtClean="0"/>
-          </a:p>
-          <a:p>
-            <a:pPr marL="0" indent="0">
-              <a:buNone/>
-            </a:pPr>
-            <a:endParaRPr lang="en-US" dirty="0"/>
-          </a:p>
-          <a:p>
-            <a:pPr marL="0" indent="0">
-              <a:buNone/>
-            </a:pPr>
-            <a:endParaRPr lang="en-US" dirty="0" smtClean="0"/>
-          </a:p>
-          <a:p>
-            <a:pPr marL="0" indent="0">
-              <a:buNone/>
-            </a:pPr>
-            <a:r>
-              <a:rPr lang="en-US" dirty="0" smtClean="0"/>
-              <a:t>https://jsfiddle.net/Ericuss/b03zs7kg/</a:t>
-            </a:r>
+              <a:rPr lang="es-ES" dirty="0" smtClean="0"/>
+              <a:t>Lo que se utiliza para sustituir servicios, </a:t>
+            </a:r>
+            <a:r>
+              <a:rPr lang="es-ES" dirty="0" err="1" smtClean="0"/>
+              <a:t>collaborators</a:t>
+            </a:r>
+            <a:r>
+              <a:rPr lang="es-ES" dirty="0" smtClean="0"/>
+              <a:t>, </a:t>
+            </a:r>
+            <a:r>
+              <a:rPr lang="es-ES" dirty="0" err="1" smtClean="0"/>
+              <a:t>obejtos</a:t>
+            </a:r>
+            <a:r>
+              <a:rPr lang="es-ES" dirty="0" smtClean="0"/>
+              <a:t> ajenos o por </a:t>
+            </a:r>
+            <a:r>
+              <a:rPr lang="es-ES" dirty="0" err="1" smtClean="0"/>
+              <a:t>parametros</a:t>
+            </a:r>
+            <a:r>
+              <a:rPr lang="es-ES" dirty="0" smtClean="0"/>
+              <a:t>, …</a:t>
+            </a:r>
+          </a:p>
+          <a:p>
+            <a:r>
+              <a:rPr lang="es-ES" dirty="0" smtClean="0"/>
+              <a:t>Los diferentes tipos son:</a:t>
+            </a:r>
+          </a:p>
+          <a:p>
+            <a:pPr lvl="1"/>
+            <a:r>
+              <a:rPr lang="es-ES" dirty="0" err="1" smtClean="0"/>
+              <a:t>Dummy</a:t>
+            </a:r>
+            <a:endParaRPr lang="es-ES" dirty="0" smtClean="0"/>
+          </a:p>
+          <a:p>
+            <a:pPr lvl="1"/>
+            <a:r>
+              <a:rPr lang="es-ES" dirty="0" err="1" smtClean="0"/>
+              <a:t>Fake</a:t>
+            </a:r>
+            <a:endParaRPr lang="es-ES" dirty="0" smtClean="0"/>
+          </a:p>
+          <a:p>
+            <a:pPr lvl="1"/>
+            <a:r>
+              <a:rPr lang="es-ES" dirty="0" err="1" smtClean="0"/>
+              <a:t>Stubs</a:t>
+            </a:r>
+            <a:endParaRPr lang="es-ES" dirty="0" smtClean="0"/>
+          </a:p>
+          <a:p>
+            <a:pPr lvl="1"/>
+            <a:r>
+              <a:rPr lang="es-ES" dirty="0" err="1" smtClean="0"/>
+              <a:t>Spies</a:t>
+            </a:r>
+            <a:endParaRPr lang="es-ES" dirty="0" smtClean="0"/>
+          </a:p>
+          <a:p>
+            <a:pPr lvl="1"/>
+            <a:r>
+              <a:rPr lang="es-ES" dirty="0" err="1" smtClean="0"/>
+              <a:t>Mocks</a:t>
+            </a:r>
+            <a:r>
+              <a:rPr lang="es-ES" dirty="0" smtClean="0"/>
+              <a:t>	</a:t>
+            </a:r>
+          </a:p>
+          <a:p>
+            <a:pPr lvl="1"/>
             <a:endParaRPr lang="en-US" dirty="0"/>
           </a:p>
         </p:txBody>
       </p:sp>
-      <p:pic>
-        <p:nvPicPr>
-          <p:cNvPr id="5" name="Imagen 4"/>
-          <p:cNvPicPr>
-            <a:picLocks noChangeAspect="1"/>
-          </p:cNvPicPr>
-          <p:nvPr/>
-        </p:nvPicPr>
-        <p:blipFill>
-          <a:blip r:embed="rId2"/>
-          <a:stretch>
-            <a:fillRect/>
-          </a:stretch>
-        </p:blipFill>
-        <p:spPr>
-          <a:xfrm>
-            <a:off x="2909206" y="2810751"/>
-            <a:ext cx="2371725" cy="2628900"/>
-          </a:xfrm>
-          <a:prstGeom prst="rect">
-            <a:avLst/>
-          </a:prstGeom>
-          <a:ln>
-            <a:noFill/>
-          </a:ln>
-          <a:effectLst>
-            <a:outerShdw blurRad="190500" algn="tl" rotWithShape="0">
-              <a:srgbClr val="000000">
-                <a:alpha val="70000"/>
-              </a:srgbClr>
-            </a:outerShdw>
-          </a:effectLst>
-        </p:spPr>
-      </p:pic>
-      <p:pic>
-        <p:nvPicPr>
-          <p:cNvPr id="6" name="Imagen 5"/>
-          <p:cNvPicPr>
-            <a:picLocks noChangeAspect="1"/>
-          </p:cNvPicPr>
-          <p:nvPr/>
-        </p:nvPicPr>
-        <p:blipFill>
-          <a:blip r:embed="rId3"/>
-          <a:stretch>
-            <a:fillRect/>
-          </a:stretch>
-        </p:blipFill>
-        <p:spPr>
-          <a:xfrm>
-            <a:off x="7619516" y="141654"/>
-            <a:ext cx="4133850" cy="5763951"/>
-          </a:xfrm>
-          <a:prstGeom prst="rect">
-            <a:avLst/>
-          </a:prstGeom>
-          <a:ln>
-            <a:noFill/>
-          </a:ln>
-          <a:effectLst>
-            <a:outerShdw blurRad="190500" algn="tl" rotWithShape="0">
-              <a:srgbClr val="000000">
-                <a:alpha val="70000"/>
-              </a:srgbClr>
-            </a:outerShdw>
-          </a:effectLst>
-        </p:spPr>
-      </p:pic>
     </p:spTree>
     <p:extLst>
       <p:ext uri="{BB962C8B-B14F-4D97-AF65-F5344CB8AC3E}">
-        <p14:creationId xmlns:p14="http://schemas.microsoft.com/office/powerpoint/2010/main" val="345031588"/>
+        <p14:creationId xmlns:p14="http://schemas.microsoft.com/office/powerpoint/2010/main" val="1274272502"/>
       </p:ext>
     </p:extLst>
   </p:cSld>
@@ -16831,14 +17028,12 @@
         </p:nvSpPr>
         <p:spPr/>
         <p:txBody>
-          <a:bodyPr>
-            <a:normAutofit/>
-          </a:bodyPr>
+          <a:bodyPr/>
           <a:lstStyle/>
           <a:p>
             <a:r>
-              <a:rPr lang="en-US" dirty="0" smtClean="0"/>
-              <a:t>Fake</a:t>
+              <a:rPr lang="en-US" dirty="0" err="1" smtClean="0"/>
+              <a:t>Sinon</a:t>
             </a:r>
             <a:endParaRPr lang="en-US" dirty="0"/>
           </a:p>
@@ -16860,16 +17055,8 @@
           <a:lstStyle/>
           <a:p>
             <a:r>
-              <a:rPr lang="es-ES" dirty="0" smtClean="0"/>
-              <a:t>Objetos</a:t>
-            </a:r>
-            <a:r>
-              <a:rPr lang="en-US" dirty="0" smtClean="0"/>
-              <a:t> con </a:t>
-            </a:r>
-            <a:r>
               <a:rPr lang="en-US" dirty="0" err="1" smtClean="0"/>
-              <a:t>funcionalidad</a:t>
+              <a:t>Es</a:t>
             </a:r>
             <a:r>
               <a:rPr lang="en-US" dirty="0" smtClean="0"/>
@@ -16877,47 +17064,69 @@
             </a:r>
             <a:r>
               <a:rPr lang="en-US" dirty="0" err="1" smtClean="0"/>
-              <a:t>básica</a:t>
+              <a:t>una</a:t>
+            </a:r>
+            <a:r>
+              <a:rPr lang="en-US" dirty="0" smtClean="0"/>
+              <a:t> </a:t>
+            </a:r>
+            <a:r>
+              <a:rPr lang="en-US" dirty="0" err="1" smtClean="0"/>
+              <a:t>libreria</a:t>
+            </a:r>
+            <a:r>
+              <a:rPr lang="en-US" dirty="0" smtClean="0"/>
+              <a:t> de test doubles</a:t>
+            </a:r>
+          </a:p>
+          <a:p>
+            <a:r>
+              <a:rPr lang="en-US" dirty="0" smtClean="0"/>
+              <a:t>No </a:t>
+            </a:r>
+            <a:r>
+              <a:rPr lang="en-US" dirty="0" err="1" smtClean="0"/>
+              <a:t>es</a:t>
+            </a:r>
+            <a:r>
+              <a:rPr lang="en-US" dirty="0" smtClean="0"/>
+              <a:t> un tes</a:t>
+            </a:r>
+            <a:r>
+              <a:rPr lang="en-US" dirty="0" smtClean="0"/>
+              <a:t>t </a:t>
+            </a:r>
+            <a:r>
+              <a:rPr lang="en-US" dirty="0" smtClean="0"/>
+              <a:t>FW</a:t>
+            </a:r>
+          </a:p>
+          <a:p>
+            <a:pPr lvl="1"/>
+            <a:r>
+              <a:rPr lang="en-US" dirty="0" err="1" smtClean="0"/>
+              <a:t>Ayuda</a:t>
+            </a:r>
+            <a:r>
+              <a:rPr lang="en-US" dirty="0" smtClean="0"/>
+              <a:t> a </a:t>
+            </a:r>
+            <a:r>
+              <a:rPr lang="en-US" dirty="0" err="1" smtClean="0"/>
+              <a:t>otros</a:t>
+            </a:r>
+            <a:r>
+              <a:rPr lang="en-US" dirty="0" smtClean="0"/>
+              <a:t> FW </a:t>
             </a:r>
             <a:endParaRPr lang="en-US" dirty="0" smtClean="0"/>
-          </a:p>
-          <a:p>
-            <a:pPr marL="0" indent="0">
-              <a:buNone/>
-            </a:pPr>
-            <a:endParaRPr lang="en-US" dirty="0"/>
-          </a:p>
-        </p:txBody>
-      </p:sp>
-      <p:sp>
-        <p:nvSpPr>
-          <p:cNvPr id="6" name="Rectángulo 5"/>
-          <p:cNvSpPr/>
-          <p:nvPr/>
-        </p:nvSpPr>
-        <p:spPr>
-          <a:xfrm>
-            <a:off x="838200" y="5372642"/>
-            <a:ext cx="184731" cy="369332"/>
-          </a:xfrm>
-          <a:prstGeom prst="rect">
-            <a:avLst/>
-          </a:prstGeom>
-        </p:spPr>
-        <p:txBody>
-          <a:bodyPr wrap="none">
-            <a:spAutoFit/>
-          </a:bodyPr>
-          <a:lstStyle/>
-          <a:p>
-            <a:endParaRPr lang="en-US" dirty="0"/>
           </a:p>
         </p:txBody>
       </p:sp>
     </p:spTree>
     <p:extLst>
       <p:ext uri="{BB962C8B-B14F-4D97-AF65-F5344CB8AC3E}">
-        <p14:creationId xmlns:p14="http://schemas.microsoft.com/office/powerpoint/2010/main" val="1633976220"/>
+        <p14:creationId xmlns:p14="http://schemas.microsoft.com/office/powerpoint/2010/main" val="890931436"/>
       </p:ext>
     </p:extLst>
   </p:cSld>
@@ -16967,12 +17176,42 @@
         </p:blipFill>
         <p:spPr>
           <a:xfrm>
-            <a:off x="6093514" y="428966"/>
-            <a:ext cx="5800726" cy="5706787"/>
+            <a:off x="7219950" y="150707"/>
+            <a:ext cx="4133850" cy="5763951"/>
           </a:xfrm>
           <a:prstGeom prst="rect">
             <a:avLst/>
           </a:prstGeom>
+          <a:solidFill>
+            <a:srgbClr val="FFFFFF">
+              <a:shade val="85000"/>
+            </a:srgbClr>
+          </a:solidFill>
+          <a:ln w="88900" cap="sq">
+            <a:solidFill>
+              <a:srgbClr val="FFFFFF"/>
+            </a:solidFill>
+            <a:miter lim="800000"/>
+          </a:ln>
+          <a:effectLst>
+            <a:outerShdw blurRad="55000" dist="18000" dir="5400000" algn="tl" rotWithShape="0">
+              <a:srgbClr val="000000">
+                <a:alpha val="40000"/>
+              </a:srgbClr>
+            </a:outerShdw>
+          </a:effectLst>
+          <a:scene3d>
+            <a:camera prst="orthographicFront"/>
+            <a:lightRig rig="twoPt" dir="t">
+              <a:rot lat="0" lon="0" rev="7200000"/>
+            </a:lightRig>
+          </a:scene3d>
+          <a:sp3d>
+            <a:bevelT w="25400" h="19050"/>
+            <a:contourClr>
+              <a:srgbClr val="FFFFFF"/>
+            </a:contourClr>
+          </a:sp3d>
         </p:spPr>
       </p:pic>
       <p:sp>
@@ -16991,10 +17230,10 @@
           <a:lstStyle/>
           <a:p>
             <a:r>
-              <a:rPr lang="es-ES" dirty="0" err="1" smtClean="0"/>
-              <a:t>Stubs</a:t>
-            </a:r>
-            <a:endParaRPr lang="es-ES" dirty="0"/>
+              <a:rPr lang="en-US" dirty="0" smtClean="0"/>
+              <a:t>Dummy</a:t>
+            </a:r>
+            <a:endParaRPr lang="en-US" dirty="0"/>
           </a:p>
         </p:txBody>
       </p:sp>
@@ -17008,108 +17247,119 @@
             <p:ph idx="1"/>
           </p:nvPr>
         </p:nvSpPr>
-        <p:spPr/>
+        <p:spPr>
+          <a:xfrm>
+            <a:off x="838200" y="1825624"/>
+            <a:ext cx="10515600" cy="4747191"/>
+          </a:xfrm>
+        </p:spPr>
         <p:txBody>
-          <a:bodyPr/>
+          <a:bodyPr>
+            <a:normAutofit lnSpcReduction="10000"/>
+          </a:bodyPr>
           <a:lstStyle/>
           <a:p>
             <a:r>
               <a:rPr lang="en-US" dirty="0" err="1" smtClean="0"/>
-              <a:t>Tiene</a:t>
+              <a:t>Objetos</a:t>
             </a:r>
             <a:r>
               <a:rPr lang="en-US" dirty="0" smtClean="0"/>
-              <a:t> las </a:t>
+              <a:t> sin </a:t>
             </a:r>
             <a:r>
               <a:rPr lang="en-US" dirty="0" err="1" smtClean="0"/>
-              <a:t>funciones</a:t>
-            </a:r>
+              <a:t>comportamiento</a:t>
+            </a:r>
+            <a:endParaRPr lang="en-US" dirty="0" smtClean="0"/>
+          </a:p>
+          <a:p>
             <a:r>
               <a:rPr lang="en-US" dirty="0" smtClean="0"/>
-              <a:t> que </a:t>
+              <a:t>Se </a:t>
             </a:r>
             <a:r>
               <a:rPr lang="en-US" dirty="0" err="1" smtClean="0"/>
-              <a:t>necesitamos</a:t>
+              <a:t>utiliza</a:t>
             </a:r>
             <a:r>
               <a:rPr lang="en-US" dirty="0" smtClean="0"/>
-              <a:t> </a:t>
+              <a:t> para no </a:t>
             </a:r>
             <a:r>
               <a:rPr lang="en-US" dirty="0" err="1" smtClean="0"/>
-              <a:t>devolviendo</a:t>
+              <a:t>pasar</a:t>
             </a:r>
             <a:r>
               <a:rPr lang="en-US" dirty="0" smtClean="0"/>
-              <a:t> un valor </a:t>
-            </a:r>
-            <a:r>
-              <a:rPr lang="en-US" dirty="0" err="1" smtClean="0"/>
-              <a:t>fijo</a:t>
+              <a:t> un null, </a:t>
             </a:r>
             <a:endParaRPr lang="en-US" dirty="0" smtClean="0"/>
+          </a:p>
+          <a:p>
+            <a:pPr marL="457200" lvl="1" indent="0">
+              <a:buNone/>
+            </a:pPr>
+            <a:r>
+              <a:rPr lang="en-US" sz="2800" dirty="0" err="1"/>
+              <a:t>agregar</a:t>
+            </a:r>
+            <a:r>
+              <a:rPr lang="en-US" sz="2800" dirty="0"/>
+              <a:t> a arrays, etc.</a:t>
+            </a:r>
           </a:p>
           <a:p>
             <a:pPr marL="0" indent="0">
               <a:buNone/>
             </a:pPr>
-            <a:r>
-              <a:rPr lang="en-US" sz="2400" dirty="0"/>
-              <a:t>(</a:t>
-            </a:r>
-            <a:r>
-              <a:rPr lang="en-US" sz="2400" dirty="0" smtClean="0"/>
-              <a:t>el </a:t>
-            </a:r>
-            <a:r>
-              <a:rPr lang="en-US" sz="2400" dirty="0" err="1" smtClean="0"/>
-              <a:t>resultado</a:t>
-            </a:r>
-            <a:r>
-              <a:rPr lang="en-US" sz="2400" dirty="0" smtClean="0"/>
-              <a:t> no se </a:t>
-            </a:r>
-            <a:r>
-              <a:rPr lang="en-US" sz="2400" dirty="0" err="1" smtClean="0"/>
-              <a:t>ve</a:t>
-            </a:r>
-            <a:r>
-              <a:rPr lang="en-US" sz="2400" dirty="0" smtClean="0"/>
-              <a:t> </a:t>
-            </a:r>
-            <a:r>
-              <a:rPr lang="en-US" sz="2400" dirty="0" err="1" smtClean="0"/>
-              <a:t>alterado</a:t>
-            </a:r>
-            <a:r>
-              <a:rPr lang="en-US" sz="2400" dirty="0" smtClean="0"/>
-              <a:t> </a:t>
-            </a:r>
-            <a:r>
-              <a:rPr lang="en-US" sz="2400" dirty="0" err="1" smtClean="0"/>
-              <a:t>por</a:t>
-            </a:r>
-            <a:r>
-              <a:rPr lang="en-US" sz="2400" dirty="0" smtClean="0"/>
-              <a:t> el </a:t>
-            </a:r>
-            <a:r>
-              <a:rPr lang="en-US" sz="2400" dirty="0" err="1" smtClean="0"/>
-              <a:t>contexto</a:t>
-            </a:r>
-            <a:r>
-              <a:rPr lang="en-US" sz="2400" dirty="0" smtClean="0"/>
-              <a:t>)</a:t>
-            </a:r>
-            <a:endParaRPr lang="es-ES" sz="2400" dirty="0"/>
+            <a:endParaRPr lang="en-US" dirty="0"/>
+          </a:p>
+          <a:p>
+            <a:pPr marL="0" indent="0">
+              <a:buNone/>
+            </a:pPr>
+            <a:endParaRPr lang="en-US" dirty="0" smtClean="0"/>
+          </a:p>
+          <a:p>
+            <a:pPr marL="0" indent="0">
+              <a:buNone/>
+            </a:pPr>
+            <a:endParaRPr lang="en-US" dirty="0"/>
+          </a:p>
+          <a:p>
+            <a:pPr marL="0" indent="0">
+              <a:buNone/>
+            </a:pPr>
+            <a:endParaRPr lang="en-US" dirty="0" smtClean="0"/>
+          </a:p>
+          <a:p>
+            <a:pPr marL="0" indent="0">
+              <a:buNone/>
+            </a:pPr>
+            <a:endParaRPr lang="en-US" dirty="0"/>
+          </a:p>
+          <a:p>
+            <a:pPr marL="0" indent="0">
+              <a:buNone/>
+            </a:pPr>
+            <a:endParaRPr lang="en-US" dirty="0" smtClean="0"/>
+          </a:p>
+          <a:p>
+            <a:pPr marL="0" indent="0">
+              <a:buNone/>
+            </a:pPr>
+            <a:r>
+              <a:rPr lang="en-US" dirty="0" smtClean="0"/>
+              <a:t>https://jsfiddle.net/Ericuss/b03zs7kg/</a:t>
+            </a:r>
+            <a:endParaRPr lang="en-US" dirty="0"/>
           </a:p>
         </p:txBody>
       </p:sp>
       <p:pic>
         <p:nvPicPr>
-          <p:cNvPr id="4" name="Imagen 3"/>
+          <p:cNvPr id="5" name="Imagen 4"/>
           <p:cNvPicPr>
             <a:picLocks noChangeAspect="1"/>
           </p:cNvPicPr>
@@ -17123,50 +17373,48 @@
         </p:blipFill>
         <p:spPr>
           <a:xfrm>
-            <a:off x="1136581" y="2472201"/>
-            <a:ext cx="4773889" cy="3584044"/>
+            <a:off x="2619495" y="3190997"/>
+            <a:ext cx="2371725" cy="2628900"/>
           </a:xfrm>
           <a:prstGeom prst="rect">
             <a:avLst/>
           </a:prstGeom>
+          <a:solidFill>
+            <a:srgbClr val="FFFFFF">
+              <a:shade val="85000"/>
+            </a:srgbClr>
+          </a:solidFill>
+          <a:ln w="88900" cap="sq">
+            <a:solidFill>
+              <a:srgbClr val="FFFFFF"/>
+            </a:solidFill>
+            <a:miter lim="800000"/>
+          </a:ln>
+          <a:effectLst>
+            <a:outerShdw blurRad="55000" dist="18000" dir="5400000" algn="tl" rotWithShape="0">
+              <a:srgbClr val="000000">
+                <a:alpha val="40000"/>
+              </a:srgbClr>
+            </a:outerShdw>
+          </a:effectLst>
+          <a:scene3d>
+            <a:camera prst="orthographicFront"/>
+            <a:lightRig rig="twoPt" dir="t">
+              <a:rot lat="0" lon="0" rev="7200000"/>
+            </a:lightRig>
+          </a:scene3d>
+          <a:sp3d>
+            <a:bevelT w="25400" h="19050"/>
+            <a:contourClr>
+              <a:srgbClr val="FFFFFF"/>
+            </a:contourClr>
+          </a:sp3d>
         </p:spPr>
       </p:pic>
-      <p:sp>
-        <p:nvSpPr>
-          <p:cNvPr id="5" name="Rectángulo 4"/>
-          <p:cNvSpPr/>
-          <p:nvPr/>
-        </p:nvSpPr>
-        <p:spPr>
-          <a:xfrm>
-            <a:off x="1080789" y="6056245"/>
-            <a:ext cx="5429884" cy="523220"/>
-          </a:xfrm>
-          <a:prstGeom prst="rect">
-            <a:avLst/>
-          </a:prstGeom>
-        </p:spPr>
-        <p:txBody>
-          <a:bodyPr wrap="none">
-            <a:spAutoFit/>
-          </a:bodyPr>
-          <a:lstStyle/>
-          <a:p>
-            <a:r>
-              <a:rPr lang="es-ES" sz="2800" dirty="0"/>
-              <a:t>http://jsfiddle.net/Ericuss/vujvaxx4</a:t>
-            </a:r>
-            <a:r>
-              <a:rPr lang="es-ES" dirty="0"/>
-              <a:t>/</a:t>
-            </a:r>
-          </a:p>
-        </p:txBody>
-      </p:sp>
     </p:spTree>
     <p:extLst>
       <p:ext uri="{BB962C8B-B14F-4D97-AF65-F5344CB8AC3E}">
-        <p14:creationId xmlns:p14="http://schemas.microsoft.com/office/powerpoint/2010/main" val="703377696"/>
+        <p14:creationId xmlns:p14="http://schemas.microsoft.com/office/powerpoint/2010/main" val="345031588"/>
       </p:ext>
     </p:extLst>
   </p:cSld>
@@ -17210,16 +17458,23 @@
             <p:ph type="title"/>
           </p:nvPr>
         </p:nvSpPr>
-        <p:spPr/>
+        <p:spPr>
+          <a:xfrm>
+            <a:off x="838200" y="165953"/>
+            <a:ext cx="10515600" cy="1325563"/>
+          </a:xfrm>
+        </p:spPr>
         <p:txBody>
-          <a:bodyPr/>
+          <a:bodyPr>
+            <a:normAutofit/>
+          </a:bodyPr>
           <a:lstStyle/>
           <a:p>
             <a:r>
-              <a:rPr lang="es-ES" dirty="0" err="1" smtClean="0"/>
-              <a:t>Spy</a:t>
-            </a:r>
-            <a:endParaRPr lang="es-ES" dirty="0"/>
+              <a:rPr lang="en-US" dirty="0" smtClean="0"/>
+              <a:t>Fake</a:t>
+            </a:r>
+            <a:endParaRPr lang="en-US" dirty="0"/>
           </a:p>
         </p:txBody>
       </p:sp>
@@ -17233,32 +17488,363 @@
             <p:ph idx="1"/>
           </p:nvPr>
         </p:nvSpPr>
+        <p:spPr>
+          <a:xfrm>
+            <a:off x="838200" y="1158844"/>
+            <a:ext cx="6395519" cy="5018119"/>
+          </a:xfrm>
+        </p:spPr>
+        <p:txBody>
+          <a:bodyPr/>
+          <a:lstStyle/>
+          <a:p>
+            <a:r>
+              <a:rPr lang="es-ES" dirty="0" smtClean="0"/>
+              <a:t>Objetos</a:t>
+            </a:r>
+            <a:r>
+              <a:rPr lang="en-US" dirty="0" smtClean="0"/>
+              <a:t> </a:t>
+            </a:r>
+            <a:r>
+              <a:rPr lang="es-ES" dirty="0" smtClean="0"/>
+              <a:t>con funcionalidad simplificada respecto a la original.</a:t>
+            </a:r>
+          </a:p>
+          <a:p>
+            <a:pPr marL="0" indent="0">
+              <a:buNone/>
+            </a:pPr>
+            <a:endParaRPr lang="es-ES" dirty="0" smtClean="0"/>
+          </a:p>
+          <a:p>
+            <a:pPr marL="0" indent="0">
+              <a:buNone/>
+            </a:pPr>
+            <a:endParaRPr lang="es-ES" dirty="0"/>
+          </a:p>
+          <a:p>
+            <a:pPr marL="0" indent="0">
+              <a:buNone/>
+            </a:pPr>
+            <a:endParaRPr lang="es-ES" dirty="0" smtClean="0"/>
+          </a:p>
+          <a:p>
+            <a:pPr marL="0" indent="0">
+              <a:buNone/>
+            </a:pPr>
+            <a:endParaRPr lang="es-ES" dirty="0"/>
+          </a:p>
+          <a:p>
+            <a:pPr marL="0" indent="0">
+              <a:buNone/>
+            </a:pPr>
+            <a:endParaRPr lang="en-US" dirty="0" smtClean="0"/>
+          </a:p>
+          <a:p>
+            <a:pPr marL="0" indent="0">
+              <a:buNone/>
+            </a:pPr>
+            <a:endParaRPr lang="es-ES" dirty="0" smtClean="0"/>
+          </a:p>
+          <a:p>
+            <a:pPr marL="0" indent="0">
+              <a:buNone/>
+            </a:pPr>
+            <a:endParaRPr lang="es-ES" dirty="0" smtClean="0"/>
+          </a:p>
+          <a:p>
+            <a:pPr marL="0" indent="0">
+              <a:buNone/>
+            </a:pPr>
+            <a:r>
+              <a:rPr lang="es-ES" dirty="0" smtClean="0"/>
+              <a:t>http</a:t>
+            </a:r>
+            <a:r>
+              <a:rPr lang="es-ES" dirty="0"/>
+              <a:t>://jsfiddle.net/Ericuss/sw3f3m41</a:t>
+            </a:r>
+            <a:r>
+              <a:rPr lang="es-ES" dirty="0" smtClean="0"/>
+              <a:t>/</a:t>
+            </a:r>
+            <a:endParaRPr lang="es-ES" dirty="0" smtClean="0"/>
+          </a:p>
+          <a:p>
+            <a:pPr marL="0" indent="0">
+              <a:buNone/>
+            </a:pPr>
+            <a:endParaRPr lang="en-US" dirty="0"/>
+          </a:p>
+        </p:txBody>
+      </p:sp>
+      <p:sp>
+        <p:nvSpPr>
+          <p:cNvPr id="6" name="Rectángulo 5"/>
+          <p:cNvSpPr/>
+          <p:nvPr/>
+        </p:nvSpPr>
+        <p:spPr>
+          <a:xfrm>
+            <a:off x="838200" y="5372642"/>
+            <a:ext cx="184731" cy="369332"/>
+          </a:xfrm>
+          <a:prstGeom prst="rect">
+            <a:avLst/>
+          </a:prstGeom>
+        </p:spPr>
+        <p:txBody>
+          <a:bodyPr wrap="none">
+            <a:spAutoFit/>
+          </a:bodyPr>
+          <a:lstStyle/>
+          <a:p>
+            <a:endParaRPr lang="en-US" dirty="0"/>
+          </a:p>
+        </p:txBody>
+      </p:sp>
+      <p:pic>
+        <p:nvPicPr>
+          <p:cNvPr id="7" name="Imagen 6"/>
+          <p:cNvPicPr>
+            <a:picLocks noChangeAspect="1"/>
+          </p:cNvPicPr>
+          <p:nvPr/>
+        </p:nvPicPr>
+        <p:blipFill>
+          <a:blip r:embed="rId2"/>
+          <a:stretch>
+            <a:fillRect/>
+          </a:stretch>
+        </p:blipFill>
+        <p:spPr>
+          <a:xfrm>
+            <a:off x="1133145" y="1993804"/>
+            <a:ext cx="3547497" cy="3217250"/>
+          </a:xfrm>
+          <a:prstGeom prst="rect">
+            <a:avLst/>
+          </a:prstGeom>
+          <a:solidFill>
+            <a:srgbClr val="FFFFFF">
+              <a:shade val="85000"/>
+            </a:srgbClr>
+          </a:solidFill>
+          <a:ln w="88900" cap="sq">
+            <a:solidFill>
+              <a:srgbClr val="FFFFFF"/>
+            </a:solidFill>
+            <a:miter lim="800000"/>
+          </a:ln>
+          <a:effectLst>
+            <a:outerShdw blurRad="55000" dist="18000" dir="5400000" algn="tl" rotWithShape="0">
+              <a:srgbClr val="000000">
+                <a:alpha val="40000"/>
+              </a:srgbClr>
+            </a:outerShdw>
+          </a:effectLst>
+          <a:scene3d>
+            <a:camera prst="orthographicFront"/>
+            <a:lightRig rig="twoPt" dir="t">
+              <a:rot lat="0" lon="0" rev="7200000"/>
+            </a:lightRig>
+          </a:scene3d>
+          <a:sp3d>
+            <a:bevelT w="25400" h="19050"/>
+            <a:contourClr>
+              <a:srgbClr val="FFFFFF"/>
+            </a:contourClr>
+          </a:sp3d>
+        </p:spPr>
+      </p:pic>
+      <p:pic>
+        <p:nvPicPr>
+          <p:cNvPr id="8" name="Imagen 7"/>
+          <p:cNvPicPr>
+            <a:picLocks noChangeAspect="1"/>
+          </p:cNvPicPr>
+          <p:nvPr/>
+        </p:nvPicPr>
+        <p:blipFill>
+          <a:blip r:embed="rId3"/>
+          <a:stretch>
+            <a:fillRect/>
+          </a:stretch>
+        </p:blipFill>
+        <p:spPr>
+          <a:xfrm>
+            <a:off x="6762421" y="165954"/>
+            <a:ext cx="4591380" cy="5826488"/>
+          </a:xfrm>
+          <a:prstGeom prst="rect">
+            <a:avLst/>
+          </a:prstGeom>
+          <a:solidFill>
+            <a:srgbClr val="FFFFFF">
+              <a:shade val="85000"/>
+            </a:srgbClr>
+          </a:solidFill>
+          <a:ln w="88900" cap="sq">
+            <a:solidFill>
+              <a:srgbClr val="FFFFFF"/>
+            </a:solidFill>
+            <a:miter lim="800000"/>
+          </a:ln>
+          <a:effectLst>
+            <a:outerShdw blurRad="55000" dist="18000" dir="5400000" algn="tl" rotWithShape="0">
+              <a:srgbClr val="000000">
+                <a:alpha val="40000"/>
+              </a:srgbClr>
+            </a:outerShdw>
+          </a:effectLst>
+          <a:scene3d>
+            <a:camera prst="orthographicFront"/>
+            <a:lightRig rig="twoPt" dir="t">
+              <a:rot lat="0" lon="0" rev="7200000"/>
+            </a:lightRig>
+          </a:scene3d>
+          <a:sp3d>
+            <a:bevelT w="25400" h="19050"/>
+            <a:contourClr>
+              <a:srgbClr val="FFFFFF"/>
+            </a:contourClr>
+          </a:sp3d>
+        </p:spPr>
+      </p:pic>
+    </p:spTree>
+    <p:extLst>
+      <p:ext uri="{BB962C8B-B14F-4D97-AF65-F5344CB8AC3E}">
+        <p14:creationId xmlns:p14="http://schemas.microsoft.com/office/powerpoint/2010/main" val="1633976220"/>
+      </p:ext>
+    </p:extLst>
+  </p:cSld>
+  <p:clrMapOvr>
+    <a:masterClrMapping/>
+  </p:clrMapOvr>
+  <p:timing>
+    <p:tnLst>
+      <p:par>
+        <p:cTn id="1" dur="indefinite" restart="never" nodeType="tmRoot"/>
+      </p:par>
+    </p:tnLst>
+  </p:timing>
+</p:sld>
+</file>
+
+<file path=ppt/slides/slide8.xml><?xml version="1.0" encoding="utf-8"?>
+<p:sld xmlns:a="http://schemas.openxmlformats.org/drawingml/2006/main" xmlns:r="http://schemas.openxmlformats.org/officeDocument/2006/relationships" xmlns:p="http://schemas.openxmlformats.org/presentationml/2006/main">
+  <p:cSld>
+    <p:spTree>
+      <p:nvGrpSpPr>
+        <p:cNvPr id="1" name=""/>
+        <p:cNvGrpSpPr/>
+        <p:nvPr/>
+      </p:nvGrpSpPr>
+      <p:grpSpPr>
+        <a:xfrm>
+          <a:off x="0" y="0"/>
+          <a:ext cx="0" cy="0"/>
+          <a:chOff x="0" y="0"/>
+          <a:chExt cx="0" cy="0"/>
+        </a:xfrm>
+      </p:grpSpPr>
+      <p:pic>
+        <p:nvPicPr>
+          <p:cNvPr id="4" name="Imagen 3"/>
+          <p:cNvPicPr>
+            <a:picLocks noChangeAspect="1"/>
+          </p:cNvPicPr>
+          <p:nvPr/>
+        </p:nvPicPr>
+        <p:blipFill>
+          <a:blip r:embed="rId2"/>
+          <a:stretch>
+            <a:fillRect/>
+          </a:stretch>
+        </p:blipFill>
+        <p:spPr>
+          <a:xfrm>
+            <a:off x="6196611" y="878888"/>
+            <a:ext cx="5915487" cy="4350257"/>
+          </a:xfrm>
+          <a:prstGeom prst="rect">
+            <a:avLst/>
+          </a:prstGeom>
+          <a:solidFill>
+            <a:srgbClr val="FFFFFF">
+              <a:shade val="85000"/>
+            </a:srgbClr>
+          </a:solidFill>
+          <a:ln w="88900" cap="sq">
+            <a:solidFill>
+              <a:srgbClr val="FFFFFF"/>
+            </a:solidFill>
+            <a:miter lim="800000"/>
+          </a:ln>
+          <a:effectLst>
+            <a:outerShdw blurRad="55000" dist="18000" dir="5400000" algn="tl" rotWithShape="0">
+              <a:srgbClr val="000000">
+                <a:alpha val="40000"/>
+              </a:srgbClr>
+            </a:outerShdw>
+          </a:effectLst>
+          <a:scene3d>
+            <a:camera prst="orthographicFront"/>
+            <a:lightRig rig="twoPt" dir="t">
+              <a:rot lat="0" lon="0" rev="7200000"/>
+            </a:lightRig>
+          </a:scene3d>
+          <a:sp3d>
+            <a:bevelT w="25400" h="19050"/>
+            <a:contourClr>
+              <a:srgbClr val="FFFFFF"/>
+            </a:contourClr>
+          </a:sp3d>
+        </p:spPr>
+      </p:pic>
+      <p:sp>
+        <p:nvSpPr>
+          <p:cNvPr id="2" name="Título 1"/>
+          <p:cNvSpPr>
+            <a:spLocks noGrp="1"/>
+          </p:cNvSpPr>
+          <p:nvPr>
+            <p:ph type="title"/>
+          </p:nvPr>
+        </p:nvSpPr>
         <p:spPr/>
         <p:txBody>
           <a:bodyPr/>
           <a:lstStyle/>
           <a:p>
             <a:r>
-              <a:rPr lang="en-US" dirty="0" smtClean="0"/>
-              <a:t>Son </a:t>
-            </a:r>
-            <a:r>
-              <a:rPr lang="en-US" dirty="0" err="1" smtClean="0"/>
-              <a:t>como</a:t>
-            </a:r>
-            <a:r>
-              <a:rPr lang="en-US" dirty="0" smtClean="0"/>
-              <a:t> “Stubs </a:t>
-            </a:r>
-            <a:r>
-              <a:rPr lang="en-US" dirty="0" err="1" smtClean="0"/>
-              <a:t>vitaminados</a:t>
-            </a:r>
-            <a:r>
-              <a:rPr lang="en-US" dirty="0" smtClean="0"/>
-              <a:t>”</a:t>
-            </a:r>
-          </a:p>
+              <a:rPr lang="es-ES" dirty="0" err="1" smtClean="0"/>
+              <a:t>Spy</a:t>
+            </a:r>
+            <a:endParaRPr lang="es-ES" dirty="0"/>
+          </a:p>
+        </p:txBody>
+      </p:sp>
+      <p:sp>
+        <p:nvSpPr>
+          <p:cNvPr id="3" name="Marcador de contenido 2"/>
+          <p:cNvSpPr>
+            <a:spLocks noGrp="1"/>
+          </p:cNvSpPr>
+          <p:nvPr>
+            <p:ph idx="1"/>
+          </p:nvPr>
+        </p:nvSpPr>
+        <p:spPr>
+          <a:xfrm>
+            <a:off x="838201" y="1466661"/>
+            <a:ext cx="5518211" cy="4710302"/>
+          </a:xfrm>
+        </p:spPr>
+        <p:txBody>
+          <a:bodyPr/>
+          <a:lstStyle/>
           <a:p>
             <a:r>
               <a:rPr lang="en-US" sz="2400" dirty="0" err="1" smtClean="0"/>
@@ -17306,31 +17892,11 @@
             </a:r>
             <a:r>
               <a:rPr lang="en-US" sz="2400" dirty="0" smtClean="0"/>
-              <a:t>, que </a:t>
-            </a:r>
-            <a:r>
-              <a:rPr lang="en-US" sz="2400" dirty="0" err="1" smtClean="0"/>
-              <a:t>retorne</a:t>
+              <a:t>, </a:t>
             </a:r>
             <a:r>
               <a:rPr lang="en-US" sz="2400" dirty="0" smtClean="0"/>
-              <a:t> </a:t>
-            </a:r>
-            <a:r>
-              <a:rPr lang="en-US" sz="2400" dirty="0" err="1" smtClean="0"/>
-              <a:t>determinados</a:t>
-            </a:r>
-            <a:r>
-              <a:rPr lang="en-US" sz="2400" dirty="0" smtClean="0"/>
-              <a:t> </a:t>
-            </a:r>
-            <a:r>
-              <a:rPr lang="en-US" sz="2400" dirty="0" err="1" smtClean="0"/>
-              <a:t>valores</a:t>
-            </a:r>
-            <a:r>
-              <a:rPr lang="en-US" sz="2400" dirty="0" smtClean="0"/>
-              <a:t>, etc.</a:t>
+              <a:t>etc.</a:t>
             </a:r>
             <a:endParaRPr lang="es-ES" sz="2400" dirty="0"/>
           </a:p>
@@ -17374,30 +17940,6 @@
           <p:nvPr/>
         </p:nvPicPr>
         <p:blipFill>
-          <a:blip r:embed="rId2"/>
-          <a:stretch>
-            <a:fillRect/>
-          </a:stretch>
-        </p:blipFill>
-        <p:spPr>
-          <a:xfrm>
-            <a:off x="971137" y="2766805"/>
-            <a:ext cx="4342986" cy="3401303"/>
-          </a:xfrm>
-          <a:prstGeom prst="rect">
-            <a:avLst/>
-          </a:prstGeom>
-        </p:spPr>
-      </p:pic>
-      <p:pic>
-        <p:nvPicPr>
-          <p:cNvPr id="8" name="Imagen 7"/>
-          <p:cNvPicPr>
-            <a:picLocks noChangeAspect="1"/>
-          </p:cNvPicPr>
-          <p:nvPr/>
-        </p:nvPicPr>
-        <p:blipFill>
           <a:blip r:embed="rId3"/>
           <a:stretch>
             <a:fillRect/>
@@ -17405,90 +17947,48 @@
         </p:blipFill>
         <p:spPr>
           <a:xfrm>
-            <a:off x="7199660" y="130729"/>
-            <a:ext cx="4886322" cy="6776699"/>
+            <a:off x="971137" y="2585741"/>
+            <a:ext cx="4342986" cy="3401303"/>
           </a:xfrm>
           <a:prstGeom prst="rect">
             <a:avLst/>
           </a:prstGeom>
+          <a:solidFill>
+            <a:srgbClr val="FFFFFF">
+              <a:shade val="85000"/>
+            </a:srgbClr>
+          </a:solidFill>
+          <a:ln w="88900" cap="sq">
+            <a:solidFill>
+              <a:srgbClr val="FFFFFF"/>
+            </a:solidFill>
+            <a:miter lim="800000"/>
+          </a:ln>
+          <a:effectLst>
+            <a:outerShdw blurRad="55000" dist="18000" dir="5400000" algn="tl" rotWithShape="0">
+              <a:srgbClr val="000000">
+                <a:alpha val="40000"/>
+              </a:srgbClr>
+            </a:outerShdw>
+          </a:effectLst>
+          <a:scene3d>
+            <a:camera prst="orthographicFront"/>
+            <a:lightRig rig="twoPt" dir="t">
+              <a:rot lat="0" lon="0" rev="7200000"/>
+            </a:lightRig>
+          </a:scene3d>
+          <a:sp3d>
+            <a:bevelT w="25400" h="19050"/>
+            <a:contourClr>
+              <a:srgbClr val="FFFFFF"/>
+            </a:contourClr>
+          </a:sp3d>
         </p:spPr>
       </p:pic>
     </p:spTree>
     <p:extLst>
       <p:ext uri="{BB962C8B-B14F-4D97-AF65-F5344CB8AC3E}">
         <p14:creationId xmlns:p14="http://schemas.microsoft.com/office/powerpoint/2010/main" val="2235843378"/>
-      </p:ext>
-    </p:extLst>
-  </p:cSld>
-  <p:clrMapOvr>
-    <a:masterClrMapping/>
-  </p:clrMapOvr>
-</p:sld>
-</file>
-
-<file path=ppt/slides/slide8.xml><?xml version="1.0" encoding="utf-8"?>
-<p:sld xmlns:a="http://schemas.openxmlformats.org/drawingml/2006/main" xmlns:r="http://schemas.openxmlformats.org/officeDocument/2006/relationships" xmlns:p="http://schemas.openxmlformats.org/presentationml/2006/main">
-  <p:cSld>
-    <p:spTree>
-      <p:nvGrpSpPr>
-        <p:cNvPr id="1" name=""/>
-        <p:cNvGrpSpPr/>
-        <p:nvPr/>
-      </p:nvGrpSpPr>
-      <p:grpSpPr>
-        <a:xfrm>
-          <a:off x="0" y="0"/>
-          <a:ext cx="0" cy="0"/>
-          <a:chOff x="0" y="0"/>
-          <a:chExt cx="0" cy="0"/>
-        </a:xfrm>
-      </p:grpSpPr>
-      <p:sp>
-        <p:nvSpPr>
-          <p:cNvPr id="2" name="Título 1"/>
-          <p:cNvSpPr>
-            <a:spLocks noGrp="1"/>
-          </p:cNvSpPr>
-          <p:nvPr>
-            <p:ph type="title"/>
-          </p:nvPr>
-        </p:nvSpPr>
-        <p:spPr/>
-        <p:txBody>
-          <a:bodyPr/>
-          <a:lstStyle/>
-          <a:p>
-            <a:r>
-              <a:rPr lang="es-ES" dirty="0" smtClean="0"/>
-              <a:t>Sinon.js (algo parecido!)</a:t>
-            </a:r>
-            <a:endParaRPr lang="es-ES" dirty="0"/>
-          </a:p>
-        </p:txBody>
-      </p:sp>
-      <p:sp>
-        <p:nvSpPr>
-          <p:cNvPr id="4" name="Marcador de contenido 3"/>
-          <p:cNvSpPr>
-            <a:spLocks noGrp="1"/>
-          </p:cNvSpPr>
-          <p:nvPr>
-            <p:ph idx="1"/>
-          </p:nvPr>
-        </p:nvSpPr>
-        <p:spPr/>
-        <p:txBody>
-          <a:bodyPr/>
-          <a:lstStyle/>
-          <a:p>
-            <a:endParaRPr lang="es-ES"/>
-          </a:p>
-        </p:txBody>
-      </p:sp>
-    </p:spTree>
-    <p:extLst>
-      <p:ext uri="{BB962C8B-B14F-4D97-AF65-F5344CB8AC3E}">
-        <p14:creationId xmlns:p14="http://schemas.microsoft.com/office/powerpoint/2010/main" val="2276218811"/>
       </p:ext>
     </p:extLst>
   </p:cSld>
@@ -17531,8 +18031,16 @@
           <a:lstStyle/>
           <a:p>
             <a:r>
+              <a:rPr lang="es-ES" dirty="0" err="1" smtClean="0"/>
+              <a:t>Spy</a:t>
+            </a:r>
+            <a:r>
               <a:rPr lang="es-ES" dirty="0" smtClean="0"/>
-              <a:t>Cómo utilizarlos en VS</a:t>
+              <a:t> con </a:t>
+            </a:r>
+            <a:r>
+              <a:rPr lang="es-ES" dirty="0" err="1" smtClean="0"/>
+              <a:t>sinon</a:t>
             </a:r>
             <a:endParaRPr lang="es-ES" dirty="0"/>
           </a:p>
@@ -17548,29 +18056,213 @@
             <p:ph idx="1"/>
           </p:nvPr>
         </p:nvSpPr>
-        <p:spPr/>
+        <p:spPr>
+          <a:xfrm>
+            <a:off x="838201" y="1466661"/>
+            <a:ext cx="5518211" cy="4710302"/>
+          </a:xfrm>
+        </p:spPr>
         <p:txBody>
           <a:bodyPr/>
           <a:lstStyle/>
           <a:p>
             <a:r>
-              <a:rPr lang="es-ES" dirty="0" err="1" smtClean="0"/>
-              <a:t>Chutzpah</a:t>
-            </a:r>
-            <a:endParaRPr lang="es-ES" dirty="0" smtClean="0"/>
-          </a:p>
-          <a:p>
-            <a:pPr marL="0" indent="0">
-              <a:buNone/>
-            </a:pPr>
-            <a:endParaRPr lang="es-ES" dirty="0"/>
+              <a:rPr lang="en-US" sz="2400" dirty="0" err="1" smtClean="0"/>
+              <a:t>Tiene</a:t>
+            </a:r>
+            <a:r>
+              <a:rPr lang="en-US" sz="2400" dirty="0" smtClean="0"/>
+              <a:t> </a:t>
+            </a:r>
+            <a:r>
+              <a:rPr lang="en-US" sz="2400" dirty="0" err="1" smtClean="0"/>
+              <a:t>opciones</a:t>
+            </a:r>
+            <a:r>
+              <a:rPr lang="en-US" sz="2400" dirty="0" smtClean="0"/>
+              <a:t> para saber </a:t>
+            </a:r>
+            <a:r>
+              <a:rPr lang="en-US" sz="2400" dirty="0" err="1" smtClean="0"/>
+              <a:t>si</a:t>
+            </a:r>
+            <a:r>
+              <a:rPr lang="en-US" sz="2400" dirty="0" smtClean="0"/>
+              <a:t> se ha </a:t>
+            </a:r>
+            <a:r>
+              <a:rPr lang="en-US" sz="2400" dirty="0" err="1" smtClean="0"/>
+              <a:t>llamado</a:t>
+            </a:r>
+            <a:r>
+              <a:rPr lang="en-US" sz="2400" dirty="0" smtClean="0"/>
+              <a:t>, </a:t>
+            </a:r>
+            <a:r>
+              <a:rPr lang="en-US" sz="2400" dirty="0" err="1" smtClean="0"/>
+              <a:t>cuantas</a:t>
+            </a:r>
+            <a:r>
+              <a:rPr lang="en-US" sz="2400" dirty="0" smtClean="0"/>
+              <a:t> </a:t>
+            </a:r>
+            <a:r>
+              <a:rPr lang="en-US" sz="2400" dirty="0" err="1" smtClean="0"/>
+              <a:t>veces</a:t>
+            </a:r>
+            <a:r>
+              <a:rPr lang="en-US" sz="2400" dirty="0" smtClean="0"/>
+              <a:t>, </a:t>
+            </a:r>
+            <a:r>
+              <a:rPr lang="en-US" sz="2400" dirty="0" smtClean="0"/>
+              <a:t>etc.</a:t>
+            </a:r>
+            <a:endParaRPr lang="es-ES" sz="2400" dirty="0"/>
           </a:p>
         </p:txBody>
       </p:sp>
+      <p:sp>
+        <p:nvSpPr>
+          <p:cNvPr id="5" name="Rectángulo 4"/>
+          <p:cNvSpPr/>
+          <p:nvPr/>
+        </p:nvSpPr>
+        <p:spPr>
+          <a:xfrm>
+            <a:off x="1080789" y="6056245"/>
+            <a:ext cx="5739263" cy="523220"/>
+          </a:xfrm>
+          <a:prstGeom prst="rect">
+            <a:avLst/>
+          </a:prstGeom>
+        </p:spPr>
+        <p:txBody>
+          <a:bodyPr wrap="none">
+            <a:spAutoFit/>
+          </a:bodyPr>
+          <a:lstStyle/>
+          <a:p>
+            <a:r>
+              <a:rPr lang="es-ES" sz="2800" dirty="0"/>
+              <a:t>http://jsfiddle.net/Ericuss/wyrov8bw/</a:t>
+            </a:r>
+            <a:endParaRPr lang="es-ES" dirty="0"/>
+          </a:p>
+        </p:txBody>
+      </p:sp>
+      <p:pic>
+        <p:nvPicPr>
+          <p:cNvPr id="6" name="Imagen 5"/>
+          <p:cNvPicPr>
+            <a:picLocks noChangeAspect="1"/>
+          </p:cNvPicPr>
+          <p:nvPr/>
+        </p:nvPicPr>
+        <p:blipFill>
+          <a:blip r:embed="rId2"/>
+          <a:stretch>
+            <a:fillRect/>
+          </a:stretch>
+        </p:blipFill>
+        <p:spPr>
+          <a:xfrm>
+            <a:off x="1080789" y="2341670"/>
+            <a:ext cx="4263568" cy="3587468"/>
+          </a:xfrm>
+          <a:prstGeom prst="rect">
+            <a:avLst/>
+          </a:prstGeom>
+          <a:solidFill>
+            <a:srgbClr val="FFFFFF">
+              <a:shade val="85000"/>
+            </a:srgbClr>
+          </a:solidFill>
+          <a:ln w="88900" cap="sq">
+            <a:solidFill>
+              <a:srgbClr val="FFFFFF"/>
+            </a:solidFill>
+            <a:miter lim="800000"/>
+          </a:ln>
+          <a:effectLst>
+            <a:outerShdw blurRad="55000" dist="18000" dir="5400000" algn="tl" rotWithShape="0">
+              <a:srgbClr val="000000">
+                <a:alpha val="40000"/>
+              </a:srgbClr>
+            </a:outerShdw>
+          </a:effectLst>
+          <a:scene3d>
+            <a:camera prst="orthographicFront"/>
+            <a:lightRig rig="twoPt" dir="t">
+              <a:rot lat="0" lon="0" rev="7200000"/>
+            </a:lightRig>
+          </a:scene3d>
+          <a:sp3d>
+            <a:bevelT w="25400" h="19050"/>
+            <a:contourClr>
+              <a:srgbClr val="FFFFFF"/>
+            </a:contourClr>
+          </a:sp3d>
+        </p:spPr>
+      </p:pic>
+      <p:pic>
+        <p:nvPicPr>
+          <p:cNvPr id="8" name="Imagen 7"/>
+          <p:cNvPicPr>
+            <a:picLocks noChangeAspect="1"/>
+          </p:cNvPicPr>
+          <p:nvPr/>
+        </p:nvPicPr>
+        <p:blipFill>
+          <a:blip r:embed="rId3"/>
+          <a:stretch>
+            <a:fillRect/>
+          </a:stretch>
+        </p:blipFill>
+        <p:spPr>
+          <a:xfrm>
+            <a:off x="5885711" y="1392270"/>
+            <a:ext cx="6187920" cy="3747129"/>
+          </a:xfrm>
+          <a:prstGeom prst="rect">
+            <a:avLst/>
+          </a:prstGeom>
+          <a:solidFill>
+            <a:srgbClr val="FFFFFF">
+              <a:shade val="85000"/>
+            </a:srgbClr>
+          </a:solidFill>
+          <a:ln w="88900" cap="sq">
+            <a:solidFill>
+              <a:srgbClr val="FFFFFF"/>
+            </a:solidFill>
+            <a:miter lim="800000"/>
+          </a:ln>
+          <a:effectLst>
+            <a:outerShdw blurRad="55000" dist="18000" dir="5400000" algn="tl" rotWithShape="0">
+              <a:srgbClr val="000000">
+                <a:alpha val="40000"/>
+              </a:srgbClr>
+            </a:outerShdw>
+          </a:effectLst>
+          <a:scene3d>
+            <a:camera prst="orthographicFront"/>
+            <a:lightRig rig="twoPt" dir="t">
+              <a:rot lat="0" lon="0" rev="7200000"/>
+            </a:lightRig>
+          </a:scene3d>
+          <a:sp3d>
+            <a:bevelT w="25400" h="19050"/>
+            <a:contourClr>
+              <a:srgbClr val="FFFFFF"/>
+            </a:contourClr>
+          </a:sp3d>
+        </p:spPr>
+      </p:pic>
     </p:spTree>
     <p:extLst>
       <p:ext uri="{BB962C8B-B14F-4D97-AF65-F5344CB8AC3E}">
-        <p14:creationId xmlns:p14="http://schemas.microsoft.com/office/powerpoint/2010/main" val="2447786033"/>
+        <p14:creationId xmlns:p14="http://schemas.microsoft.com/office/powerpoint/2010/main" val="550602629"/>
       </p:ext>
     </p:extLst>
   </p:cSld>
@@ -19930,12 +20622,9 @@
 </file>
 
 <file path=customXml/item1.xml><?xml version="1.0" encoding="utf-8"?>
-<?mso-contentType ?>
-<FormTemplates xmlns="http://schemas.microsoft.com/sharepoint/v3/contenttype/forms">
-  <Display>DocumentLibraryForm</Display>
-  <Edit>DocumentLibraryForm</Edit>
-  <New>DocumentLibraryForm</New>
-</FormTemplates>
+<p:properties xmlns:p="http://schemas.microsoft.com/office/2006/metadata/properties" xmlns:xsi="http://www.w3.org/2001/XMLSchema-instance" xmlns:pc="http://schemas.microsoft.com/office/infopath/2007/PartnerControls">
+  <documentManagement/>
+</p:properties>
 </file>
 
 <file path=customXml/item2.xml><?xml version="1.0" encoding="utf-8"?>
@@ -20087,15 +20776,26 @@
 </file>
 
 <file path=customXml/item3.xml><?xml version="1.0" encoding="utf-8"?>
-<p:properties xmlns:p="http://schemas.microsoft.com/office/2006/metadata/properties" xmlns:xsi="http://www.w3.org/2001/XMLSchema-instance" xmlns:pc="http://schemas.microsoft.com/office/infopath/2007/PartnerControls">
-  <documentManagement/>
-</p:properties>
+<?mso-contentType ?>
+<FormTemplates xmlns="http://schemas.microsoft.com/sharepoint/v3/contenttype/forms">
+  <Display>DocumentLibraryForm</Display>
+  <Edit>DocumentLibraryForm</Edit>
+  <New>DocumentLibraryForm</New>
+</FormTemplates>
 </file>
 
 <file path=customXml/itemProps1.xml><?xml version="1.0" encoding="utf-8"?>
-<ds:datastoreItem xmlns:ds="http://schemas.openxmlformats.org/officeDocument/2006/customXml" ds:itemID="{5313EA09-C0DC-4015-ABE0-A5612D75F864}">
+<ds:datastoreItem xmlns:ds="http://schemas.openxmlformats.org/officeDocument/2006/customXml" ds:itemID="{6C60FA3A-4249-4D6E-A9A8-3B7219DF275B}">
   <ds:schemaRefs>
-    <ds:schemaRef ds:uri="http://schemas.microsoft.com/sharepoint/v3/contenttype/forms"/>
+    <ds:schemaRef ds:uri="http://purl.org/dc/elements/1.1/"/>
+    <ds:schemaRef ds:uri="6b8ba544-61ba-4092-92c0-bbfbc426b2b9"/>
+    <ds:schemaRef ds:uri="http://schemas.openxmlformats.org/package/2006/metadata/core-properties"/>
+    <ds:schemaRef ds:uri="http://schemas.microsoft.com/office/2006/documentManagement/types"/>
+    <ds:schemaRef ds:uri="http://purl.org/dc/terms/"/>
+    <ds:schemaRef ds:uri="http://schemas.microsoft.com/office/2006/metadata/properties"/>
+    <ds:schemaRef ds:uri="http://schemas.microsoft.com/office/infopath/2007/PartnerControls"/>
+    <ds:schemaRef ds:uri="http://www.w3.org/XML/1998/namespace"/>
+    <ds:schemaRef ds:uri="http://purl.org/dc/dcmitype/"/>
   </ds:schemaRefs>
 </ds:datastoreItem>
 </file>
@@ -20119,17 +20819,9 @@
 </file>
 
 <file path=customXml/itemProps3.xml><?xml version="1.0" encoding="utf-8"?>
-<ds:datastoreItem xmlns:ds="http://schemas.openxmlformats.org/officeDocument/2006/customXml" ds:itemID="{6C60FA3A-4249-4D6E-A9A8-3B7219DF275B}">
+<ds:datastoreItem xmlns:ds="http://schemas.openxmlformats.org/officeDocument/2006/customXml" ds:itemID="{5313EA09-C0DC-4015-ABE0-A5612D75F864}">
   <ds:schemaRefs>
-    <ds:schemaRef ds:uri="http://purl.org/dc/elements/1.1/"/>
-    <ds:schemaRef ds:uri="6b8ba544-61ba-4092-92c0-bbfbc426b2b9"/>
-    <ds:schemaRef ds:uri="http://schemas.openxmlformats.org/package/2006/metadata/core-properties"/>
-    <ds:schemaRef ds:uri="http://schemas.microsoft.com/office/2006/documentManagement/types"/>
-    <ds:schemaRef ds:uri="http://purl.org/dc/terms/"/>
-    <ds:schemaRef ds:uri="http://schemas.microsoft.com/office/2006/metadata/properties"/>
-    <ds:schemaRef ds:uri="http://schemas.microsoft.com/office/infopath/2007/PartnerControls"/>
-    <ds:schemaRef ds:uri="http://www.w3.org/XML/1998/namespace"/>
-    <ds:schemaRef ds:uri="http://purl.org/dc/dcmitype/"/>
+    <ds:schemaRef ds:uri="http://schemas.microsoft.com/sharepoint/v3/contenttype/forms"/>
   </ds:schemaRefs>
 </ds:datastoreItem>
 </file>
--- a/Documentacion/jasmine.pptx
+++ b/Documentacion/jasmine.pptx
@@ -11,10 +11,10 @@
     <p:sldMasterId id="2147483661" r:id="rId10"/>
   </p:sldMasterIdLst>
   <p:notesMasterIdLst>
-    <p:notesMasterId r:id="rId26"/>
+    <p:notesMasterId r:id="rId27"/>
   </p:notesMasterIdLst>
   <p:handoutMasterIdLst>
-    <p:handoutMasterId r:id="rId27"/>
+    <p:handoutMasterId r:id="rId28"/>
   </p:handoutMasterIdLst>
   <p:sldIdLst>
     <p:sldId id="256" r:id="rId11"/>
@@ -29,9 +29,10 @@
     <p:sldId id="369" r:id="rId20"/>
     <p:sldId id="372" r:id="rId21"/>
     <p:sldId id="370" r:id="rId22"/>
-    <p:sldId id="366" r:id="rId23"/>
-    <p:sldId id="368" r:id="rId24"/>
-    <p:sldId id="265" r:id="rId25"/>
+    <p:sldId id="374" r:id="rId23"/>
+    <p:sldId id="366" r:id="rId24"/>
+    <p:sldId id="368" r:id="rId25"/>
+    <p:sldId id="265" r:id="rId26"/>
   </p:sldIdLst>
   <p:sldSz cx="12192000" cy="6858000"/>
   <p:notesSz cx="6858000" cy="9144000"/>
@@ -155,6 +156,7 @@
             <p14:sldId id="369"/>
             <p14:sldId id="372"/>
             <p14:sldId id="370"/>
+            <p14:sldId id="374"/>
           </p14:sldIdLst>
         </p14:section>
         <p14:section name="Sinon" id="{BE98A4EB-C9F6-490E-8A3A-F1C989434855}">
@@ -2631,7 +2633,7 @@
           <a:p>
             <a:fld id="{1524C607-EC43-4D45-819C-01ED569A62A9}" type="datetimeFigureOut">
               <a:rPr lang="es-ES_tradnl" smtClean="0"/>
-              <a:t>23/11/2015</a:t>
+              <a:t>24/11/2015</a:t>
             </a:fld>
             <a:endParaRPr lang="es-ES_tradnl"/>
           </a:p>
@@ -2796,7 +2798,7 @@
           <a:p>
             <a:fld id="{26D2F09D-BAE4-494B-8CCF-2A216F98B43B}" type="datetimeFigureOut">
               <a:rPr lang="es-ES_tradnl" smtClean="0"/>
-              <a:t>23/11/2015</a:t>
+              <a:t>24/11/2015</a:t>
             </a:fld>
             <a:endParaRPr lang="es-ES_tradnl"/>
           </a:p>
@@ -5752,7 +5754,7 @@
           <a:p>
             <a:fld id="{CBF0928C-8919-4079-8CB5-882BC2C58241}" type="datetimeFigureOut">
               <a:rPr lang="en-US" smtClean="0"/>
-              <a:t>23/11/2015</a:t>
+              <a:t>24/11/2015</a:t>
             </a:fld>
             <a:endParaRPr lang="en-US"/>
           </a:p>
@@ -15382,15 +15384,7 @@
             </a:r>
             <a:r>
               <a:rPr lang="es-ES" dirty="0" smtClean="0"/>
-              <a:t>… y </a:t>
-            </a:r>
-            <a:r>
-              <a:rPr lang="es-ES" dirty="0" smtClean="0"/>
-              <a:t>algo </a:t>
-            </a:r>
-            <a:r>
-              <a:rPr lang="es-ES" dirty="0" smtClean="0"/>
-              <a:t>más…</a:t>
+              <a:t>… y algo más…</a:t>
             </a:r>
             <a:endParaRPr lang="en-US" dirty="0" smtClean="0"/>
           </a:p>
@@ -15628,7 +15622,11 @@
             </a:r>
             <a:r>
               <a:rPr lang="en-US" sz="2400" dirty="0" smtClean="0"/>
-              <a:t> se llama)</a:t>
+              <a:t> se </a:t>
+            </a:r>
+            <a:r>
+              <a:rPr lang="en-US" sz="2400" dirty="0" smtClean="0"/>
+              <a:t>llama, etc.)</a:t>
             </a:r>
             <a:endParaRPr lang="es-ES" sz="2400" dirty="0" smtClean="0"/>
           </a:p>
@@ -15990,7 +15988,7 @@
         <p:spPr>
           <a:xfrm>
             <a:off x="6208851" y="665825"/>
-            <a:ext cx="5874633" cy="5129962"/>
+            <a:ext cx="5792649" cy="5129962"/>
           </a:xfrm>
           <a:prstGeom prst="rect">
             <a:avLst/>
@@ -16104,8 +16102,8 @@
         </p:nvSpPr>
         <p:spPr>
           <a:xfrm>
-            <a:off x="838200" y="1213164"/>
-            <a:ext cx="5607867" cy="4963800"/>
+            <a:off x="838201" y="868680"/>
+            <a:ext cx="5123688" cy="5308284"/>
           </a:xfrm>
         </p:spPr>
         <p:txBody>
@@ -16114,13 +16112,61 @@
           <a:p>
             <a:r>
               <a:rPr lang="es-ES" sz="2400" dirty="0" smtClean="0"/>
-              <a:t>Tiene algo de comportamiento</a:t>
-            </a:r>
-          </a:p>
-          <a:p>
+              <a:t>Sobretodo utilizado para </a:t>
+            </a:r>
             <a:r>
               <a:rPr lang="es-ES" sz="2400" dirty="0" smtClean="0"/>
-              <a:t>Sobretodo sirve para sustituir servicios</a:t>
+              <a:t>sustituir </a:t>
+            </a:r>
+            <a:r>
+              <a:rPr lang="es-ES" sz="2400" dirty="0" smtClean="0"/>
+              <a:t>servicios o librerías de terceros</a:t>
+            </a:r>
+          </a:p>
+          <a:p>
+            <a:r>
+              <a:rPr lang="en-US" sz="2400" dirty="0" smtClean="0"/>
+              <a:t>Con el </a:t>
+            </a:r>
+            <a:r>
+              <a:rPr lang="en-US" sz="2400" dirty="0" err="1" smtClean="0"/>
+              <a:t>podemos</a:t>
+            </a:r>
+            <a:r>
+              <a:rPr lang="en-US" sz="2400" dirty="0" smtClean="0"/>
+              <a:t> </a:t>
+            </a:r>
+            <a:r>
+              <a:rPr lang="en-US" sz="2400" dirty="0" err="1" smtClean="0"/>
+              <a:t>verificar</a:t>
+            </a:r>
+            <a:r>
+              <a:rPr lang="en-US" sz="2400" dirty="0" smtClean="0"/>
+              <a:t> </a:t>
+            </a:r>
+            <a:r>
+              <a:rPr lang="en-US" sz="2400" dirty="0" err="1" smtClean="0"/>
+              <a:t>como</a:t>
+            </a:r>
+            <a:r>
+              <a:rPr lang="en-US" sz="2400" dirty="0" smtClean="0"/>
+              <a:t> se le llama, el context, </a:t>
+            </a:r>
+            <a:r>
+              <a:rPr lang="en-US" sz="2400" dirty="0" err="1" smtClean="0"/>
+              <a:t>numero</a:t>
+            </a:r>
+            <a:r>
+              <a:rPr lang="en-US" sz="2400" dirty="0" smtClean="0"/>
+              <a:t> de </a:t>
+            </a:r>
+            <a:r>
+              <a:rPr lang="en-US" sz="2400" dirty="0" err="1" smtClean="0"/>
+              <a:t>veces</a:t>
+            </a:r>
+            <a:r>
+              <a:rPr lang="en-US" sz="2400" dirty="0" smtClean="0"/>
+              <a:t>, …</a:t>
             </a:r>
             <a:endParaRPr lang="es-ES" sz="2400" dirty="0"/>
           </a:p>
@@ -16157,7 +16203,7 @@
       </p:sp>
       <p:pic>
         <p:nvPicPr>
-          <p:cNvPr id="7" name="Imagen 6"/>
+          <p:cNvPr id="4" name="Imagen 3"/>
           <p:cNvPicPr>
             <a:picLocks noChangeAspect="1"/>
           </p:cNvPicPr>
@@ -16171,47 +16217,17 @@
         </p:blipFill>
         <p:spPr>
           <a:xfrm>
-            <a:off x="1080788" y="2710755"/>
-            <a:ext cx="4230067" cy="1906509"/>
+            <a:off x="1080789" y="2601377"/>
+            <a:ext cx="4186671" cy="3218785"/>
           </a:xfrm>
           <a:prstGeom prst="rect">
             <a:avLst/>
           </a:prstGeom>
-          <a:solidFill>
-            <a:srgbClr val="FFFFFF">
-              <a:shade val="85000"/>
-            </a:srgbClr>
-          </a:solidFill>
-          <a:ln w="88900" cap="sq">
-            <a:solidFill>
-              <a:srgbClr val="FFFFFF"/>
-            </a:solidFill>
-            <a:miter lim="800000"/>
-          </a:ln>
-          <a:effectLst>
-            <a:outerShdw blurRad="55000" dist="18000" dir="5400000" algn="tl" rotWithShape="0">
-              <a:srgbClr val="000000">
-                <a:alpha val="40000"/>
-              </a:srgbClr>
-            </a:outerShdw>
-          </a:effectLst>
-          <a:scene3d>
-            <a:camera prst="orthographicFront"/>
-            <a:lightRig rig="twoPt" dir="t">
-              <a:rot lat="0" lon="0" rev="7200000"/>
-            </a:lightRig>
-          </a:scene3d>
-          <a:sp3d>
-            <a:bevelT w="25400" h="19050"/>
-            <a:contourClr>
-              <a:srgbClr val="FFFFFF"/>
-            </a:contourClr>
-          </a:sp3d>
         </p:spPr>
       </p:pic>
       <p:pic>
         <p:nvPicPr>
-          <p:cNvPr id="8" name="Imagen 7"/>
+          <p:cNvPr id="6" name="Imagen 5"/>
           <p:cNvPicPr>
             <a:picLocks noChangeAspect="1"/>
           </p:cNvPicPr>
@@ -16225,8 +16241,8 @@
         </p:blipFill>
         <p:spPr>
           <a:xfrm>
-            <a:off x="7695447" y="70885"/>
-            <a:ext cx="4355468" cy="6751851"/>
+            <a:off x="5844152" y="396515"/>
+            <a:ext cx="6159668" cy="5257229"/>
           </a:xfrm>
           <a:prstGeom prst="rect">
             <a:avLst/>
@@ -16310,6 +16326,268 @@
             <p:ph type="title"/>
           </p:nvPr>
         </p:nvSpPr>
+        <p:spPr>
+          <a:xfrm>
+            <a:off x="838200" y="134256"/>
+            <a:ext cx="10515600" cy="850263"/>
+          </a:xfrm>
+        </p:spPr>
+        <p:txBody>
+          <a:bodyPr/>
+          <a:lstStyle/>
+          <a:p>
+            <a:r>
+              <a:rPr lang="es-ES" dirty="0" err="1" smtClean="0"/>
+              <a:t>Mock</a:t>
+            </a:r>
+            <a:r>
+              <a:rPr lang="es-ES" dirty="0" smtClean="0"/>
+              <a:t> con </a:t>
+            </a:r>
+            <a:r>
+              <a:rPr lang="es-ES" dirty="0" err="1" smtClean="0"/>
+              <a:t>sinon</a:t>
+            </a:r>
+            <a:endParaRPr lang="es-ES" dirty="0"/>
+          </a:p>
+        </p:txBody>
+      </p:sp>
+      <p:sp>
+        <p:nvSpPr>
+          <p:cNvPr id="3" name="Marcador de contenido 2"/>
+          <p:cNvSpPr>
+            <a:spLocks noGrp="1"/>
+          </p:cNvSpPr>
+          <p:nvPr>
+            <p:ph idx="1"/>
+          </p:nvPr>
+        </p:nvSpPr>
+        <p:spPr>
+          <a:xfrm>
+            <a:off x="838201" y="914400"/>
+            <a:ext cx="5123688" cy="5262564"/>
+          </a:xfrm>
+        </p:spPr>
+        <p:txBody>
+          <a:bodyPr/>
+          <a:lstStyle/>
+          <a:p>
+            <a:r>
+              <a:rPr lang="es-ES" sz="2400" dirty="0" smtClean="0"/>
+              <a:t>Sobretodo utilizado para </a:t>
+            </a:r>
+            <a:r>
+              <a:rPr lang="es-ES" sz="2400" dirty="0" smtClean="0"/>
+              <a:t>sustituir </a:t>
+            </a:r>
+            <a:r>
+              <a:rPr lang="es-ES" sz="2400" dirty="0" smtClean="0"/>
+              <a:t>servicios o librerías de terceros</a:t>
+            </a:r>
+          </a:p>
+          <a:p>
+            <a:r>
+              <a:rPr lang="en-US" sz="2400" dirty="0"/>
+              <a:t>Con el </a:t>
+            </a:r>
+            <a:r>
+              <a:rPr lang="en-US" sz="2400" dirty="0" err="1"/>
+              <a:t>podemos</a:t>
+            </a:r>
+            <a:r>
+              <a:rPr lang="en-US" sz="2400" dirty="0"/>
+              <a:t> </a:t>
+            </a:r>
+            <a:r>
+              <a:rPr lang="en-US" sz="2400" dirty="0" err="1"/>
+              <a:t>verificar</a:t>
+            </a:r>
+            <a:r>
+              <a:rPr lang="en-US" sz="2400" dirty="0"/>
+              <a:t> </a:t>
+            </a:r>
+            <a:r>
+              <a:rPr lang="en-US" sz="2400" dirty="0" err="1"/>
+              <a:t>como</a:t>
+            </a:r>
+            <a:r>
+              <a:rPr lang="en-US" sz="2400" dirty="0"/>
+              <a:t> se le llama, el context, </a:t>
+            </a:r>
+            <a:r>
+              <a:rPr lang="en-US" sz="2400" dirty="0" err="1"/>
+              <a:t>numero</a:t>
+            </a:r>
+            <a:r>
+              <a:rPr lang="en-US" sz="2400" dirty="0"/>
+              <a:t> de </a:t>
+            </a:r>
+            <a:r>
+              <a:rPr lang="en-US" sz="2400" dirty="0" err="1"/>
+              <a:t>veces</a:t>
+            </a:r>
+            <a:r>
+              <a:rPr lang="en-US" sz="2400" dirty="0"/>
+              <a:t>, …</a:t>
+            </a:r>
+            <a:endParaRPr lang="es-ES" sz="2400" dirty="0"/>
+          </a:p>
+        </p:txBody>
+      </p:sp>
+      <p:sp>
+        <p:nvSpPr>
+          <p:cNvPr id="5" name="Rectángulo 4"/>
+          <p:cNvSpPr/>
+          <p:nvPr/>
+        </p:nvSpPr>
+        <p:spPr>
+          <a:xfrm>
+            <a:off x="1080789" y="6056245"/>
+            <a:ext cx="5770682" cy="523220"/>
+          </a:xfrm>
+          <a:prstGeom prst="rect">
+            <a:avLst/>
+          </a:prstGeom>
+        </p:spPr>
+        <p:txBody>
+          <a:bodyPr wrap="none">
+            <a:spAutoFit/>
+          </a:bodyPr>
+          <a:lstStyle/>
+          <a:p>
+            <a:r>
+              <a:rPr lang="es-ES" sz="2800" dirty="0"/>
+              <a:t>http://jsfiddle.net/Ericuss/Lramyuum/</a:t>
+            </a:r>
+            <a:endParaRPr lang="es-ES" dirty="0"/>
+          </a:p>
+        </p:txBody>
+      </p:sp>
+      <p:pic>
+        <p:nvPicPr>
+          <p:cNvPr id="4" name="Imagen 3"/>
+          <p:cNvPicPr>
+            <a:picLocks noChangeAspect="1"/>
+          </p:cNvPicPr>
+          <p:nvPr/>
+        </p:nvPicPr>
+        <p:blipFill>
+          <a:blip r:embed="rId2"/>
+          <a:stretch>
+            <a:fillRect/>
+          </a:stretch>
+        </p:blipFill>
+        <p:spPr>
+          <a:xfrm>
+            <a:off x="1080789" y="2434959"/>
+            <a:ext cx="4186671" cy="3218785"/>
+          </a:xfrm>
+          <a:prstGeom prst="rect">
+            <a:avLst/>
+          </a:prstGeom>
+        </p:spPr>
+      </p:pic>
+      <p:pic>
+        <p:nvPicPr>
+          <p:cNvPr id="7" name="Imagen 6"/>
+          <p:cNvPicPr>
+            <a:picLocks noChangeAspect="1"/>
+          </p:cNvPicPr>
+          <p:nvPr/>
+        </p:nvPicPr>
+        <p:blipFill>
+          <a:blip r:embed="rId3"/>
+          <a:stretch>
+            <a:fillRect/>
+          </a:stretch>
+        </p:blipFill>
+        <p:spPr>
+          <a:xfrm>
+            <a:off x="5510048" y="233552"/>
+            <a:ext cx="6544792" cy="5549807"/>
+          </a:xfrm>
+          <a:prstGeom prst="rect">
+            <a:avLst/>
+          </a:prstGeom>
+          <a:solidFill>
+            <a:srgbClr val="FFFFFF">
+              <a:shade val="85000"/>
+            </a:srgbClr>
+          </a:solidFill>
+          <a:ln w="88900" cap="sq">
+            <a:solidFill>
+              <a:srgbClr val="FFFFFF"/>
+            </a:solidFill>
+            <a:miter lim="800000"/>
+          </a:ln>
+          <a:effectLst>
+            <a:outerShdw blurRad="55000" dist="18000" dir="5400000" algn="tl" rotWithShape="0">
+              <a:srgbClr val="000000">
+                <a:alpha val="40000"/>
+              </a:srgbClr>
+            </a:outerShdw>
+          </a:effectLst>
+          <a:scene3d>
+            <a:camera prst="orthographicFront"/>
+            <a:lightRig rig="twoPt" dir="t">
+              <a:rot lat="0" lon="0" rev="7200000"/>
+            </a:lightRig>
+          </a:scene3d>
+          <a:sp3d>
+            <a:bevelT w="25400" h="19050"/>
+            <a:contourClr>
+              <a:srgbClr val="FFFFFF"/>
+            </a:contourClr>
+          </a:sp3d>
+        </p:spPr>
+      </p:pic>
+    </p:spTree>
+    <p:extLst>
+      <p:ext uri="{BB962C8B-B14F-4D97-AF65-F5344CB8AC3E}">
+        <p14:creationId xmlns:p14="http://schemas.microsoft.com/office/powerpoint/2010/main" val="2505520348"/>
+      </p:ext>
+    </p:extLst>
+  </p:cSld>
+  <p:clrMapOvr>
+    <a:masterClrMapping/>
+  </p:clrMapOvr>
+  <p:timing>
+    <p:tnLst>
+      <p:par>
+        <p:cTn id="1" dur="indefinite" restart="never" nodeType="tmRoot"/>
+      </p:par>
+    </p:tnLst>
+  </p:timing>
+</p:sld>
+</file>
+
+<file path=ppt/slides/slide14.xml><?xml version="1.0" encoding="utf-8"?>
+<p:sld xmlns:a="http://schemas.openxmlformats.org/drawingml/2006/main" xmlns:r="http://schemas.openxmlformats.org/officeDocument/2006/relationships" xmlns:p="http://schemas.openxmlformats.org/presentationml/2006/main">
+  <p:cSld>
+    <p:spTree>
+      <p:nvGrpSpPr>
+        <p:cNvPr id="1" name=""/>
+        <p:cNvGrpSpPr/>
+        <p:nvPr/>
+      </p:nvGrpSpPr>
+      <p:grpSpPr>
+        <a:xfrm>
+          <a:off x="0" y="0"/>
+          <a:ext cx="0" cy="0"/>
+          <a:chOff x="0" y="0"/>
+          <a:chExt cx="0" cy="0"/>
+        </a:xfrm>
+      </p:grpSpPr>
+      <p:sp>
+        <p:nvSpPr>
+          <p:cNvPr id="2" name="Título 1"/>
+          <p:cNvSpPr>
+            <a:spLocks noGrp="1"/>
+          </p:cNvSpPr>
+          <p:nvPr>
+            <p:ph type="title"/>
+          </p:nvPr>
+        </p:nvSpPr>
         <p:spPr/>
         <p:txBody>
           <a:bodyPr/>
@@ -16355,7 +16633,7 @@
 </p:sld>
 </file>
 
-<file path=ppt/slides/slide14.xml><?xml version="1.0" encoding="utf-8"?>
+<file path=ppt/slides/slide15.xml><?xml version="1.0" encoding="utf-8"?>
 <p:sld xmlns:a="http://schemas.openxmlformats.org/drawingml/2006/main" xmlns:r="http://schemas.openxmlformats.org/officeDocument/2006/relationships" xmlns:p="http://schemas.openxmlformats.org/presentationml/2006/main">
   <p:cSld>
     <p:spTree>
@@ -16552,7 +16830,7 @@
 </p:sld>
 </file>
 
-<file path=ppt/slides/slide15.xml><?xml version="1.0" encoding="utf-8"?>
+<file path=ppt/slides/slide16.xml><?xml version="1.0" encoding="utf-8"?>
 <p:sld xmlns:a="http://schemas.openxmlformats.org/drawingml/2006/main" xmlns:r="http://schemas.openxmlformats.org/officeDocument/2006/relationships" xmlns:p="http://schemas.openxmlformats.org/presentationml/2006/main">
   <p:cSld>
     <p:spTree>
@@ -16723,7 +17001,6 @@
               <a:rPr lang="es-ES" dirty="0" smtClean="0"/>
               <a:t>Al cumplir los 2 anteriores ayuda a que sirva de documentación o que cualquiera pueda entender la finalidad del test</a:t>
             </a:r>
-            <a:endParaRPr lang="es-ES" dirty="0" smtClean="0"/>
           </a:p>
         </p:txBody>
       </p:sp>
@@ -17090,15 +17367,7 @@
             </a:r>
             <a:r>
               <a:rPr lang="en-US" dirty="0" smtClean="0"/>
-              <a:t> un tes</a:t>
-            </a:r>
-            <a:r>
-              <a:rPr lang="en-US" dirty="0" smtClean="0"/>
-              <a:t>t </a:t>
-            </a:r>
-            <a:r>
-              <a:rPr lang="en-US" dirty="0" smtClean="0"/>
-              <a:t>FW</a:t>
+              <a:t> un test FW</a:t>
             </a:r>
           </a:p>
           <a:p>
@@ -17119,7 +17388,6 @@
               <a:rPr lang="en-US" dirty="0" smtClean="0"/>
               <a:t> FW </a:t>
             </a:r>
-            <a:endParaRPr lang="en-US" dirty="0" smtClean="0"/>
           </a:p>
         </p:txBody>
       </p:sp>
@@ -17294,7 +17562,6 @@
               <a:rPr lang="en-US" dirty="0" smtClean="0"/>
               <a:t> un null, </a:t>
             </a:r>
-            <a:endParaRPr lang="en-US" dirty="0" smtClean="0"/>
           </a:p>
           <a:p>
             <a:pPr marL="457200" lvl="1" indent="0">
@@ -17569,7 +17836,6 @@
               <a:rPr lang="es-ES" dirty="0" smtClean="0"/>
               <a:t>/</a:t>
             </a:r>
-            <a:endParaRPr lang="es-ES" dirty="0" smtClean="0"/>
           </a:p>
           <a:p>
             <a:pPr marL="0" indent="0">
@@ -17674,7 +17940,7 @@
         </p:blipFill>
         <p:spPr>
           <a:xfrm>
-            <a:off x="6762421" y="165954"/>
+            <a:off x="7256197" y="165954"/>
             <a:ext cx="4591380" cy="5826488"/>
           </a:xfrm>
           <a:prstGeom prst="rect">
@@ -17892,11 +18158,7 @@
             </a:r>
             <a:r>
               <a:rPr lang="en-US" sz="2400" dirty="0" smtClean="0"/>
-              <a:t>, </a:t>
-            </a:r>
-            <a:r>
-              <a:rPr lang="en-US" sz="2400" dirty="0" smtClean="0"/>
-              <a:t>etc.</a:t>
+              <a:t>, etc.</a:t>
             </a:r>
             <a:endParaRPr lang="es-ES" sz="2400" dirty="0"/>
           </a:p>
@@ -18112,11 +18374,7 @@
             </a:r>
             <a:r>
               <a:rPr lang="en-US" sz="2400" dirty="0" smtClean="0"/>
-              <a:t>, </a:t>
-            </a:r>
-            <a:r>
-              <a:rPr lang="en-US" sz="2400" dirty="0" smtClean="0"/>
-              <a:t>etc.</a:t>
+              <a:t>, etc.</a:t>
             </a:r>
             <a:endParaRPr lang="es-ES" sz="2400" dirty="0"/>
           </a:p>

--- a/Documentacion/jasmine.pptx
+++ b/Documentacion/jasmine.pptx
@@ -15584,20 +15584,16 @@
           <a:lstStyle/>
           <a:p>
             <a:r>
-              <a:rPr lang="en-US" sz="2400" dirty="0" err="1" smtClean="0"/>
-              <a:t>Es</a:t>
-            </a:r>
-            <a:r>
-              <a:rPr lang="en-US" sz="2400" dirty="0" smtClean="0"/>
-              <a:t> un spy “</a:t>
-            </a:r>
-            <a:r>
-              <a:rPr lang="en-US" sz="2400" dirty="0" err="1" smtClean="0"/>
-              <a:t>vitaminado</a:t>
-            </a:r>
-            <a:r>
-              <a:rPr lang="en-US" sz="2400" dirty="0" smtClean="0"/>
-              <a:t>”</a:t>
+              <a:rPr lang="es-ES" sz="2400" dirty="0" smtClean="0"/>
+              <a:t>Es un </a:t>
+            </a:r>
+            <a:r>
+              <a:rPr lang="es-ES" sz="2400" dirty="0" err="1" smtClean="0"/>
+              <a:t>spy</a:t>
+            </a:r>
+            <a:r>
+              <a:rPr lang="es-ES" sz="2400" dirty="0" smtClean="0"/>
+              <a:t> “vitaminado”</a:t>
             </a:r>
           </a:p>
           <a:p>
@@ -15606,23 +15602,11 @@
             </a:pPr>
             <a:r>
               <a:rPr lang="en-US" sz="2400" dirty="0" smtClean="0"/>
-              <a:t>    (</a:t>
-            </a:r>
-            <a:r>
-              <a:rPr lang="en-US" sz="2400" dirty="0" err="1" smtClean="0"/>
-              <a:t>sabemos</a:t>
-            </a:r>
-            <a:r>
-              <a:rPr lang="en-US" sz="2400" dirty="0" smtClean="0"/>
-              <a:t> </a:t>
-            </a:r>
-            <a:r>
-              <a:rPr lang="en-US" sz="2400" dirty="0" err="1" smtClean="0"/>
-              <a:t>si</a:t>
-            </a:r>
-            <a:r>
-              <a:rPr lang="en-US" sz="2400" dirty="0" smtClean="0"/>
-              <a:t> se </a:t>
+              <a:t>    </a:t>
+            </a:r>
+            <a:r>
+              <a:rPr lang="es-ES" sz="2400" dirty="0" smtClean="0"/>
+              <a:t>(sabemos si se </a:t>
             </a:r>
             <a:r>
               <a:rPr lang="en-US" sz="2400" dirty="0" smtClean="0"/>
@@ -15828,20 +15812,16 @@
           <a:lstStyle/>
           <a:p>
             <a:r>
-              <a:rPr lang="en-US" sz="2400" dirty="0" err="1" smtClean="0"/>
-              <a:t>Es</a:t>
-            </a:r>
-            <a:r>
-              <a:rPr lang="en-US" sz="2400" dirty="0" smtClean="0"/>
-              <a:t> un spy “</a:t>
-            </a:r>
-            <a:r>
-              <a:rPr lang="en-US" sz="2400" dirty="0" err="1" smtClean="0"/>
-              <a:t>vitaminado</a:t>
-            </a:r>
-            <a:r>
-              <a:rPr lang="en-US" sz="2400" dirty="0" smtClean="0"/>
-              <a:t>”</a:t>
+              <a:rPr lang="es-ES" sz="2400" dirty="0" smtClean="0"/>
+              <a:t>Es un </a:t>
+            </a:r>
+            <a:r>
+              <a:rPr lang="es-ES" sz="2400" dirty="0" err="1" smtClean="0"/>
+              <a:t>spy</a:t>
+            </a:r>
+            <a:r>
+              <a:rPr lang="es-ES" sz="2400" dirty="0" smtClean="0"/>
+              <a:t> “vitaminado”</a:t>
             </a:r>
           </a:p>
           <a:p>
@@ -15849,31 +15829,18 @@
               <a:buNone/>
             </a:pPr>
             <a:r>
-              <a:rPr lang="en-US" sz="2400" dirty="0" smtClean="0"/>
-              <a:t>    (</a:t>
-            </a:r>
-            <a:r>
-              <a:rPr lang="en-US" sz="2400" dirty="0" err="1" smtClean="0"/>
-              <a:t>sabemos</a:t>
-            </a:r>
-            <a:r>
-              <a:rPr lang="en-US" sz="2400" dirty="0" smtClean="0"/>
-              <a:t> </a:t>
-            </a:r>
-            <a:r>
-              <a:rPr lang="en-US" sz="2400" dirty="0" err="1" smtClean="0"/>
-              <a:t>si</a:t>
-            </a:r>
-            <a:r>
-              <a:rPr lang="en-US" sz="2400" dirty="0" smtClean="0"/>
-              <a:t> se llama)</a:t>
-            </a:r>
-            <a:endParaRPr lang="es-ES" sz="2400" dirty="0" smtClean="0"/>
-          </a:p>
-          <a:p>
-            <a:r>
               <a:rPr lang="es-ES" sz="2400" dirty="0" smtClean="0"/>
-              <a:t>Tiene las funciones que necesitamos </a:t>
+              <a:t>    (sabemos si se llama, etc.)</a:t>
+            </a:r>
+          </a:p>
+          <a:p>
+            <a:r>
+              <a:rPr lang="es-ES" sz="2400" dirty="0" smtClean="0"/>
+              <a:t>Tiene </a:t>
+            </a:r>
+            <a:r>
+              <a:rPr lang="es-ES" sz="2400" dirty="0" smtClean="0"/>
+              <a:t>las funciones que necesitamos </a:t>
             </a:r>
           </a:p>
           <a:p>
@@ -16112,61 +16079,21 @@
           <a:p>
             <a:r>
               <a:rPr lang="es-ES" sz="2400" dirty="0" smtClean="0"/>
-              <a:t>Sobretodo utilizado para </a:t>
-            </a:r>
+              <a:t>Sobretodo utilizado para sustituir servicios o librerías de terceros</a:t>
+            </a:r>
+          </a:p>
+          <a:p>
             <a:r>
               <a:rPr lang="es-ES" sz="2400" dirty="0" smtClean="0"/>
-              <a:t>sustituir </a:t>
+              <a:t>Con el podemos verificar como se le llama, el </a:t>
+            </a:r>
+            <a:r>
+              <a:rPr lang="es-ES" sz="2400" dirty="0" err="1" smtClean="0"/>
+              <a:t>context</a:t>
             </a:r>
             <a:r>
               <a:rPr lang="es-ES" sz="2400" dirty="0" smtClean="0"/>
-              <a:t>servicios o librerías de terceros</a:t>
-            </a:r>
-          </a:p>
-          <a:p>
-            <a:r>
-              <a:rPr lang="en-US" sz="2400" dirty="0" smtClean="0"/>
-              <a:t>Con el </a:t>
-            </a:r>
-            <a:r>
-              <a:rPr lang="en-US" sz="2400" dirty="0" err="1" smtClean="0"/>
-              <a:t>podemos</a:t>
-            </a:r>
-            <a:r>
-              <a:rPr lang="en-US" sz="2400" dirty="0" smtClean="0"/>
-              <a:t> </a:t>
-            </a:r>
-            <a:r>
-              <a:rPr lang="en-US" sz="2400" dirty="0" err="1" smtClean="0"/>
-              <a:t>verificar</a:t>
-            </a:r>
-            <a:r>
-              <a:rPr lang="en-US" sz="2400" dirty="0" smtClean="0"/>
-              <a:t> </a:t>
-            </a:r>
-            <a:r>
-              <a:rPr lang="en-US" sz="2400" dirty="0" err="1" smtClean="0"/>
-              <a:t>como</a:t>
-            </a:r>
-            <a:r>
-              <a:rPr lang="en-US" sz="2400" dirty="0" smtClean="0"/>
-              <a:t> se le llama, el context, </a:t>
-            </a:r>
-            <a:r>
-              <a:rPr lang="en-US" sz="2400" dirty="0" err="1" smtClean="0"/>
-              <a:t>numero</a:t>
-            </a:r>
-            <a:r>
-              <a:rPr lang="en-US" sz="2400" dirty="0" smtClean="0"/>
-              <a:t> de </a:t>
-            </a:r>
-            <a:r>
-              <a:rPr lang="en-US" sz="2400" dirty="0" err="1" smtClean="0"/>
-              <a:t>veces</a:t>
-            </a:r>
-            <a:r>
-              <a:rPr lang="en-US" sz="2400" dirty="0" smtClean="0"/>
-              <a:t>, …</a:t>
+              <a:t>, numero de veces, …</a:t>
             </a:r>
             <a:endParaRPr lang="es-ES" sz="2400" dirty="0"/>
           </a:p>
@@ -16374,61 +16301,25 @@
           <a:p>
             <a:r>
               <a:rPr lang="es-ES" sz="2400" dirty="0" smtClean="0"/>
-              <a:t>Sobretodo utilizado para </a:t>
-            </a:r>
+              <a:t>Sobretodo utilizado para sustituir servicios o librerías de terceros</a:t>
+            </a:r>
+          </a:p>
+          <a:p>
             <a:r>
               <a:rPr lang="es-ES" sz="2400" dirty="0" smtClean="0"/>
-              <a:t>sustituir </a:t>
+              <a:t>Con el podemos verificar como se le llama, el </a:t>
+            </a:r>
+            <a:r>
+              <a:rPr lang="es-ES" sz="2400" dirty="0" err="1" smtClean="0"/>
+              <a:t>context</a:t>
             </a:r>
             <a:r>
               <a:rPr lang="es-ES" sz="2400" dirty="0" smtClean="0"/>
-              <a:t>servicios o librerías de terceros</a:t>
-            </a:r>
-          </a:p>
-          <a:p>
-            <a:r>
-              <a:rPr lang="en-US" sz="2400" dirty="0"/>
-              <a:t>Con el </a:t>
-            </a:r>
-            <a:r>
-              <a:rPr lang="en-US" sz="2400" dirty="0" err="1"/>
-              <a:t>podemos</a:t>
-            </a:r>
-            <a:r>
-              <a:rPr lang="en-US" sz="2400" dirty="0"/>
-              <a:t> </a:t>
-            </a:r>
-            <a:r>
-              <a:rPr lang="en-US" sz="2400" dirty="0" err="1"/>
-              <a:t>verificar</a:t>
-            </a:r>
-            <a:r>
-              <a:rPr lang="en-US" sz="2400" dirty="0"/>
-              <a:t> </a:t>
-            </a:r>
-            <a:r>
-              <a:rPr lang="en-US" sz="2400" dirty="0" err="1"/>
-              <a:t>como</a:t>
-            </a:r>
-            <a:r>
-              <a:rPr lang="en-US" sz="2400" dirty="0"/>
-              <a:t> se le llama, el context, </a:t>
-            </a:r>
-            <a:r>
-              <a:rPr lang="en-US" sz="2400" dirty="0" err="1"/>
-              <a:t>numero</a:t>
-            </a:r>
-            <a:r>
-              <a:rPr lang="en-US" sz="2400" dirty="0"/>
-              <a:t> de </a:t>
-            </a:r>
-            <a:r>
-              <a:rPr lang="en-US" sz="2400" dirty="0" err="1"/>
-              <a:t>veces</a:t>
-            </a:r>
-            <a:r>
-              <a:rPr lang="en-US" sz="2400" dirty="0"/>
-              <a:t>, …</a:t>
+              <a:t>, numero de veces, </a:t>
+            </a:r>
+            <a:r>
+              <a:rPr lang="en-US" sz="2400" dirty="0" smtClean="0"/>
+              <a:t>…</a:t>
             </a:r>
             <a:endParaRPr lang="es-ES" sz="2400" dirty="0"/>
           </a:p>
@@ -16503,8 +16394,8 @@
         </p:blipFill>
         <p:spPr>
           <a:xfrm>
-            <a:off x="5510048" y="233552"/>
-            <a:ext cx="6544792" cy="5549807"/>
+            <a:off x="5934456" y="242697"/>
+            <a:ext cx="6092951" cy="5166658"/>
           </a:xfrm>
           <a:prstGeom prst="rect">
             <a:avLst/>
@@ -16630,6 +16521,13 @@
   <p:clrMapOvr>
     <a:masterClrMapping/>
   </p:clrMapOvr>
+  <p:timing>
+    <p:tnLst>
+      <p:par>
+        <p:cTn id="1" dur="indefinite" restart="never" nodeType="tmRoot"/>
+      </p:par>
+    </p:tnLst>
+  </p:timing>
 </p:sld>
 </file>
 
@@ -16827,6 +16725,13 @@
   <p:clrMapOvr>
     <a:masterClrMapping/>
   </p:clrMapOvr>
+  <p:timing>
+    <p:tnLst>
+      <p:par>
+        <p:cTn id="1" dur="indefinite" restart="never" nodeType="tmRoot"/>
+      </p:par>
+    </p:tnLst>
+  </p:timing>
 </p:sld>
 </file>
 
@@ -17114,6 +17019,13 @@
   <p:clrMapOvr>
     <a:masterClrMapping/>
   </p:clrMapOvr>
+  <p:timing>
+    <p:tnLst>
+      <p:par>
+        <p:cTn id="1" dur="indefinite" restart="never" nodeType="tmRoot"/>
+      </p:par>
+    </p:tnLst>
+  </p:timing>
 </p:sld>
 </file>
 
@@ -17367,18 +17279,23 @@
             </a:r>
             <a:r>
               <a:rPr lang="en-US" dirty="0" smtClean="0"/>
-              <a:t> un test FW</a:t>
-            </a:r>
-          </a:p>
-          <a:p>
-            <a:pPr lvl="1"/>
+              <a:t> un test </a:t>
+            </a:r>
+            <a:r>
+              <a:rPr lang="en-US" dirty="0" smtClean="0"/>
+              <a:t>FW, </a:t>
+            </a:r>
             <a:r>
               <a:rPr lang="en-US" dirty="0" err="1" smtClean="0"/>
-              <a:t>Ayuda</a:t>
+              <a:t>ayuda</a:t>
             </a:r>
             <a:r>
               <a:rPr lang="en-US" dirty="0" smtClean="0"/>
-              <a:t> a </a:t>
+              <a:t> </a:t>
+            </a:r>
+            <a:r>
+              <a:rPr lang="en-US" dirty="0" smtClean="0"/>
+              <a:t>a </a:t>
             </a:r>
             <a:r>
               <a:rPr lang="en-US" dirty="0" err="1" smtClean="0"/>
@@ -17428,9 +17345,149 @@
           <a:chExt cx="0" cy="0"/>
         </a:xfrm>
       </p:grpSpPr>
+      <p:sp>
+        <p:nvSpPr>
+          <p:cNvPr id="2" name="Título 1"/>
+          <p:cNvSpPr>
+            <a:spLocks noGrp="1"/>
+          </p:cNvSpPr>
+          <p:nvPr>
+            <p:ph type="title"/>
+          </p:nvPr>
+        </p:nvSpPr>
+        <p:spPr>
+          <a:xfrm>
+            <a:off x="838200" y="365125"/>
+            <a:ext cx="10515600" cy="1024763"/>
+          </a:xfrm>
+        </p:spPr>
+        <p:txBody>
+          <a:bodyPr/>
+          <a:lstStyle/>
+          <a:p>
+            <a:r>
+              <a:rPr lang="en-US" dirty="0" smtClean="0"/>
+              <a:t>Dummy</a:t>
+            </a:r>
+            <a:endParaRPr lang="en-US" dirty="0"/>
+          </a:p>
+        </p:txBody>
+      </p:sp>
+      <p:sp>
+        <p:nvSpPr>
+          <p:cNvPr id="3" name="Marcador de contenido 2"/>
+          <p:cNvSpPr>
+            <a:spLocks noGrp="1"/>
+          </p:cNvSpPr>
+          <p:nvPr>
+            <p:ph idx="1"/>
+          </p:nvPr>
+        </p:nvSpPr>
+        <p:spPr>
+          <a:xfrm>
+            <a:off x="838200" y="1234440"/>
+            <a:ext cx="10515600" cy="5532120"/>
+          </a:xfrm>
+        </p:spPr>
+        <p:txBody>
+          <a:bodyPr>
+            <a:normAutofit/>
+          </a:bodyPr>
+          <a:lstStyle/>
+          <a:p>
+            <a:r>
+              <a:rPr lang="es-ES" dirty="0" smtClean="0"/>
+              <a:t>Objetos sin comportamiento</a:t>
+            </a:r>
+          </a:p>
+          <a:p>
+            <a:r>
+              <a:rPr lang="es-ES" dirty="0" smtClean="0"/>
+              <a:t>Se utiliza para no pasar un </a:t>
+            </a:r>
+            <a:r>
+              <a:rPr lang="es-ES" dirty="0" err="1" smtClean="0"/>
+              <a:t>null</a:t>
+            </a:r>
+            <a:r>
+              <a:rPr lang="es-ES" dirty="0" smtClean="0"/>
+              <a:t>, </a:t>
+            </a:r>
+          </a:p>
+          <a:p>
+            <a:pPr marL="457200" lvl="1" indent="0">
+              <a:buNone/>
+            </a:pPr>
+            <a:r>
+              <a:rPr lang="es-ES" sz="2800" dirty="0" smtClean="0"/>
+              <a:t>agregar a </a:t>
+            </a:r>
+            <a:r>
+              <a:rPr lang="es-ES" sz="2800" dirty="0" err="1" smtClean="0"/>
+              <a:t>arrays</a:t>
+            </a:r>
+            <a:r>
+              <a:rPr lang="es-ES" sz="2800" dirty="0" smtClean="0"/>
+              <a:t>, etc.</a:t>
+            </a:r>
+          </a:p>
+          <a:p>
+            <a:pPr marL="0" indent="0">
+              <a:buNone/>
+            </a:pPr>
+            <a:endParaRPr lang="en-US" dirty="0"/>
+          </a:p>
+          <a:p>
+            <a:pPr marL="0" indent="0">
+              <a:buNone/>
+            </a:pPr>
+            <a:endParaRPr lang="en-US" dirty="0" smtClean="0"/>
+          </a:p>
+          <a:p>
+            <a:pPr marL="0" indent="0">
+              <a:buNone/>
+            </a:pPr>
+            <a:endParaRPr lang="en-US" dirty="0"/>
+          </a:p>
+          <a:p>
+            <a:pPr marL="0" indent="0">
+              <a:buNone/>
+            </a:pPr>
+            <a:endParaRPr lang="en-US" dirty="0" smtClean="0"/>
+          </a:p>
+          <a:p>
+            <a:pPr marL="0" indent="0">
+              <a:buNone/>
+            </a:pPr>
+            <a:endParaRPr lang="en-US" dirty="0"/>
+          </a:p>
+          <a:p>
+            <a:pPr marL="0" indent="0">
+              <a:buNone/>
+            </a:pPr>
+            <a:endParaRPr lang="en-US" dirty="0" smtClean="0"/>
+          </a:p>
+          <a:p>
+            <a:pPr marL="0" indent="0">
+              <a:buNone/>
+            </a:pPr>
+            <a:endParaRPr lang="en-US" dirty="0" smtClean="0"/>
+          </a:p>
+          <a:p>
+            <a:pPr marL="0" indent="0">
+              <a:buNone/>
+            </a:pPr>
+            <a:r>
+              <a:rPr lang="en-US" dirty="0" smtClean="0"/>
+              <a:t>https://jsfiddle.net/Ericuss/b03zs7kg/</a:t>
+            </a:r>
+            <a:endParaRPr lang="en-US" dirty="0"/>
+          </a:p>
+        </p:txBody>
+      </p:sp>
       <p:pic>
         <p:nvPicPr>
-          <p:cNvPr id="6" name="Imagen 5"/>
+          <p:cNvPr id="4" name="Imagen 3"/>
           <p:cNvPicPr>
             <a:picLocks noChangeAspect="1"/>
           </p:cNvPicPr>
@@ -17444,8 +17501,8 @@
         </p:blipFill>
         <p:spPr>
           <a:xfrm>
-            <a:off x="7219950" y="150707"/>
-            <a:ext cx="4133850" cy="5763951"/>
+            <a:off x="1368742" y="2694354"/>
+            <a:ext cx="3251671" cy="3220304"/>
           </a:xfrm>
           <a:prstGeom prst="rect">
             <a:avLst/>
@@ -17482,151 +17539,9 @@
           </a:sp3d>
         </p:spPr>
       </p:pic>
-      <p:sp>
-        <p:nvSpPr>
-          <p:cNvPr id="2" name="Título 1"/>
-          <p:cNvSpPr>
-            <a:spLocks noGrp="1"/>
-          </p:cNvSpPr>
-          <p:nvPr>
-            <p:ph type="title"/>
-          </p:nvPr>
-        </p:nvSpPr>
-        <p:spPr/>
-        <p:txBody>
-          <a:bodyPr/>
-          <a:lstStyle/>
-          <a:p>
-            <a:r>
-              <a:rPr lang="en-US" dirty="0" smtClean="0"/>
-              <a:t>Dummy</a:t>
-            </a:r>
-            <a:endParaRPr lang="en-US" dirty="0"/>
-          </a:p>
-        </p:txBody>
-      </p:sp>
-      <p:sp>
-        <p:nvSpPr>
-          <p:cNvPr id="3" name="Marcador de contenido 2"/>
-          <p:cNvSpPr>
-            <a:spLocks noGrp="1"/>
-          </p:cNvSpPr>
-          <p:nvPr>
-            <p:ph idx="1"/>
-          </p:nvPr>
-        </p:nvSpPr>
-        <p:spPr>
-          <a:xfrm>
-            <a:off x="838200" y="1825624"/>
-            <a:ext cx="10515600" cy="4747191"/>
-          </a:xfrm>
-        </p:spPr>
-        <p:txBody>
-          <a:bodyPr>
-            <a:normAutofit lnSpcReduction="10000"/>
-          </a:bodyPr>
-          <a:lstStyle/>
-          <a:p>
-            <a:r>
-              <a:rPr lang="en-US" dirty="0" err="1" smtClean="0"/>
-              <a:t>Objetos</a:t>
-            </a:r>
-            <a:r>
-              <a:rPr lang="en-US" dirty="0" smtClean="0"/>
-              <a:t> sin </a:t>
-            </a:r>
-            <a:r>
-              <a:rPr lang="en-US" dirty="0" err="1" smtClean="0"/>
-              <a:t>comportamiento</a:t>
-            </a:r>
-            <a:endParaRPr lang="en-US" dirty="0" smtClean="0"/>
-          </a:p>
-          <a:p>
-            <a:r>
-              <a:rPr lang="en-US" dirty="0" smtClean="0"/>
-              <a:t>Se </a:t>
-            </a:r>
-            <a:r>
-              <a:rPr lang="en-US" dirty="0" err="1" smtClean="0"/>
-              <a:t>utiliza</a:t>
-            </a:r>
-            <a:r>
-              <a:rPr lang="en-US" dirty="0" smtClean="0"/>
-              <a:t> para no </a:t>
-            </a:r>
-            <a:r>
-              <a:rPr lang="en-US" dirty="0" err="1" smtClean="0"/>
-              <a:t>pasar</a:t>
-            </a:r>
-            <a:r>
-              <a:rPr lang="en-US" dirty="0" smtClean="0"/>
-              <a:t> un null, </a:t>
-            </a:r>
-          </a:p>
-          <a:p>
-            <a:pPr marL="457200" lvl="1" indent="0">
-              <a:buNone/>
-            </a:pPr>
-            <a:r>
-              <a:rPr lang="en-US" sz="2800" dirty="0" err="1"/>
-              <a:t>agregar</a:t>
-            </a:r>
-            <a:r>
-              <a:rPr lang="en-US" sz="2800" dirty="0"/>
-              <a:t> a arrays, etc.</a:t>
-            </a:r>
-          </a:p>
-          <a:p>
-            <a:pPr marL="0" indent="0">
-              <a:buNone/>
-            </a:pPr>
-            <a:endParaRPr lang="en-US" dirty="0"/>
-          </a:p>
-          <a:p>
-            <a:pPr marL="0" indent="0">
-              <a:buNone/>
-            </a:pPr>
-            <a:endParaRPr lang="en-US" dirty="0" smtClean="0"/>
-          </a:p>
-          <a:p>
-            <a:pPr marL="0" indent="0">
-              <a:buNone/>
-            </a:pPr>
-            <a:endParaRPr lang="en-US" dirty="0"/>
-          </a:p>
-          <a:p>
-            <a:pPr marL="0" indent="0">
-              <a:buNone/>
-            </a:pPr>
-            <a:endParaRPr lang="en-US" dirty="0" smtClean="0"/>
-          </a:p>
-          <a:p>
-            <a:pPr marL="0" indent="0">
-              <a:buNone/>
-            </a:pPr>
-            <a:endParaRPr lang="en-US" dirty="0"/>
-          </a:p>
-          <a:p>
-            <a:pPr marL="0" indent="0">
-              <a:buNone/>
-            </a:pPr>
-            <a:endParaRPr lang="en-US" dirty="0" smtClean="0"/>
-          </a:p>
-          <a:p>
-            <a:pPr marL="0" indent="0">
-              <a:buNone/>
-            </a:pPr>
-            <a:r>
-              <a:rPr lang="en-US" dirty="0" smtClean="0"/>
-              <a:t>https://jsfiddle.net/Ericuss/b03zs7kg/</a:t>
-            </a:r>
-            <a:endParaRPr lang="en-US" dirty="0"/>
-          </a:p>
-        </p:txBody>
-      </p:sp>
       <p:pic>
         <p:nvPicPr>
-          <p:cNvPr id="5" name="Imagen 4"/>
+          <p:cNvPr id="7" name="Imagen 6"/>
           <p:cNvPicPr>
             <a:picLocks noChangeAspect="1"/>
           </p:cNvPicPr>
@@ -17640,8 +17555,8 @@
         </p:blipFill>
         <p:spPr>
           <a:xfrm>
-            <a:off x="2619495" y="3190997"/>
-            <a:ext cx="2371725" cy="2628900"/>
+            <a:off x="7251002" y="112034"/>
+            <a:ext cx="4102798" cy="5884920"/>
           </a:xfrm>
           <a:prstGeom prst="rect">
             <a:avLst/>
@@ -18113,52 +18028,8 @@
           <a:lstStyle/>
           <a:p>
             <a:r>
-              <a:rPr lang="en-US" sz="2400" dirty="0" err="1" smtClean="0"/>
-              <a:t>Tiene</a:t>
-            </a:r>
-            <a:r>
-              <a:rPr lang="en-US" sz="2400" dirty="0" smtClean="0"/>
-              <a:t> </a:t>
-            </a:r>
-            <a:r>
-              <a:rPr lang="en-US" sz="2400" dirty="0" err="1" smtClean="0"/>
-              <a:t>opciones</a:t>
-            </a:r>
-            <a:r>
-              <a:rPr lang="en-US" sz="2400" dirty="0" smtClean="0"/>
-              <a:t> para saber </a:t>
-            </a:r>
-            <a:r>
-              <a:rPr lang="en-US" sz="2400" dirty="0" err="1" smtClean="0"/>
-              <a:t>si</a:t>
-            </a:r>
-            <a:r>
-              <a:rPr lang="en-US" sz="2400" dirty="0" smtClean="0"/>
-              <a:t> se ha </a:t>
-            </a:r>
-            <a:r>
-              <a:rPr lang="en-US" sz="2400" dirty="0" err="1" smtClean="0"/>
-              <a:t>llamado</a:t>
-            </a:r>
-            <a:r>
-              <a:rPr lang="en-US" sz="2400" dirty="0" smtClean="0"/>
-              <a:t>, </a:t>
-            </a:r>
-            <a:r>
-              <a:rPr lang="en-US" sz="2400" dirty="0" err="1" smtClean="0"/>
-              <a:t>cuantas</a:t>
-            </a:r>
-            <a:r>
-              <a:rPr lang="en-US" sz="2400" dirty="0" smtClean="0"/>
-              <a:t> </a:t>
-            </a:r>
-            <a:r>
-              <a:rPr lang="en-US" sz="2400" dirty="0" err="1" smtClean="0"/>
-              <a:t>veces</a:t>
-            </a:r>
-            <a:r>
-              <a:rPr lang="en-US" sz="2400" dirty="0" smtClean="0"/>
-              <a:t>, etc.</a:t>
+              <a:rPr lang="es-ES" sz="2400" dirty="0" smtClean="0"/>
+              <a:t>Tiene opciones para saber si se ha llamado, cuantas veces, etc.</a:t>
             </a:r>
             <a:endParaRPr lang="es-ES" sz="2400" dirty="0"/>
           </a:p>
@@ -18257,6 +18128,13 @@
   <p:clrMapOvr>
     <a:masterClrMapping/>
   </p:clrMapOvr>
+  <p:timing>
+    <p:tnLst>
+      <p:par>
+        <p:cTn id="1" dur="indefinite" restart="never" nodeType="tmRoot"/>
+      </p:par>
+    </p:tnLst>
+  </p:timing>
 </p:sld>
 </file>
 
@@ -18329,52 +18207,8 @@
           <a:lstStyle/>
           <a:p>
             <a:r>
-              <a:rPr lang="en-US" sz="2400" dirty="0" err="1" smtClean="0"/>
-              <a:t>Tiene</a:t>
-            </a:r>
-            <a:r>
-              <a:rPr lang="en-US" sz="2400" dirty="0" smtClean="0"/>
-              <a:t> </a:t>
-            </a:r>
-            <a:r>
-              <a:rPr lang="en-US" sz="2400" dirty="0" err="1" smtClean="0"/>
-              <a:t>opciones</a:t>
-            </a:r>
-            <a:r>
-              <a:rPr lang="en-US" sz="2400" dirty="0" smtClean="0"/>
-              <a:t> para saber </a:t>
-            </a:r>
-            <a:r>
-              <a:rPr lang="en-US" sz="2400" dirty="0" err="1" smtClean="0"/>
-              <a:t>si</a:t>
-            </a:r>
-            <a:r>
-              <a:rPr lang="en-US" sz="2400" dirty="0" smtClean="0"/>
-              <a:t> se ha </a:t>
-            </a:r>
-            <a:r>
-              <a:rPr lang="en-US" sz="2400" dirty="0" err="1" smtClean="0"/>
-              <a:t>llamado</a:t>
-            </a:r>
-            <a:r>
-              <a:rPr lang="en-US" sz="2400" dirty="0" smtClean="0"/>
-              <a:t>, </a:t>
-            </a:r>
-            <a:r>
-              <a:rPr lang="en-US" sz="2400" dirty="0" err="1" smtClean="0"/>
-              <a:t>cuantas</a:t>
-            </a:r>
-            <a:r>
-              <a:rPr lang="en-US" sz="2400" dirty="0" smtClean="0"/>
-              <a:t> </a:t>
-            </a:r>
-            <a:r>
-              <a:rPr lang="en-US" sz="2400" dirty="0" err="1" smtClean="0"/>
-              <a:t>veces</a:t>
-            </a:r>
-            <a:r>
-              <a:rPr lang="en-US" sz="2400" dirty="0" smtClean="0"/>
-              <a:t>, etc.</a:t>
+              <a:rPr lang="es-ES" sz="2400" dirty="0" smtClean="0"/>
+              <a:t>Tiene opciones para saber si se ha llamado, cuantas veces, etc.</a:t>
             </a:r>
             <a:endParaRPr lang="es-ES" sz="2400" dirty="0"/>
           </a:p>
@@ -18527,6 +18361,13 @@
   <p:clrMapOvr>
     <a:masterClrMapping/>
   </p:clrMapOvr>
+  <p:timing>
+    <p:tnLst>
+      <p:par>
+        <p:cTn id="1" dur="indefinite" restart="never" nodeType="tmRoot"/>
+      </p:par>
+    </p:tnLst>
+  </p:timing>
 </p:sld>
 </file>
 

--- a/Documentacion/jasmine.pptx
+++ b/Documentacion/jasmine.pptx
@@ -11,15 +11,15 @@
     <p:sldMasterId id="2147483661" r:id="rId10"/>
   </p:sldMasterIdLst>
   <p:notesMasterIdLst>
-    <p:notesMasterId r:id="rId27"/>
+    <p:notesMasterId r:id="rId31"/>
   </p:notesMasterIdLst>
   <p:handoutMasterIdLst>
-    <p:handoutMasterId r:id="rId28"/>
+    <p:handoutMasterId r:id="rId32"/>
   </p:handoutMasterIdLst>
   <p:sldIdLst>
     <p:sldId id="256" r:id="rId11"/>
     <p:sldId id="360" r:id="rId12"/>
-    <p:sldId id="367" r:id="rId13"/>
+    <p:sldId id="378" r:id="rId13"/>
     <p:sldId id="361" r:id="rId14"/>
     <p:sldId id="371" r:id="rId15"/>
     <p:sldId id="362" r:id="rId16"/>
@@ -30,9 +30,13 @@
     <p:sldId id="372" r:id="rId21"/>
     <p:sldId id="370" r:id="rId22"/>
     <p:sldId id="374" r:id="rId23"/>
-    <p:sldId id="366" r:id="rId24"/>
-    <p:sldId id="368" r:id="rId25"/>
-    <p:sldId id="265" r:id="rId26"/>
+    <p:sldId id="367" r:id="rId24"/>
+    <p:sldId id="377" r:id="rId25"/>
+    <p:sldId id="375" r:id="rId26"/>
+    <p:sldId id="379" r:id="rId27"/>
+    <p:sldId id="380" r:id="rId28"/>
+    <p:sldId id="368" r:id="rId29"/>
+    <p:sldId id="265" r:id="rId30"/>
   </p:sldIdLst>
   <p:sldSz cx="12192000" cy="6858000"/>
   <p:notesSz cx="6858000" cy="9144000"/>
@@ -138,16 +142,12 @@
           <p14:sldIdLst>
             <p14:sldId id="256"/>
             <p14:sldId id="360"/>
+            <p14:sldId id="378"/>
+            <p14:sldId id="361"/>
           </p14:sldIdLst>
         </p14:section>
-        <p14:section name="Demo VS FizzBuzz" id="{0AAA4355-2067-4205-85F4-D340880B79DC}">
+        <p14:section name="Test Double" id="{D06BDDD4-E7FF-4514-BC12-CA326E728283}">
           <p14:sldIdLst>
-            <p14:sldId id="367"/>
-          </p14:sldIdLst>
-        </p14:section>
-        <p14:section name="Test Double" id="{A72A8FAC-F95B-452D-B29C-C818F108AD6F}">
-          <p14:sldIdLst>
-            <p14:sldId id="361"/>
             <p14:sldId id="371"/>
             <p14:sldId id="362"/>
             <p14:sldId id="363"/>
@@ -159,9 +159,13 @@
             <p14:sldId id="374"/>
           </p14:sldIdLst>
         </p14:section>
-        <p14:section name="Sinon" id="{BE98A4EB-C9F6-490E-8A3A-F1C989434855}">
+        <p14:section name="Demo VS FizzBuzz" id="{0AAA4355-2067-4205-85F4-D340880B79DC}">
           <p14:sldIdLst>
-            <p14:sldId id="366"/>
+            <p14:sldId id="367"/>
+            <p14:sldId id="377"/>
+            <p14:sldId id="375"/>
+            <p14:sldId id="379"/>
+            <p14:sldId id="380"/>
           </p14:sldIdLst>
         </p14:section>
         <p14:section name="Build server con test" id="{17210CAD-4A0B-47DB-9CF7-82E77D424859}">
@@ -1359,6 +1363,454 @@
       <dsp:cNvGrpSpPr/>
     </dsp:nvGrpSpPr>
     <dsp:grpSpPr/>
+    <dsp:sp modelId="{C19FBA30-382B-44E2-8C1D-137A6F897C28}">
+      <dsp:nvSpPr>
+        <dsp:cNvPr id="0" name=""/>
+        <dsp:cNvSpPr/>
+      </dsp:nvSpPr>
+      <dsp:spPr>
+        <a:xfrm>
+          <a:off x="619648" y="0"/>
+          <a:ext cx="7022680" cy="2448272"/>
+        </a:xfrm>
+        <a:prstGeom prst="rightArrow">
+          <a:avLst/>
+        </a:prstGeom>
+        <a:solidFill>
+          <a:schemeClr val="accent3">
+            <a:tint val="40000"/>
+            <a:hueOff val="0"/>
+            <a:satOff val="0"/>
+            <a:lumOff val="0"/>
+            <a:alphaOff val="0"/>
+          </a:schemeClr>
+        </a:solidFill>
+        <a:ln>
+          <a:noFill/>
+        </a:ln>
+        <a:effectLst/>
+      </dsp:spPr>
+      <dsp:style>
+        <a:lnRef idx="0">
+          <a:scrgbClr r="0" g="0" b="0"/>
+        </a:lnRef>
+        <a:fillRef idx="1">
+          <a:scrgbClr r="0" g="0" b="0"/>
+        </a:fillRef>
+        <a:effectRef idx="2">
+          <a:scrgbClr r="0" g="0" b="0"/>
+        </a:effectRef>
+        <a:fontRef idx="minor"/>
+      </dsp:style>
+    </dsp:sp>
+    <dsp:sp modelId="{3BE67301-9880-4FEC-99F7-88569348EA0D}">
+      <dsp:nvSpPr>
+        <dsp:cNvPr id="0" name=""/>
+        <dsp:cNvSpPr/>
+      </dsp:nvSpPr>
+      <dsp:spPr>
+        <a:xfrm>
+          <a:off x="2823" y="734481"/>
+          <a:ext cx="1834739" cy="979308"/>
+        </a:xfrm>
+        <a:prstGeom prst="roundRect">
+          <a:avLst/>
+        </a:prstGeom>
+        <a:gradFill rotWithShape="0">
+          <a:gsLst>
+            <a:gs pos="0">
+              <a:schemeClr val="accent3">
+                <a:shade val="80000"/>
+                <a:hueOff val="0"/>
+                <a:satOff val="0"/>
+                <a:lumOff val="0"/>
+                <a:alphaOff val="0"/>
+                <a:satMod val="103000"/>
+                <a:lumMod val="102000"/>
+                <a:tint val="94000"/>
+              </a:schemeClr>
+            </a:gs>
+            <a:gs pos="50000">
+              <a:schemeClr val="accent3">
+                <a:shade val="80000"/>
+                <a:hueOff val="0"/>
+                <a:satOff val="0"/>
+                <a:lumOff val="0"/>
+                <a:alphaOff val="0"/>
+                <a:satMod val="110000"/>
+                <a:lumMod val="100000"/>
+                <a:shade val="100000"/>
+              </a:schemeClr>
+            </a:gs>
+            <a:gs pos="100000">
+              <a:schemeClr val="accent3">
+                <a:shade val="80000"/>
+                <a:hueOff val="0"/>
+                <a:satOff val="0"/>
+                <a:lumOff val="0"/>
+                <a:alphaOff val="0"/>
+                <a:lumMod val="99000"/>
+                <a:satMod val="120000"/>
+                <a:shade val="78000"/>
+              </a:schemeClr>
+            </a:gs>
+          </a:gsLst>
+          <a:lin ang="5400000" scaled="0"/>
+        </a:gradFill>
+        <a:ln>
+          <a:noFill/>
+        </a:ln>
+        <a:effectLst/>
+      </dsp:spPr>
+      <dsp:style>
+        <a:lnRef idx="0">
+          <a:scrgbClr r="0" g="0" b="0"/>
+        </a:lnRef>
+        <a:fillRef idx="3">
+          <a:scrgbClr r="0" g="0" b="0"/>
+        </a:fillRef>
+        <a:effectRef idx="2">
+          <a:scrgbClr r="0" g="0" b="0"/>
+        </a:effectRef>
+        <a:fontRef idx="minor">
+          <a:schemeClr val="lt1"/>
+        </a:fontRef>
+      </dsp:style>
+      <dsp:txBody>
+        <a:bodyPr spcFirstLastPara="0" vert="horz" wrap="square" lIns="76200" tIns="76200" rIns="76200" bIns="76200" numCol="1" spcCol="1270" anchor="ctr" anchorCtr="0">
+          <a:noAutofit/>
+        </a:bodyPr>
+        <a:lstStyle/>
+        <a:p>
+          <a:pPr lvl="0" algn="ctr" defTabSz="889000">
+            <a:lnSpc>
+              <a:spcPct val="90000"/>
+            </a:lnSpc>
+            <a:spcBef>
+              <a:spcPct val="0"/>
+            </a:spcBef>
+            <a:spcAft>
+              <a:spcPct val="35000"/>
+            </a:spcAft>
+          </a:pPr>
+          <a:r>
+            <a:rPr lang="es-ES" sz="2000" kern="1200" dirty="0" smtClean="0"/>
+            <a:t>SPRINT 1</a:t>
+          </a:r>
+          <a:endParaRPr lang="es-ES" sz="2000" kern="1200" dirty="0"/>
+        </a:p>
+      </dsp:txBody>
+      <dsp:txXfrm>
+        <a:off x="50629" y="782287"/>
+        <a:ext cx="1739127" cy="883696"/>
+      </dsp:txXfrm>
+    </dsp:sp>
+    <dsp:sp modelId="{41F7C86B-E9DC-4364-8A2B-DD3371CBF3D3}">
+      <dsp:nvSpPr>
+        <dsp:cNvPr id="0" name=""/>
+        <dsp:cNvSpPr/>
+      </dsp:nvSpPr>
+      <dsp:spPr>
+        <a:xfrm>
+          <a:off x="2143353" y="734481"/>
+          <a:ext cx="1834739" cy="979308"/>
+        </a:xfrm>
+        <a:prstGeom prst="roundRect">
+          <a:avLst/>
+        </a:prstGeom>
+        <a:gradFill rotWithShape="0">
+          <a:gsLst>
+            <a:gs pos="0">
+              <a:schemeClr val="accent3">
+                <a:shade val="80000"/>
+                <a:hueOff val="0"/>
+                <a:satOff val="0"/>
+                <a:lumOff val="6364"/>
+                <a:alphaOff val="0"/>
+                <a:satMod val="103000"/>
+                <a:lumMod val="102000"/>
+                <a:tint val="94000"/>
+              </a:schemeClr>
+            </a:gs>
+            <a:gs pos="50000">
+              <a:schemeClr val="accent3">
+                <a:shade val="80000"/>
+                <a:hueOff val="0"/>
+                <a:satOff val="0"/>
+                <a:lumOff val="6364"/>
+                <a:alphaOff val="0"/>
+                <a:satMod val="110000"/>
+                <a:lumMod val="100000"/>
+                <a:shade val="100000"/>
+              </a:schemeClr>
+            </a:gs>
+            <a:gs pos="100000">
+              <a:schemeClr val="accent3">
+                <a:shade val="80000"/>
+                <a:hueOff val="0"/>
+                <a:satOff val="0"/>
+                <a:lumOff val="6364"/>
+                <a:alphaOff val="0"/>
+                <a:lumMod val="99000"/>
+                <a:satMod val="120000"/>
+                <a:shade val="78000"/>
+              </a:schemeClr>
+            </a:gs>
+          </a:gsLst>
+          <a:lin ang="5400000" scaled="0"/>
+        </a:gradFill>
+        <a:ln>
+          <a:noFill/>
+        </a:ln>
+        <a:effectLst/>
+      </dsp:spPr>
+      <dsp:style>
+        <a:lnRef idx="0">
+          <a:scrgbClr r="0" g="0" b="0"/>
+        </a:lnRef>
+        <a:fillRef idx="3">
+          <a:scrgbClr r="0" g="0" b="0"/>
+        </a:fillRef>
+        <a:effectRef idx="2">
+          <a:scrgbClr r="0" g="0" b="0"/>
+        </a:effectRef>
+        <a:fontRef idx="minor">
+          <a:schemeClr val="lt1"/>
+        </a:fontRef>
+      </dsp:style>
+      <dsp:txBody>
+        <a:bodyPr spcFirstLastPara="0" vert="horz" wrap="square" lIns="76200" tIns="76200" rIns="76200" bIns="76200" numCol="1" spcCol="1270" anchor="ctr" anchorCtr="0">
+          <a:noAutofit/>
+        </a:bodyPr>
+        <a:lstStyle/>
+        <a:p>
+          <a:pPr lvl="0" algn="ctr" defTabSz="889000">
+            <a:lnSpc>
+              <a:spcPct val="90000"/>
+            </a:lnSpc>
+            <a:spcBef>
+              <a:spcPct val="0"/>
+            </a:spcBef>
+            <a:spcAft>
+              <a:spcPct val="35000"/>
+            </a:spcAft>
+          </a:pPr>
+          <a:r>
+            <a:rPr lang="es-ES" sz="2000" kern="1200" dirty="0" smtClean="0"/>
+            <a:t>SPRINT 2</a:t>
+          </a:r>
+          <a:endParaRPr lang="es-ES" sz="2000" kern="1200" dirty="0"/>
+        </a:p>
+      </dsp:txBody>
+      <dsp:txXfrm>
+        <a:off x="2191159" y="782287"/>
+        <a:ext cx="1739127" cy="883696"/>
+      </dsp:txXfrm>
+    </dsp:sp>
+    <dsp:sp modelId="{4BAD5466-94E1-47CA-9FAA-DDD3B7595BCC}">
+      <dsp:nvSpPr>
+        <dsp:cNvPr id="0" name=""/>
+        <dsp:cNvSpPr/>
+      </dsp:nvSpPr>
+      <dsp:spPr>
+        <a:xfrm>
+          <a:off x="4283883" y="734481"/>
+          <a:ext cx="1834739" cy="979308"/>
+        </a:xfrm>
+        <a:prstGeom prst="roundRect">
+          <a:avLst/>
+        </a:prstGeom>
+        <a:gradFill rotWithShape="0">
+          <a:gsLst>
+            <a:gs pos="0">
+              <a:schemeClr val="accent3">
+                <a:shade val="80000"/>
+                <a:hueOff val="0"/>
+                <a:satOff val="0"/>
+                <a:lumOff val="12728"/>
+                <a:alphaOff val="0"/>
+                <a:satMod val="103000"/>
+                <a:lumMod val="102000"/>
+                <a:tint val="94000"/>
+              </a:schemeClr>
+            </a:gs>
+            <a:gs pos="50000">
+              <a:schemeClr val="accent3">
+                <a:shade val="80000"/>
+                <a:hueOff val="0"/>
+                <a:satOff val="0"/>
+                <a:lumOff val="12728"/>
+                <a:alphaOff val="0"/>
+                <a:satMod val="110000"/>
+                <a:lumMod val="100000"/>
+                <a:shade val="100000"/>
+              </a:schemeClr>
+            </a:gs>
+            <a:gs pos="100000">
+              <a:schemeClr val="accent3">
+                <a:shade val="80000"/>
+                <a:hueOff val="0"/>
+                <a:satOff val="0"/>
+                <a:lumOff val="12728"/>
+                <a:alphaOff val="0"/>
+                <a:lumMod val="99000"/>
+                <a:satMod val="120000"/>
+                <a:shade val="78000"/>
+              </a:schemeClr>
+            </a:gs>
+          </a:gsLst>
+          <a:lin ang="5400000" scaled="0"/>
+        </a:gradFill>
+        <a:ln>
+          <a:noFill/>
+        </a:ln>
+        <a:effectLst/>
+      </dsp:spPr>
+      <dsp:style>
+        <a:lnRef idx="0">
+          <a:scrgbClr r="0" g="0" b="0"/>
+        </a:lnRef>
+        <a:fillRef idx="3">
+          <a:scrgbClr r="0" g="0" b="0"/>
+        </a:fillRef>
+        <a:effectRef idx="2">
+          <a:scrgbClr r="0" g="0" b="0"/>
+        </a:effectRef>
+        <a:fontRef idx="minor">
+          <a:schemeClr val="lt1"/>
+        </a:fontRef>
+      </dsp:style>
+      <dsp:txBody>
+        <a:bodyPr spcFirstLastPara="0" vert="horz" wrap="square" lIns="76200" tIns="76200" rIns="76200" bIns="76200" numCol="1" spcCol="1270" anchor="ctr" anchorCtr="0">
+          <a:noAutofit/>
+        </a:bodyPr>
+        <a:lstStyle/>
+        <a:p>
+          <a:pPr lvl="0" algn="ctr" defTabSz="889000">
+            <a:lnSpc>
+              <a:spcPct val="90000"/>
+            </a:lnSpc>
+            <a:spcBef>
+              <a:spcPct val="0"/>
+            </a:spcBef>
+            <a:spcAft>
+              <a:spcPct val="35000"/>
+            </a:spcAft>
+          </a:pPr>
+          <a:r>
+            <a:rPr lang="es-ES" sz="2000" kern="1200" dirty="0" smtClean="0"/>
+            <a:t>SPRINT…</a:t>
+          </a:r>
+          <a:endParaRPr lang="es-ES" sz="2000" kern="1200" dirty="0"/>
+        </a:p>
+      </dsp:txBody>
+      <dsp:txXfrm>
+        <a:off x="4331689" y="782287"/>
+        <a:ext cx="1739127" cy="883696"/>
+      </dsp:txXfrm>
+    </dsp:sp>
+    <dsp:sp modelId="{467EE60E-61AA-427F-A830-D12F30BF2A28}">
+      <dsp:nvSpPr>
+        <dsp:cNvPr id="0" name=""/>
+        <dsp:cNvSpPr/>
+      </dsp:nvSpPr>
+      <dsp:spPr>
+        <a:xfrm>
+          <a:off x="6424413" y="734481"/>
+          <a:ext cx="1834739" cy="979308"/>
+        </a:xfrm>
+        <a:prstGeom prst="roundRect">
+          <a:avLst/>
+        </a:prstGeom>
+        <a:gradFill rotWithShape="0">
+          <a:gsLst>
+            <a:gs pos="0">
+              <a:schemeClr val="accent3">
+                <a:shade val="80000"/>
+                <a:hueOff val="0"/>
+                <a:satOff val="0"/>
+                <a:lumOff val="19092"/>
+                <a:alphaOff val="0"/>
+                <a:satMod val="103000"/>
+                <a:lumMod val="102000"/>
+                <a:tint val="94000"/>
+              </a:schemeClr>
+            </a:gs>
+            <a:gs pos="50000">
+              <a:schemeClr val="accent3">
+                <a:shade val="80000"/>
+                <a:hueOff val="0"/>
+                <a:satOff val="0"/>
+                <a:lumOff val="19092"/>
+                <a:alphaOff val="0"/>
+                <a:satMod val="110000"/>
+                <a:lumMod val="100000"/>
+                <a:shade val="100000"/>
+              </a:schemeClr>
+            </a:gs>
+            <a:gs pos="100000">
+              <a:schemeClr val="accent3">
+                <a:shade val="80000"/>
+                <a:hueOff val="0"/>
+                <a:satOff val="0"/>
+                <a:lumOff val="19092"/>
+                <a:alphaOff val="0"/>
+                <a:lumMod val="99000"/>
+                <a:satMod val="120000"/>
+                <a:shade val="78000"/>
+              </a:schemeClr>
+            </a:gs>
+          </a:gsLst>
+          <a:lin ang="5400000" scaled="0"/>
+        </a:gradFill>
+        <a:ln>
+          <a:noFill/>
+        </a:ln>
+        <a:effectLst/>
+      </dsp:spPr>
+      <dsp:style>
+        <a:lnRef idx="0">
+          <a:scrgbClr r="0" g="0" b="0"/>
+        </a:lnRef>
+        <a:fillRef idx="3">
+          <a:scrgbClr r="0" g="0" b="0"/>
+        </a:fillRef>
+        <a:effectRef idx="2">
+          <a:scrgbClr r="0" g="0" b="0"/>
+        </a:effectRef>
+        <a:fontRef idx="minor">
+          <a:schemeClr val="lt1"/>
+        </a:fontRef>
+      </dsp:style>
+      <dsp:txBody>
+        <a:bodyPr spcFirstLastPara="0" vert="horz" wrap="square" lIns="76200" tIns="76200" rIns="76200" bIns="76200" numCol="1" spcCol="1270" anchor="ctr" anchorCtr="0">
+          <a:noAutofit/>
+        </a:bodyPr>
+        <a:lstStyle/>
+        <a:p>
+          <a:pPr lvl="0" algn="ctr" defTabSz="889000">
+            <a:lnSpc>
+              <a:spcPct val="90000"/>
+            </a:lnSpc>
+            <a:spcBef>
+              <a:spcPct val="0"/>
+            </a:spcBef>
+            <a:spcAft>
+              <a:spcPct val="35000"/>
+            </a:spcAft>
+          </a:pPr>
+          <a:r>
+            <a:rPr lang="es-ES" sz="2000" kern="1200" dirty="0" smtClean="0"/>
+            <a:t>SPRINT N</a:t>
+          </a:r>
+          <a:endParaRPr lang="es-ES" sz="2000" kern="1200" dirty="0"/>
+        </a:p>
+      </dsp:txBody>
+      <dsp:txXfrm>
+        <a:off x="6472219" y="782287"/>
+        <a:ext cx="1739127" cy="883696"/>
+      </dsp:txXfrm>
+    </dsp:sp>
   </dsp:spTree>
 </dsp:drawing>
 </file>
@@ -2633,7 +3085,7 @@
           <a:p>
             <a:fld id="{1524C607-EC43-4D45-819C-01ED569A62A9}" type="datetimeFigureOut">
               <a:rPr lang="es-ES_tradnl" smtClean="0"/>
-              <a:t>24/11/2015</a:t>
+              <a:t>25/11/2015</a:t>
             </a:fld>
             <a:endParaRPr lang="es-ES_tradnl"/>
           </a:p>
@@ -2798,7 +3250,7 @@
           <a:p>
             <a:fld id="{26D2F09D-BAE4-494B-8CCF-2A216F98B43B}" type="datetimeFigureOut">
               <a:rPr lang="es-ES_tradnl" smtClean="0"/>
-              <a:t>24/11/2015</a:t>
+              <a:t>25/11/2015</a:t>
             </a:fld>
             <a:endParaRPr lang="es-ES_tradnl"/>
           </a:p>
@@ -5754,7 +6206,7 @@
           <a:p>
             <a:fld id="{CBF0928C-8919-4079-8CB5-882BC2C58241}" type="datetimeFigureOut">
               <a:rPr lang="en-US" smtClean="0"/>
-              <a:t>24/11/2015</a:t>
+              <a:t>11/25/2015</a:t>
             </a:fld>
             <a:endParaRPr lang="en-US"/>
           </a:p>
@@ -15836,11 +16288,7 @@
           <a:p>
             <a:r>
               <a:rPr lang="es-ES" sz="2400" dirty="0" smtClean="0"/>
-              <a:t>Tiene </a:t>
-            </a:r>
-            <a:r>
-              <a:rPr lang="es-ES" sz="2400" dirty="0" smtClean="0"/>
-              <a:t>las funciones que necesitamos </a:t>
+              <a:t>Tiene las funciones que necesitamos </a:t>
             </a:r>
           </a:p>
           <a:p>
@@ -16486,7 +16934,7 @@
           <a:p>
             <a:r>
               <a:rPr lang="es-ES" dirty="0" smtClean="0"/>
-              <a:t>Sinon.js (algo parecido!)</a:t>
+              <a:t>Cómo utilizarlos en VS</a:t>
             </a:r>
             <a:endParaRPr lang="es-ES" dirty="0"/>
           </a:p>
@@ -16494,7 +16942,7 @@
       </p:sp>
       <p:sp>
         <p:nvSpPr>
-          <p:cNvPr id="4" name="Marcador de contenido 3"/>
+          <p:cNvPr id="3" name="Marcador de contenido 2"/>
           <p:cNvSpPr>
             <a:spLocks noGrp="1"/>
           </p:cNvSpPr>
@@ -16507,14 +16955,141 @@
           <a:bodyPr/>
           <a:lstStyle/>
           <a:p>
-            <a:endParaRPr lang="es-ES"/>
+            <a:pPr marL="0" indent="0">
+              <a:buNone/>
+            </a:pPr>
+            <a:r>
+              <a:rPr lang="es-ES" dirty="0" smtClean="0"/>
+              <a:t>¿Cómo podemos hacer test en Jasmine en Visual Studio?</a:t>
+            </a:r>
+          </a:p>
+          <a:p>
+            <a:pPr lvl="1"/>
+            <a:r>
+              <a:rPr lang="es-ES" dirty="0" smtClean="0"/>
+              <a:t>Test </a:t>
+            </a:r>
+            <a:r>
+              <a:rPr lang="es-ES" dirty="0" err="1" smtClean="0"/>
+              <a:t>Adapter</a:t>
+            </a:r>
+            <a:r>
+              <a:rPr lang="es-ES" dirty="0" smtClean="0"/>
+              <a:t> </a:t>
+            </a:r>
+            <a:r>
+              <a:rPr lang="es-ES" dirty="0" err="1" smtClean="0"/>
+              <a:t>Chutzpah</a:t>
+            </a:r>
+            <a:endParaRPr lang="es-ES" dirty="0"/>
+          </a:p>
+          <a:p>
+            <a:pPr lvl="2"/>
+            <a:endParaRPr lang="es-ES" dirty="0" smtClean="0"/>
+          </a:p>
+          <a:p>
+            <a:pPr marL="914400" lvl="2" indent="0">
+              <a:buNone/>
+            </a:pPr>
+            <a:endParaRPr lang="es-ES" dirty="0" smtClean="0"/>
+          </a:p>
+          <a:p>
+            <a:pPr marL="914400" lvl="2" indent="0">
+              <a:buNone/>
+            </a:pPr>
+            <a:endParaRPr lang="es-ES" dirty="0"/>
+          </a:p>
+          <a:p>
+            <a:pPr lvl="1"/>
+            <a:r>
+              <a:rPr lang="es-ES" dirty="0" smtClean="0"/>
+              <a:t>Sinon.js</a:t>
+            </a:r>
+          </a:p>
+          <a:p>
+            <a:pPr lvl="1"/>
+            <a:endParaRPr lang="es-ES" dirty="0"/>
+          </a:p>
+          <a:p>
+            <a:pPr lvl="1"/>
+            <a:endParaRPr lang="es-ES" dirty="0" smtClean="0"/>
+          </a:p>
+          <a:p>
+            <a:pPr lvl="1"/>
+            <a:endParaRPr lang="es-ES" dirty="0"/>
+          </a:p>
+          <a:p>
+            <a:pPr marL="914400" lvl="2" indent="0" algn="r">
+              <a:buNone/>
+            </a:pPr>
+            <a:r>
+              <a:rPr lang="es-ES" sz="4400" b="1" dirty="0" smtClean="0">
+                <a:solidFill>
+                  <a:srgbClr val="C00000"/>
+                </a:solidFill>
+              </a:rPr>
+              <a:t>Vamos a por ello!!</a:t>
+            </a:r>
+            <a:endParaRPr lang="es-ES" sz="4400" b="1" dirty="0">
+              <a:solidFill>
+                <a:srgbClr val="C00000"/>
+              </a:solidFill>
+            </a:endParaRPr>
           </a:p>
         </p:txBody>
       </p:sp>
+      <p:pic>
+        <p:nvPicPr>
+          <p:cNvPr id="4" name="Imagen 3"/>
+          <p:cNvPicPr>
+            <a:picLocks noChangeAspect="1"/>
+          </p:cNvPicPr>
+          <p:nvPr/>
+        </p:nvPicPr>
+        <p:blipFill>
+          <a:blip r:embed="rId2"/>
+          <a:stretch>
+            <a:fillRect/>
+          </a:stretch>
+        </p:blipFill>
+        <p:spPr>
+          <a:xfrm>
+            <a:off x="2106113" y="2845253"/>
+            <a:ext cx="7143750" cy="819150"/>
+          </a:xfrm>
+          <a:prstGeom prst="rect">
+            <a:avLst/>
+          </a:prstGeom>
+        </p:spPr>
+      </p:pic>
+      <p:pic>
+        <p:nvPicPr>
+          <p:cNvPr id="5" name="Imagen 4"/>
+          <p:cNvPicPr>
+            <a:picLocks noChangeAspect="1"/>
+          </p:cNvPicPr>
+          <p:nvPr/>
+        </p:nvPicPr>
+        <p:blipFill>
+          <a:blip r:embed="rId3"/>
+          <a:stretch>
+            <a:fillRect/>
+          </a:stretch>
+        </p:blipFill>
+        <p:spPr>
+          <a:xfrm>
+            <a:off x="2177550" y="4053907"/>
+            <a:ext cx="7000875" cy="866775"/>
+          </a:xfrm>
+          <a:prstGeom prst="rect">
+            <a:avLst/>
+          </a:prstGeom>
+        </p:spPr>
+      </p:pic>
     </p:spTree>
     <p:extLst>
       <p:ext uri="{BB962C8B-B14F-4D97-AF65-F5344CB8AC3E}">
-        <p14:creationId xmlns:p14="http://schemas.microsoft.com/office/powerpoint/2010/main" val="2276218811"/>
+        <p14:creationId xmlns:p14="http://schemas.microsoft.com/office/powerpoint/2010/main" val="2447786033"/>
       </p:ext>
     </p:extLst>
   </p:cSld>
@@ -16565,7 +17140,11 @@
           <a:p>
             <a:r>
               <a:rPr lang="es-ES" dirty="0" smtClean="0"/>
-              <a:t>Cómo configurar una Build en VSTS	</a:t>
+              <a:t>Con Visual Studio </a:t>
+            </a:r>
+            <a:r>
+              <a:rPr lang="es-ES" dirty="0" err="1" smtClean="0"/>
+              <a:t>Code</a:t>
             </a:r>
             <a:endParaRPr lang="es-ES" dirty="0"/>
           </a:p>
@@ -16586,139 +17165,65 @@
           <a:bodyPr/>
           <a:lstStyle/>
           <a:p>
-            <a:r>
-              <a:rPr lang="es-ES" dirty="0" smtClean="0"/>
-              <a:t>Pasos para configurar un Build en VSTS (Visual Studio Team </a:t>
-            </a:r>
-            <a:r>
-              <a:rPr lang="es-ES" dirty="0" err="1" smtClean="0"/>
-              <a:t>Services</a:t>
-            </a:r>
-            <a:r>
-              <a:rPr lang="es-ES" dirty="0" smtClean="0"/>
-              <a:t>)</a:t>
-            </a:r>
-          </a:p>
-          <a:p>
-            <a:pPr lvl="1"/>
-            <a:r>
-              <a:rPr lang="es-ES" dirty="0" smtClean="0"/>
-              <a:t>Añadir a la solución el paquete de </a:t>
-            </a:r>
-            <a:r>
-              <a:rPr lang="es-ES" dirty="0" err="1" smtClean="0"/>
-              <a:t>nuget</a:t>
-            </a:r>
-            <a:r>
-              <a:rPr lang="es-ES" dirty="0" smtClean="0"/>
-              <a:t> de </a:t>
-            </a:r>
-            <a:r>
-              <a:rPr lang="es-ES" dirty="0" err="1" smtClean="0"/>
-              <a:t>chutzpah</a:t>
-            </a:r>
-            <a:r>
-              <a:rPr lang="es-ES" dirty="0"/>
-              <a:t> </a:t>
+            <a:pPr marL="0" indent="0">
+              <a:buNone/>
+            </a:pPr>
+            <a:endParaRPr lang="es-ES" dirty="0" smtClean="0">
+              <a:hlinkClick r:id="rId2"/>
+            </a:endParaRPr>
+          </a:p>
+          <a:p>
+            <a:pPr marL="0" indent="0">
+              <a:buNone/>
+            </a:pPr>
+            <a:endParaRPr lang="es-ES" dirty="0">
+              <a:hlinkClick r:id="rId2"/>
+            </a:endParaRPr>
+          </a:p>
+          <a:p>
+            <a:pPr marL="0" indent="0">
+              <a:buNone/>
+            </a:pPr>
+            <a:endParaRPr lang="es-ES" dirty="0" smtClean="0">
+              <a:hlinkClick r:id="rId2"/>
+            </a:endParaRPr>
+          </a:p>
+          <a:p>
+            <a:pPr marL="0" indent="0" algn="ctr">
+              <a:buNone/>
+            </a:pPr>
+            <a:r>
+              <a:rPr lang="es-ES" dirty="0" smtClean="0">
+                <a:hlinkClick r:id="rId2"/>
+              </a:rPr>
+              <a:t>https</a:t>
+            </a:r>
+            <a:r>
+              <a:rPr lang="es-ES" dirty="0">
+                <a:hlinkClick r:id="rId2"/>
+              </a:rPr>
+              <a:t>://</a:t>
+            </a:r>
+            <a:r>
+              <a:rPr lang="es-ES" dirty="0" smtClean="0">
+                <a:hlinkClick r:id="rId2"/>
+              </a:rPr>
+              <a:t>github.com/juanbacardit/MiercoleX-Sinon</a:t>
             </a:r>
             <a:endParaRPr lang="es-ES" dirty="0" smtClean="0"/>
           </a:p>
           <a:p>
-            <a:pPr lvl="1"/>
-            <a:r>
-              <a:rPr lang="es-ES" dirty="0" smtClean="0"/>
-              <a:t>Subir el código fuente al repositorio</a:t>
-            </a:r>
-          </a:p>
-          <a:p>
-            <a:pPr lvl="1"/>
-            <a:r>
-              <a:rPr lang="es-ES" dirty="0" smtClean="0"/>
-              <a:t>Configurar la Build en VSTS</a:t>
-            </a:r>
-          </a:p>
-          <a:p>
-            <a:pPr lvl="2"/>
-            <a:r>
-              <a:rPr lang="es-ES" dirty="0" smtClean="0"/>
-              <a:t>Indicar el </a:t>
-            </a:r>
-            <a:r>
-              <a:rPr lang="es-ES" dirty="0" err="1" smtClean="0"/>
-              <a:t>path</a:t>
-            </a:r>
-            <a:r>
-              <a:rPr lang="es-ES" dirty="0" smtClean="0"/>
-              <a:t> a los </a:t>
-            </a:r>
-            <a:r>
-              <a:rPr lang="es-ES" dirty="0" err="1" smtClean="0"/>
-              <a:t>custom</a:t>
-            </a:r>
-            <a:r>
-              <a:rPr lang="es-ES" dirty="0" smtClean="0"/>
-              <a:t> test </a:t>
-            </a:r>
-            <a:r>
-              <a:rPr lang="es-ES" dirty="0" err="1" smtClean="0"/>
-              <a:t>adapters</a:t>
-            </a:r>
-            <a:r>
-              <a:rPr lang="es-ES" dirty="0" smtClean="0"/>
-              <a:t> de la solución</a:t>
-            </a:r>
-          </a:p>
-          <a:p>
-            <a:pPr lvl="2"/>
+            <a:pPr marL="0" indent="0">
+              <a:buNone/>
+            </a:pPr>
             <a:endParaRPr lang="es-ES" dirty="0"/>
           </a:p>
         </p:txBody>
       </p:sp>
-      <p:pic>
-        <p:nvPicPr>
-          <p:cNvPr id="1026" name="Picture 2" descr="Article Image"/>
-          <p:cNvPicPr>
-            <a:picLocks noChangeAspect="1" noChangeArrowheads="1"/>
-          </p:cNvPicPr>
-          <p:nvPr/>
-        </p:nvPicPr>
-        <p:blipFill>
-          <a:blip r:embed="rId2">
-            <a:extLst>
-              <a:ext uri="{28A0092B-C50C-407E-A947-70E740481C1C}">
-                <a14:useLocalDpi xmlns:a14="http://schemas.microsoft.com/office/drawing/2010/main" val="0"/>
-              </a:ext>
-            </a:extLst>
-          </a:blip>
-          <a:srcRect/>
-          <a:stretch>
-            <a:fillRect/>
-          </a:stretch>
-        </p:blipFill>
-        <p:spPr bwMode="auto">
-          <a:xfrm>
-            <a:off x="3249839" y="3877582"/>
-            <a:ext cx="4791075" cy="2828925"/>
-          </a:xfrm>
-          <a:prstGeom prst="rect">
-            <a:avLst/>
-          </a:prstGeom>
-          <a:noFill/>
-          <a:extLst>
-            <a:ext uri="{909E8E84-426E-40DD-AFC4-6F175D3DCCD1}">
-              <a14:hiddenFill xmlns:a14="http://schemas.microsoft.com/office/drawing/2010/main">
-                <a:solidFill>
-                  <a:srgbClr val="FFFFFF"/>
-                </a:solidFill>
-              </a14:hiddenFill>
-            </a:ext>
-          </a:extLst>
-        </p:spPr>
-      </p:pic>
     </p:spTree>
     <p:extLst>
       <p:ext uri="{BB962C8B-B14F-4D97-AF65-F5344CB8AC3E}">
-        <p14:creationId xmlns:p14="http://schemas.microsoft.com/office/powerpoint/2010/main" val="179180960"/>
+        <p14:creationId xmlns:p14="http://schemas.microsoft.com/office/powerpoint/2010/main" val="3823839030"/>
       </p:ext>
     </p:extLst>
   </p:cSld>
@@ -16754,12 +17259,12 @@
       </p:grpSpPr>
       <p:sp>
         <p:nvSpPr>
-          <p:cNvPr id="2" name="Text Placeholder 1"/>
+          <p:cNvPr id="2" name="Título 1"/>
           <p:cNvSpPr>
             <a:spLocks noGrp="1"/>
           </p:cNvSpPr>
           <p:nvPr>
-            <p:ph type="body" sz="quarter" idx="11"/>
+            <p:ph type="title"/>
           </p:nvPr>
         </p:nvSpPr>
         <p:spPr/>
@@ -16769,16 +17274,675 @@
           <a:p>
             <a:r>
               <a:rPr lang="es-ES" dirty="0" smtClean="0"/>
-              <a:t>Gracias por su confianza</a:t>
-            </a:r>
-            <a:endParaRPr lang="en-US" dirty="0"/>
+              <a:t>Recordad… </a:t>
+            </a:r>
+            <a:endParaRPr lang="es-ES" dirty="0"/>
+          </a:p>
+        </p:txBody>
+      </p:sp>
+      <p:pic>
+        <p:nvPicPr>
+          <p:cNvPr id="1026" name="Picture 2" descr="http://marcabraham.files.wordpress.com/2012/04/06_red_green_refactor.jpg"/>
+          <p:cNvPicPr>
+            <a:picLocks noChangeAspect="1" noChangeArrowheads="1"/>
+          </p:cNvPicPr>
+          <p:nvPr/>
+        </p:nvPicPr>
+        <p:blipFill>
+          <a:blip r:embed="rId2">
+            <a:extLst>
+              <a:ext uri="{28A0092B-C50C-407E-A947-70E740481C1C}">
+                <a14:useLocalDpi xmlns:a14="http://schemas.microsoft.com/office/drawing/2010/main" val="0"/>
+              </a:ext>
+            </a:extLst>
+          </a:blip>
+          <a:srcRect/>
+          <a:stretch>
+            <a:fillRect/>
+          </a:stretch>
+        </p:blipFill>
+        <p:spPr bwMode="auto">
+          <a:xfrm>
+            <a:off x="2407625" y="1527773"/>
+            <a:ext cx="7376750" cy="4370726"/>
+          </a:xfrm>
+          <a:prstGeom prst="rect">
+            <a:avLst/>
+          </a:prstGeom>
+          <a:noFill/>
+          <a:extLst>
+            <a:ext uri="{909E8E84-426E-40DD-AFC4-6F175D3DCCD1}">
+              <a14:hiddenFill xmlns:a14="http://schemas.microsoft.com/office/drawing/2010/main">
+                <a:solidFill>
+                  <a:srgbClr val="FFFFFF"/>
+                </a:solidFill>
+              </a14:hiddenFill>
+            </a:ext>
+          </a:extLst>
+        </p:spPr>
+      </p:pic>
+    </p:spTree>
+    <p:extLst>
+      <p:ext uri="{BB962C8B-B14F-4D97-AF65-F5344CB8AC3E}">
+        <p14:creationId xmlns:p14="http://schemas.microsoft.com/office/powerpoint/2010/main" val="784141489"/>
+      </p:ext>
+    </p:extLst>
+  </p:cSld>
+  <p:clrMapOvr>
+    <a:masterClrMapping/>
+  </p:clrMapOvr>
+  <p:timing>
+    <p:tnLst>
+      <p:par>
+        <p:cTn id="1" dur="indefinite" restart="never" nodeType="tmRoot"/>
+      </p:par>
+    </p:tnLst>
+  </p:timing>
+</p:sld>
+</file>
+
+<file path=ppt/slides/slide17.xml><?xml version="1.0" encoding="utf-8"?>
+<p:sld xmlns:a="http://schemas.openxmlformats.org/drawingml/2006/main" xmlns:r="http://schemas.openxmlformats.org/officeDocument/2006/relationships" xmlns:p="http://schemas.openxmlformats.org/presentationml/2006/main">
+  <p:cSld>
+    <p:spTree>
+      <p:nvGrpSpPr>
+        <p:cNvPr id="1" name=""/>
+        <p:cNvGrpSpPr/>
+        <p:nvPr/>
+      </p:nvGrpSpPr>
+      <p:grpSpPr>
+        <a:xfrm>
+          <a:off x="0" y="0"/>
+          <a:ext cx="0" cy="0"/>
+          <a:chOff x="0" y="0"/>
+          <a:chExt cx="0" cy="0"/>
+        </a:xfrm>
+      </p:grpSpPr>
+      <p:sp>
+        <p:nvSpPr>
+          <p:cNvPr id="2" name="Título 1"/>
+          <p:cNvSpPr>
+            <a:spLocks noGrp="1"/>
+          </p:cNvSpPr>
+          <p:nvPr>
+            <p:ph type="title"/>
+          </p:nvPr>
+        </p:nvSpPr>
+        <p:spPr/>
+        <p:txBody>
+          <a:bodyPr/>
+          <a:lstStyle/>
+          <a:p>
+            <a:r>
+              <a:rPr lang="es-ES" dirty="0" smtClean="0"/>
+              <a:t>Kata Piedra Papel Tijera (30’)</a:t>
+            </a:r>
+            <a:endParaRPr lang="es-ES" dirty="0"/>
+          </a:p>
+        </p:txBody>
+      </p:sp>
+      <p:pic>
+        <p:nvPicPr>
+          <p:cNvPr id="2050" name="Picture 2" descr="http://www.portadas.biz/covers/preview/piedra%20papel%20tijera.jpg"/>
+          <p:cNvPicPr>
+            <a:picLocks noGrp="1" noChangeAspect="1" noChangeArrowheads="1"/>
+          </p:cNvPicPr>
+          <p:nvPr>
+            <p:ph idx="1"/>
+          </p:nvPr>
+        </p:nvPicPr>
+        <p:blipFill>
+          <a:blip r:embed="rId2">
+            <a:extLst>
+              <a:ext uri="{28A0092B-C50C-407E-A947-70E740481C1C}">
+                <a14:useLocalDpi xmlns:a14="http://schemas.microsoft.com/office/drawing/2010/main" val="0"/>
+              </a:ext>
+            </a:extLst>
+          </a:blip>
+          <a:srcRect/>
+          <a:stretch>
+            <a:fillRect/>
+          </a:stretch>
+        </p:blipFill>
+        <p:spPr bwMode="auto">
+          <a:xfrm>
+            <a:off x="4419600" y="3112067"/>
+            <a:ext cx="6934200" cy="2562225"/>
+          </a:xfrm>
+          <a:prstGeom prst="rect">
+            <a:avLst/>
+          </a:prstGeom>
+          <a:noFill/>
+          <a:extLst>
+            <a:ext uri="{909E8E84-426E-40DD-AFC4-6F175D3DCCD1}">
+              <a14:hiddenFill xmlns:a14="http://schemas.microsoft.com/office/drawing/2010/main">
+                <a:solidFill>
+                  <a:srgbClr val="FFFFFF"/>
+                </a:solidFill>
+              </a14:hiddenFill>
+            </a:ext>
+          </a:extLst>
+        </p:spPr>
+      </p:pic>
+      <p:sp>
+        <p:nvSpPr>
+          <p:cNvPr id="4" name="CuadroTexto 3"/>
+          <p:cNvSpPr txBox="1"/>
+          <p:nvPr/>
+        </p:nvSpPr>
+        <p:spPr>
+          <a:xfrm>
+            <a:off x="838200" y="1690688"/>
+            <a:ext cx="3910149" cy="1754326"/>
+          </a:xfrm>
+          <a:prstGeom prst="rect">
+            <a:avLst/>
+          </a:prstGeom>
+          <a:noFill/>
+        </p:spPr>
+        <p:txBody>
+          <a:bodyPr wrap="square" rtlCol="0">
+            <a:spAutoFit/>
+          </a:bodyPr>
+          <a:lstStyle/>
+          <a:p>
+            <a:r>
+              <a:rPr lang="es-ES" sz="3600" dirty="0" smtClean="0"/>
+              <a:t>Papel gana Piedra</a:t>
+            </a:r>
+          </a:p>
+          <a:p>
+            <a:r>
+              <a:rPr lang="es-ES" sz="3600" dirty="0" smtClean="0"/>
+              <a:t>Tijera gana Papel</a:t>
+            </a:r>
+          </a:p>
+          <a:p>
+            <a:r>
+              <a:rPr lang="es-ES" sz="3600" dirty="0" smtClean="0"/>
+              <a:t>Piedra gana Tijera</a:t>
+            </a:r>
+            <a:endParaRPr lang="es-ES" sz="3600" dirty="0"/>
           </a:p>
         </p:txBody>
       </p:sp>
     </p:spTree>
     <p:extLst>
       <p:ext uri="{BB962C8B-B14F-4D97-AF65-F5344CB8AC3E}">
-        <p14:creationId xmlns:p14="http://schemas.microsoft.com/office/powerpoint/2010/main" val="2898344565"/>
+        <p14:creationId xmlns:p14="http://schemas.microsoft.com/office/powerpoint/2010/main" val="1256085508"/>
+      </p:ext>
+    </p:extLst>
+  </p:cSld>
+  <p:clrMapOvr>
+    <a:masterClrMapping/>
+  </p:clrMapOvr>
+  <p:timing>
+    <p:tnLst>
+      <p:par>
+        <p:cTn id="1" dur="indefinite" restart="never" nodeType="tmRoot"/>
+      </p:par>
+    </p:tnLst>
+  </p:timing>
+</p:sld>
+</file>
+
+<file path=ppt/slides/slide18.xml><?xml version="1.0" encoding="utf-8"?>
+<p:sld xmlns:a="http://schemas.openxmlformats.org/drawingml/2006/main" xmlns:r="http://schemas.openxmlformats.org/officeDocument/2006/relationships" xmlns:p="http://schemas.openxmlformats.org/presentationml/2006/main">
+  <p:cSld>
+    <p:spTree>
+      <p:nvGrpSpPr>
+        <p:cNvPr id="1" name=""/>
+        <p:cNvGrpSpPr/>
+        <p:nvPr/>
+      </p:nvGrpSpPr>
+      <p:grpSpPr>
+        <a:xfrm>
+          <a:off x="0" y="0"/>
+          <a:ext cx="0" cy="0"/>
+          <a:chOff x="0" y="0"/>
+          <a:chExt cx="0" cy="0"/>
+        </a:xfrm>
+      </p:grpSpPr>
+      <p:sp>
+        <p:nvSpPr>
+          <p:cNvPr id="2" name="Título 1"/>
+          <p:cNvSpPr>
+            <a:spLocks noGrp="1"/>
+          </p:cNvSpPr>
+          <p:nvPr>
+            <p:ph type="title"/>
+          </p:nvPr>
+        </p:nvSpPr>
+        <p:spPr/>
+        <p:txBody>
+          <a:bodyPr/>
+          <a:lstStyle/>
+          <a:p>
+            <a:r>
+              <a:rPr lang="es-ES" dirty="0" smtClean="0"/>
+              <a:t>Para los más atrevidos…</a:t>
+            </a:r>
+            <a:endParaRPr lang="es-ES" dirty="0"/>
+          </a:p>
+        </p:txBody>
+      </p:sp>
+      <p:pic>
+        <p:nvPicPr>
+          <p:cNvPr id="3076" name="Picture 4" descr="http://www.blog.ulisesgascon.com/wp-content/uploads/2015/06/pptls_rules.jpg"/>
+          <p:cNvPicPr>
+            <a:picLocks noChangeAspect="1" noChangeArrowheads="1"/>
+          </p:cNvPicPr>
+          <p:nvPr/>
+        </p:nvPicPr>
+        <p:blipFill>
+          <a:blip r:embed="rId3">
+            <a:extLst>
+              <a:ext uri="{28A0092B-C50C-407E-A947-70E740481C1C}">
+                <a14:useLocalDpi xmlns:a14="http://schemas.microsoft.com/office/drawing/2010/main" val="0"/>
+              </a:ext>
+            </a:extLst>
+          </a:blip>
+          <a:srcRect/>
+          <a:stretch>
+            <a:fillRect/>
+          </a:stretch>
+        </p:blipFill>
+        <p:spPr bwMode="auto">
+          <a:xfrm>
+            <a:off x="550817" y="1373148"/>
+            <a:ext cx="6947263" cy="3332288"/>
+          </a:xfrm>
+          <a:prstGeom prst="rect">
+            <a:avLst/>
+          </a:prstGeom>
+          <a:noFill/>
+          <a:extLst>
+            <a:ext uri="{909E8E84-426E-40DD-AFC4-6F175D3DCCD1}">
+              <a14:hiddenFill xmlns:a14="http://schemas.microsoft.com/office/drawing/2010/main">
+                <a:solidFill>
+                  <a:srgbClr val="FFFFFF"/>
+                </a:solidFill>
+              </a14:hiddenFill>
+            </a:ext>
+          </a:extLst>
+        </p:spPr>
+      </p:pic>
+      <p:pic>
+        <p:nvPicPr>
+          <p:cNvPr id="4" name="leYfG7CCr6E"/>
+          <p:cNvPicPr>
+            <a:picLocks noRot="1" noChangeAspect="1"/>
+          </p:cNvPicPr>
+          <p:nvPr>
+            <a:videoFile r:link="rId1"/>
+          </p:nvPr>
+        </p:nvPicPr>
+        <p:blipFill>
+          <a:blip r:embed="rId4"/>
+          <a:stretch>
+            <a:fillRect/>
+          </a:stretch>
+        </p:blipFill>
+        <p:spPr>
+          <a:xfrm>
+            <a:off x="6815223" y="3126378"/>
+            <a:ext cx="5221435" cy="2937057"/>
+          </a:xfrm>
+          <a:prstGeom prst="rect">
+            <a:avLst/>
+          </a:prstGeom>
+          <a:ln>
+            <a:noFill/>
+          </a:ln>
+          <a:effectLst>
+            <a:outerShdw blurRad="190500" algn="tl" rotWithShape="0">
+              <a:srgbClr val="000000">
+                <a:alpha val="70000"/>
+              </a:srgbClr>
+            </a:outerShdw>
+          </a:effectLst>
+        </p:spPr>
+      </p:pic>
+    </p:spTree>
+    <p:extLst>
+      <p:ext uri="{BB962C8B-B14F-4D97-AF65-F5344CB8AC3E}">
+        <p14:creationId xmlns:p14="http://schemas.microsoft.com/office/powerpoint/2010/main" val="3311687341"/>
+      </p:ext>
+    </p:extLst>
+  </p:cSld>
+  <p:clrMapOvr>
+    <a:masterClrMapping/>
+  </p:clrMapOvr>
+  <p:timing>
+    <p:tnLst>
+      <p:par>
+        <p:cTn id="1" dur="indefinite" restart="never" nodeType="tmRoot">
+          <p:childTnLst>
+            <p:seq concurrent="1" nextAc="seek">
+              <p:cTn id="2" dur="indefinite" nodeType="mainSeq">
+                <p:childTnLst>
+                  <p:par>
+                    <p:cTn id="3" fill="hold">
+                      <p:stCondLst>
+                        <p:cond delay="indefinite"/>
+                        <p:cond evt="onBegin" delay="0">
+                          <p:tn val="2"/>
+                        </p:cond>
+                      </p:stCondLst>
+                      <p:childTnLst>
+                        <p:par>
+                          <p:cTn id="4" fill="hold">
+                            <p:stCondLst>
+                              <p:cond delay="0"/>
+                            </p:stCondLst>
+                            <p:childTnLst>
+                              <p:par>
+                                <p:cTn id="5" presetID="1" presetClass="mediacall" presetSubtype="0" fill="hold" nodeType="afterEffect">
+                                  <p:stCondLst>
+                                    <p:cond delay="0"/>
+                                  </p:stCondLst>
+                                  <p:childTnLst>
+                                    <p:cmd type="call" cmd="playFrom(0.0)">
+                                      <p:cBhvr>
+                                        <p:cTn id="6" dur="1" fill="hold"/>
+                                        <p:tgtEl>
+                                          <p:spTgt spid="4"/>
+                                        </p:tgtEl>
+                                      </p:cBhvr>
+                                    </p:cmd>
+                                  </p:childTnLst>
+                                </p:cTn>
+                              </p:par>
+                            </p:childTnLst>
+                          </p:cTn>
+                        </p:par>
+                      </p:childTnLst>
+                    </p:cTn>
+                  </p:par>
+                </p:childTnLst>
+              </p:cTn>
+              <p:prevCondLst>
+                <p:cond evt="onPrev" delay="0">
+                  <p:tgtEl>
+                    <p:sldTgt/>
+                  </p:tgtEl>
+                </p:cond>
+              </p:prevCondLst>
+              <p:nextCondLst>
+                <p:cond evt="onNext" delay="0">
+                  <p:tgtEl>
+                    <p:sldTgt/>
+                  </p:tgtEl>
+                </p:cond>
+              </p:nextCondLst>
+            </p:seq>
+            <p:video>
+              <p:cMediaNode>
+                <p:cTn id="7" fill="hold" display="0">
+                  <p:stCondLst>
+                    <p:cond delay="indefinite"/>
+                  </p:stCondLst>
+                </p:cTn>
+                <p:tgtEl>
+                  <p:spTgt spid="4"/>
+                </p:tgtEl>
+              </p:cMediaNode>
+            </p:video>
+            <p:seq concurrent="1" nextAc="seek">
+              <p:cTn id="8" restart="whenNotActive" fill="hold" evtFilter="cancelBubble" nodeType="interactiveSeq">
+                <p:stCondLst>
+                  <p:cond evt="onClick" delay="0">
+                    <p:tgtEl>
+                      <p:spTgt spid="4"/>
+                    </p:tgtEl>
+                  </p:cond>
+                </p:stCondLst>
+                <p:endSync evt="end" delay="0">
+                  <p:rtn val="all"/>
+                </p:endSync>
+                <p:childTnLst>
+                  <p:par>
+                    <p:cTn id="9" fill="hold">
+                      <p:stCondLst>
+                        <p:cond delay="0"/>
+                      </p:stCondLst>
+                      <p:childTnLst>
+                        <p:par>
+                          <p:cTn id="10" fill="hold">
+                            <p:stCondLst>
+                              <p:cond delay="0"/>
+                            </p:stCondLst>
+                            <p:childTnLst>
+                              <p:par>
+                                <p:cTn id="11" presetID="2" presetClass="mediacall" presetSubtype="0" fill="hold" nodeType="clickEffect">
+                                  <p:stCondLst>
+                                    <p:cond delay="0"/>
+                                  </p:stCondLst>
+                                  <p:childTnLst>
+                                    <p:cmd type="call" cmd="togglePause">
+                                      <p:cBhvr>
+                                        <p:cTn id="12" dur="1" fill="hold"/>
+                                        <p:tgtEl>
+                                          <p:spTgt spid="4"/>
+                                        </p:tgtEl>
+                                      </p:cBhvr>
+                                    </p:cmd>
+                                  </p:childTnLst>
+                                </p:cTn>
+                              </p:par>
+                            </p:childTnLst>
+                          </p:cTn>
+                        </p:par>
+                      </p:childTnLst>
+                    </p:cTn>
+                  </p:par>
+                </p:childTnLst>
+              </p:cTn>
+              <p:nextCondLst>
+                <p:cond evt="onClick" delay="0">
+                  <p:tgtEl>
+                    <p:spTgt spid="4"/>
+                  </p:tgtEl>
+                </p:cond>
+              </p:nextCondLst>
+            </p:seq>
+          </p:childTnLst>
+        </p:cTn>
+      </p:par>
+    </p:tnLst>
+  </p:timing>
+</p:sld>
+</file>
+
+<file path=ppt/slides/slide19.xml><?xml version="1.0" encoding="utf-8"?>
+<p:sld xmlns:a="http://schemas.openxmlformats.org/drawingml/2006/main" xmlns:r="http://schemas.openxmlformats.org/officeDocument/2006/relationships" xmlns:p="http://schemas.openxmlformats.org/presentationml/2006/main">
+  <p:cSld>
+    <p:spTree>
+      <p:nvGrpSpPr>
+        <p:cNvPr id="1" name=""/>
+        <p:cNvGrpSpPr/>
+        <p:nvPr/>
+      </p:nvGrpSpPr>
+      <p:grpSpPr>
+        <a:xfrm>
+          <a:off x="0" y="0"/>
+          <a:ext cx="0" cy="0"/>
+          <a:chOff x="0" y="0"/>
+          <a:chExt cx="0" cy="0"/>
+        </a:xfrm>
+      </p:grpSpPr>
+      <p:sp>
+        <p:nvSpPr>
+          <p:cNvPr id="2" name="Título 1"/>
+          <p:cNvSpPr>
+            <a:spLocks noGrp="1"/>
+          </p:cNvSpPr>
+          <p:nvPr>
+            <p:ph type="title"/>
+          </p:nvPr>
+        </p:nvSpPr>
+        <p:spPr/>
+        <p:txBody>
+          <a:bodyPr/>
+          <a:lstStyle/>
+          <a:p>
+            <a:r>
+              <a:rPr lang="es-ES" dirty="0" smtClean="0"/>
+              <a:t>Cómo configurar una Build en VSTS	</a:t>
+            </a:r>
+            <a:endParaRPr lang="es-ES" dirty="0"/>
+          </a:p>
+        </p:txBody>
+      </p:sp>
+      <p:sp>
+        <p:nvSpPr>
+          <p:cNvPr id="3" name="Marcador de contenido 2"/>
+          <p:cNvSpPr>
+            <a:spLocks noGrp="1"/>
+          </p:cNvSpPr>
+          <p:nvPr>
+            <p:ph idx="1"/>
+          </p:nvPr>
+        </p:nvSpPr>
+        <p:spPr>
+          <a:xfrm>
+            <a:off x="838200" y="1468574"/>
+            <a:ext cx="10515600" cy="4351338"/>
+          </a:xfrm>
+        </p:spPr>
+        <p:txBody>
+          <a:bodyPr/>
+          <a:lstStyle/>
+          <a:p>
+            <a:r>
+              <a:rPr lang="es-ES" dirty="0" smtClean="0"/>
+              <a:t>Pasos para configurar un Build en VSTS (Visual Studio Team </a:t>
+            </a:r>
+            <a:r>
+              <a:rPr lang="es-ES" dirty="0" err="1" smtClean="0"/>
+              <a:t>Services</a:t>
+            </a:r>
+            <a:r>
+              <a:rPr lang="es-ES" dirty="0" smtClean="0"/>
+              <a:t>)</a:t>
+            </a:r>
+          </a:p>
+          <a:p>
+            <a:pPr lvl="1"/>
+            <a:r>
+              <a:rPr lang="es-ES" dirty="0" smtClean="0"/>
+              <a:t>Añadir a la solución el paquete de </a:t>
+            </a:r>
+            <a:r>
+              <a:rPr lang="es-ES" dirty="0" err="1" smtClean="0"/>
+              <a:t>nuget</a:t>
+            </a:r>
+            <a:r>
+              <a:rPr lang="es-ES" dirty="0" smtClean="0"/>
+              <a:t> de </a:t>
+            </a:r>
+            <a:r>
+              <a:rPr lang="es-ES" dirty="0" err="1" smtClean="0"/>
+              <a:t>chutzpah</a:t>
+            </a:r>
+            <a:endParaRPr lang="es-ES" dirty="0" smtClean="0"/>
+          </a:p>
+          <a:p>
+            <a:pPr lvl="1"/>
+            <a:r>
+              <a:rPr lang="es-ES" dirty="0" smtClean="0"/>
+              <a:t>Subir el código fuente al repositorio</a:t>
+            </a:r>
+          </a:p>
+          <a:p>
+            <a:pPr lvl="1"/>
+            <a:r>
+              <a:rPr lang="es-ES" dirty="0" smtClean="0"/>
+              <a:t>Configurar la Build en VSTS</a:t>
+            </a:r>
+          </a:p>
+          <a:p>
+            <a:pPr lvl="2"/>
+            <a:r>
+              <a:rPr lang="es-ES" dirty="0" smtClean="0"/>
+              <a:t>Indicar el </a:t>
+            </a:r>
+            <a:r>
+              <a:rPr lang="es-ES" dirty="0" err="1" smtClean="0"/>
+              <a:t>path</a:t>
+            </a:r>
+            <a:r>
+              <a:rPr lang="es-ES" dirty="0" smtClean="0"/>
+              <a:t> a los </a:t>
+            </a:r>
+            <a:r>
+              <a:rPr lang="es-ES" dirty="0" err="1" smtClean="0"/>
+              <a:t>custom</a:t>
+            </a:r>
+            <a:r>
+              <a:rPr lang="es-ES" dirty="0" smtClean="0"/>
+              <a:t> test </a:t>
+            </a:r>
+            <a:r>
+              <a:rPr lang="es-ES" dirty="0" err="1" smtClean="0"/>
+              <a:t>adapters</a:t>
+            </a:r>
+            <a:r>
+              <a:rPr lang="es-ES" dirty="0" smtClean="0"/>
+              <a:t> de la solución</a:t>
+            </a:r>
+          </a:p>
+          <a:p>
+            <a:pPr lvl="2"/>
+            <a:endParaRPr lang="es-ES" dirty="0"/>
+          </a:p>
+        </p:txBody>
+      </p:sp>
+      <p:pic>
+        <p:nvPicPr>
+          <p:cNvPr id="1026" name="Picture 2" descr="Article Image"/>
+          <p:cNvPicPr>
+            <a:picLocks noChangeAspect="1" noChangeArrowheads="1"/>
+          </p:cNvPicPr>
+          <p:nvPr/>
+        </p:nvPicPr>
+        <p:blipFill>
+          <a:blip r:embed="rId2">
+            <a:extLst>
+              <a:ext uri="{28A0092B-C50C-407E-A947-70E740481C1C}">
+                <a14:useLocalDpi xmlns:a14="http://schemas.microsoft.com/office/drawing/2010/main" val="0"/>
+              </a:ext>
+            </a:extLst>
+          </a:blip>
+          <a:srcRect/>
+          <a:stretch>
+            <a:fillRect/>
+          </a:stretch>
+        </p:blipFill>
+        <p:spPr bwMode="auto">
+          <a:xfrm>
+            <a:off x="4312285" y="3555365"/>
+            <a:ext cx="4791075" cy="2828925"/>
+          </a:xfrm>
+          <a:prstGeom prst="rect">
+            <a:avLst/>
+          </a:prstGeom>
+          <a:noFill/>
+          <a:extLst>
+            <a:ext uri="{909E8E84-426E-40DD-AFC4-6F175D3DCCD1}">
+              <a14:hiddenFill xmlns:a14="http://schemas.microsoft.com/office/drawing/2010/main">
+                <a:solidFill>
+                  <a:srgbClr val="FFFFFF"/>
+                </a:solidFill>
+              </a14:hiddenFill>
+            </a:ext>
+          </a:extLst>
+        </p:spPr>
+      </p:pic>
+    </p:spTree>
+    <p:extLst>
+      <p:ext uri="{BB962C8B-B14F-4D97-AF65-F5344CB8AC3E}">
+        <p14:creationId xmlns:p14="http://schemas.microsoft.com/office/powerpoint/2010/main" val="179180960"/>
       </p:ext>
     </p:extLst>
   </p:cSld>
@@ -16872,8 +18036,21 @@
             </a:r>
             <a:r>
               <a:rPr lang="en-US" dirty="0" smtClean="0"/>
-              <a:t> Behavior-driven development</a:t>
-            </a:r>
+              <a:t> </a:t>
+            </a:r>
+            <a:r>
+              <a:rPr lang="en-US" dirty="0" smtClean="0"/>
+              <a:t>Behavior-Driven </a:t>
+            </a:r>
+            <a:r>
+              <a:rPr lang="en-US" dirty="0"/>
+              <a:t>D</a:t>
+            </a:r>
+            <a:r>
+              <a:rPr lang="en-US" dirty="0" smtClean="0"/>
+              <a:t>evelopment</a:t>
+            </a:r>
+            <a:endParaRPr lang="en-US" dirty="0" smtClean="0"/>
           </a:p>
           <a:p>
             <a:r>
@@ -16892,7 +18069,11 @@
             <a:pPr lvl="1"/>
             <a:r>
               <a:rPr lang="es-ES" dirty="0" smtClean="0"/>
-              <a:t>Son mas </a:t>
+              <a:t>Son </a:t>
+            </a:r>
+            <a:r>
+              <a:rPr lang="es-ES" dirty="0" smtClean="0"/>
+              <a:t>más </a:t>
             </a:r>
             <a:r>
               <a:rPr lang="es-ES" dirty="0" err="1" smtClean="0"/>
@@ -16913,6 +18094,43 @@
     <p:extLst>
       <p:ext uri="{BB962C8B-B14F-4D97-AF65-F5344CB8AC3E}">
         <p14:creationId xmlns:p14="http://schemas.microsoft.com/office/powerpoint/2010/main" val="2529020658"/>
+      </p:ext>
+    </p:extLst>
+  </p:cSld>
+  <p:clrMapOvr>
+    <a:masterClrMapping/>
+  </p:clrMapOvr>
+  <p:timing>
+    <p:tnLst>
+      <p:par>
+        <p:cTn id="1" dur="indefinite" restart="never" nodeType="tmRoot"/>
+      </p:par>
+    </p:tnLst>
+  </p:timing>
+</p:sld>
+</file>
+
+<file path=ppt/slides/slide20.xml><?xml version="1.0" encoding="utf-8"?>
+<p:sld xmlns:a="http://schemas.openxmlformats.org/drawingml/2006/main" xmlns:r="http://schemas.openxmlformats.org/officeDocument/2006/relationships" xmlns:p="http://schemas.openxmlformats.org/presentationml/2006/main">
+  <p:cSld>
+    <p:spTree>
+      <p:nvGrpSpPr>
+        <p:cNvPr id="1" name=""/>
+        <p:cNvGrpSpPr/>
+        <p:nvPr/>
+      </p:nvGrpSpPr>
+      <p:grpSpPr>
+        <a:xfrm>
+          <a:off x="0" y="0"/>
+          <a:ext cx="0" cy="0"/>
+          <a:chOff x="0" y="0"/>
+          <a:chExt cx="0" cy="0"/>
+        </a:xfrm>
+      </p:grpSpPr>
+    </p:spTree>
+    <p:extLst>
+      <p:ext uri="{BB962C8B-B14F-4D97-AF65-F5344CB8AC3E}">
+        <p14:creationId xmlns:p14="http://schemas.microsoft.com/office/powerpoint/2010/main" val="2898344565"/>
       </p:ext>
     </p:extLst>
   </p:cSld>
@@ -16962,8 +18180,12 @@
           <a:lstStyle/>
           <a:p>
             <a:r>
+              <a:rPr lang="es-ES" dirty="0" err="1" smtClean="0"/>
+              <a:t>FizzBuzz</a:t>
+            </a:r>
+            <a:r>
               <a:rPr lang="es-ES" dirty="0" smtClean="0"/>
-              <a:t>Cómo utilizarlos en VS</a:t>
+              <a:t>	</a:t>
             </a:r>
             <a:endParaRPr lang="es-ES" dirty="0"/>
           </a:p>
@@ -16984,24 +18206,6 @@
           <a:bodyPr/>
           <a:lstStyle/>
           <a:p>
-            <a:r>
-              <a:rPr lang="es-ES" dirty="0" err="1" smtClean="0"/>
-              <a:t>Chutzpah</a:t>
-            </a:r>
-            <a:endParaRPr lang="es-ES" dirty="0" smtClean="0"/>
-          </a:p>
-          <a:p>
-            <a:r>
-              <a:rPr lang="en-US" dirty="0" smtClean="0"/>
-              <a:t>Demo </a:t>
-            </a:r>
-            <a:r>
-              <a:rPr lang="en-US" dirty="0" err="1" smtClean="0"/>
-              <a:t>FizzBuzz</a:t>
-            </a:r>
-            <a:endParaRPr lang="es-ES" dirty="0" smtClean="0"/>
-          </a:p>
-          <a:p>
             <a:pPr marL="0" indent="0">
               <a:buNone/>
             </a:pPr>
@@ -17012,7 +18216,7 @@
     </p:spTree>
     <p:extLst>
       <p:ext uri="{BB962C8B-B14F-4D97-AF65-F5344CB8AC3E}">
-        <p14:creationId xmlns:p14="http://schemas.microsoft.com/office/powerpoint/2010/main" val="2447786033"/>
+        <p14:creationId xmlns:p14="http://schemas.microsoft.com/office/powerpoint/2010/main" val="1956060237"/>
       </p:ext>
     </p:extLst>
   </p:cSld>
@@ -17089,24 +18293,16 @@
               <a:t>Lo que se utiliza para sustituir servicios, </a:t>
             </a:r>
             <a:r>
-              <a:rPr lang="es-ES" dirty="0" err="1" smtClean="0"/>
-              <a:t>collaborators</a:t>
-            </a:r>
-            <a:r>
               <a:rPr lang="es-ES" dirty="0" smtClean="0"/>
-              <a:t>, </a:t>
-            </a:r>
-            <a:r>
-              <a:rPr lang="es-ES" dirty="0" err="1" smtClean="0"/>
-              <a:t>obejtos</a:t>
+              <a:t>colaboradores, objetos </a:t>
             </a:r>
             <a:r>
               <a:rPr lang="es-ES" dirty="0" smtClean="0"/>
-              <a:t> ajenos o por </a:t>
-            </a:r>
-            <a:r>
-              <a:rPr lang="es-ES" dirty="0" err="1" smtClean="0"/>
-              <a:t>parametros</a:t>
+              <a:t>ajenos o por </a:t>
+            </a:r>
+            <a:r>
+              <a:rPr lang="es-ES" dirty="0" smtClean="0"/>
+              <a:t>parámetros</a:t>
             </a:r>
             <a:r>
               <a:rPr lang="es-ES" dirty="0" smtClean="0"/>
@@ -17221,8 +18417,8 @@
           <a:lstStyle/>
           <a:p>
             <a:r>
-              <a:rPr lang="en-US" dirty="0" err="1" smtClean="0"/>
-              <a:t>Sinon</a:t>
+              <a:rPr lang="en-US" dirty="0" smtClean="0"/>
+              <a:t>Sinon.js</a:t>
             </a:r>
             <a:endParaRPr lang="en-US" dirty="0"/>
           </a:p>
@@ -17274,16 +18470,28 @@
               <a:t>No </a:t>
             </a:r>
             <a:r>
+              <a:rPr lang="en-US" dirty="0" err="1"/>
+              <a:t>e</a:t>
+            </a:r>
+            <a:r>
               <a:rPr lang="en-US" dirty="0" err="1" smtClean="0"/>
-              <a:t>es</a:t>
+              <a:t>s</a:t>
             </a:r>
             <a:r>
               <a:rPr lang="en-US" dirty="0" smtClean="0"/>
-              <a:t> un test </a:t>
+              <a:t> </a:t>
             </a:r>
             <a:r>
               <a:rPr lang="en-US" dirty="0" smtClean="0"/>
-              <a:t>FW, </a:t>
+              <a:t>un test </a:t>
+            </a:r>
+            <a:r>
+              <a:rPr lang="en-US" dirty="0" err="1" smtClean="0"/>
+              <a:t>Fx</a:t>
+            </a:r>
+            <a:r>
+              <a:rPr lang="en-US" dirty="0" smtClean="0"/>
+              <a:t>, </a:t>
             </a:r>
             <a:r>
               <a:rPr lang="en-US" dirty="0" err="1" smtClean="0"/>
@@ -17291,11 +18499,7 @@
             </a:r>
             <a:r>
               <a:rPr lang="en-US" dirty="0" smtClean="0"/>
-              <a:t> </a:t>
-            </a:r>
-            <a:r>
-              <a:rPr lang="en-US" dirty="0" smtClean="0"/>
-              <a:t>a </a:t>
+              <a:t> a </a:t>
             </a:r>
             <a:r>
               <a:rPr lang="en-US" dirty="0" err="1" smtClean="0"/>
@@ -17303,8 +18507,76 @@
             </a:r>
             <a:r>
               <a:rPr lang="en-US" dirty="0" smtClean="0"/>
-              <a:t> FW </a:t>
-            </a:r>
+              <a:t> </a:t>
+            </a:r>
+            <a:r>
+              <a:rPr lang="en-US" dirty="0" err="1" smtClean="0"/>
+              <a:t>Fx</a:t>
+            </a:r>
+            <a:r>
+              <a:rPr lang="en-US" dirty="0" smtClean="0"/>
+              <a:t> </a:t>
+            </a:r>
+          </a:p>
+          <a:p>
+            <a:endParaRPr lang="en-US" dirty="0"/>
+          </a:p>
+          <a:p>
+            <a:endParaRPr lang="en-US" dirty="0" smtClean="0"/>
+          </a:p>
+          <a:p>
+            <a:endParaRPr lang="en-US" dirty="0"/>
+          </a:p>
+          <a:p>
+            <a:endParaRPr lang="en-US" dirty="0" smtClean="0"/>
+          </a:p>
+          <a:p>
+            <a:pPr marL="0" indent="0">
+              <a:buNone/>
+            </a:pPr>
+            <a:r>
+              <a:rPr lang="en-US" dirty="0" smtClean="0"/>
+              <a:t>					</a:t>
+            </a:r>
+            <a:r>
+              <a:rPr lang="en-US" dirty="0"/>
+              <a:t>	</a:t>
+            </a:r>
+            <a:r>
+              <a:rPr lang="en-US" dirty="0" smtClean="0"/>
+              <a:t>		</a:t>
+            </a:r>
+            <a:r>
+              <a:rPr lang="en-US" dirty="0" smtClean="0">
+                <a:hlinkClick r:id="rId2"/>
+              </a:rPr>
+              <a:t>http</a:t>
+            </a:r>
+            <a:r>
+              <a:rPr lang="en-US" dirty="0">
+                <a:hlinkClick r:id="rId2"/>
+              </a:rPr>
+              <a:t>://sinonjs.org</a:t>
+            </a:r>
+            <a:r>
+              <a:rPr lang="en-US" dirty="0" smtClean="0">
+                <a:hlinkClick r:id="rId2"/>
+              </a:rPr>
+              <a:t>/</a:t>
+            </a:r>
+            <a:endParaRPr lang="en-US" dirty="0" smtClean="0"/>
+          </a:p>
+          <a:p>
+            <a:pPr marL="0" indent="0">
+              <a:buNone/>
+            </a:pPr>
+            <a:endParaRPr lang="en-US" dirty="0"/>
+          </a:p>
+          <a:p>
+            <a:endParaRPr lang="en-US" dirty="0" smtClean="0"/>
+          </a:p>
+          <a:p>
+            <a:endParaRPr lang="en-US" dirty="0" smtClean="0"/>
           </a:p>
         </p:txBody>
       </p:sp>
@@ -20721,12 +21993,6 @@
 </file>
 
 <file path=customXml/item1.xml><?xml version="1.0" encoding="utf-8"?>
-<p:properties xmlns:p="http://schemas.microsoft.com/office/2006/metadata/properties" xmlns:xsi="http://www.w3.org/2001/XMLSchema-instance" xmlns:pc="http://schemas.microsoft.com/office/infopath/2007/PartnerControls">
-  <documentManagement/>
-</p:properties>
-</file>
-
-<file path=customXml/item2.xml><?xml version="1.0" encoding="utf-8"?>
 <ct:contentTypeSchema xmlns:ct="http://schemas.microsoft.com/office/2006/metadata/contentType" xmlns:ma="http://schemas.microsoft.com/office/2006/metadata/properties/metaAttributes" ct:_="" ma:_="" ma:contentTypeName="Documento" ma:contentTypeID="0x010100EE07C93EE308FD45A1DF8EECCD132EA8" ma:contentTypeVersion="2" ma:contentTypeDescription="Crear nuevo documento." ma:contentTypeScope="" ma:versionID="293d65d43021d27c03e1543e16c1116d">
   <xsd:schema xmlns:xsd="http://www.w3.org/2001/XMLSchema" xmlns:xs="http://www.w3.org/2001/XMLSchema" xmlns:p="http://schemas.microsoft.com/office/2006/metadata/properties" xmlns:ns2="6b8ba544-61ba-4092-92c0-bbfbc426b2b9" targetNamespace="http://schemas.microsoft.com/office/2006/metadata/properties" ma:root="true" ma:fieldsID="5d4d1204a385af403260f4b70f2d4cdc" ns2:_="">
     <xsd:import namespace="6b8ba544-61ba-4092-92c0-bbfbc426b2b9"/>
@@ -20874,6 +22140,12 @@
 </ct:contentTypeSchema>
 </file>
 
+<file path=customXml/item2.xml><?xml version="1.0" encoding="utf-8"?>
+<p:properties xmlns:p="http://schemas.microsoft.com/office/2006/metadata/properties" xmlns:xsi="http://www.w3.org/2001/XMLSchema-instance" xmlns:pc="http://schemas.microsoft.com/office/infopath/2007/PartnerControls">
+  <documentManagement/>
+</p:properties>
+</file>
+
 <file path=customXml/item3.xml><?xml version="1.0" encoding="utf-8"?>
 <?mso-contentType ?>
 <FormTemplates xmlns="http://schemas.microsoft.com/sharepoint/v3/contenttype/forms">
@@ -20884,22 +22156,6 @@
 </file>
 
 <file path=customXml/itemProps1.xml><?xml version="1.0" encoding="utf-8"?>
-<ds:datastoreItem xmlns:ds="http://schemas.openxmlformats.org/officeDocument/2006/customXml" ds:itemID="{6C60FA3A-4249-4D6E-A9A8-3B7219DF275B}">
-  <ds:schemaRefs>
-    <ds:schemaRef ds:uri="http://purl.org/dc/elements/1.1/"/>
-    <ds:schemaRef ds:uri="6b8ba544-61ba-4092-92c0-bbfbc426b2b9"/>
-    <ds:schemaRef ds:uri="http://schemas.openxmlformats.org/package/2006/metadata/core-properties"/>
-    <ds:schemaRef ds:uri="http://schemas.microsoft.com/office/2006/documentManagement/types"/>
-    <ds:schemaRef ds:uri="http://purl.org/dc/terms/"/>
-    <ds:schemaRef ds:uri="http://schemas.microsoft.com/office/2006/metadata/properties"/>
-    <ds:schemaRef ds:uri="http://schemas.microsoft.com/office/infopath/2007/PartnerControls"/>
-    <ds:schemaRef ds:uri="http://www.w3.org/XML/1998/namespace"/>
-    <ds:schemaRef ds:uri="http://purl.org/dc/dcmitype/"/>
-  </ds:schemaRefs>
-</ds:datastoreItem>
-</file>
-
-<file path=customXml/itemProps2.xml><?xml version="1.0" encoding="utf-8"?>
 <ds:datastoreItem xmlns:ds="http://schemas.openxmlformats.org/officeDocument/2006/customXml" ds:itemID="{3EAE86C5-427D-4329-8AAA-7B500850AC96}">
   <ds:schemaRefs>
     <ds:schemaRef ds:uri="http://schemas.microsoft.com/office/2006/metadata/contentType"/>
@@ -20917,6 +22173,22 @@
 </ds:datastoreItem>
 </file>
 
+<file path=customXml/itemProps2.xml><?xml version="1.0" encoding="utf-8"?>
+<ds:datastoreItem xmlns:ds="http://schemas.openxmlformats.org/officeDocument/2006/customXml" ds:itemID="{6C60FA3A-4249-4D6E-A9A8-3B7219DF275B}">
+  <ds:schemaRefs>
+    <ds:schemaRef ds:uri="http://www.w3.org/XML/1998/namespace"/>
+    <ds:schemaRef ds:uri="http://schemas.microsoft.com/office/2006/documentManagement/types"/>
+    <ds:schemaRef ds:uri="http://schemas.microsoft.com/office/2006/metadata/properties"/>
+    <ds:schemaRef ds:uri="http://purl.org/dc/dcmitype/"/>
+    <ds:schemaRef ds:uri="6b8ba544-61ba-4092-92c0-bbfbc426b2b9"/>
+    <ds:schemaRef ds:uri="http://schemas.microsoft.com/office/infopath/2007/PartnerControls"/>
+    <ds:schemaRef ds:uri="http://purl.org/dc/elements/1.1/"/>
+    <ds:schemaRef ds:uri="http://schemas.openxmlformats.org/package/2006/metadata/core-properties"/>
+    <ds:schemaRef ds:uri="http://purl.org/dc/terms/"/>
+  </ds:schemaRefs>
+</ds:datastoreItem>
+</file>
+
 <file path=customXml/itemProps3.xml><?xml version="1.0" encoding="utf-8"?>
 <ds:datastoreItem xmlns:ds="http://schemas.openxmlformats.org/officeDocument/2006/customXml" ds:itemID="{5313EA09-C0DC-4015-ABE0-A5612D75F864}">
   <ds:schemaRefs>

--- a/Documentacion/jasmine.pptx
+++ b/Documentacion/jasmine.pptx
@@ -18791,7 +18791,7 @@
       </p:sp>
       <p:pic>
         <p:nvPicPr>
-          <p:cNvPr id="7" name="Imagen 6"/>
+          <p:cNvPr id="5" name="Imagen 4"/>
           <p:cNvPicPr>
             <a:picLocks noChangeAspect="1"/>
           </p:cNvPicPr>
@@ -18805,8 +18805,8 @@
         </p:blipFill>
         <p:spPr>
           <a:xfrm>
-            <a:off x="1133145" y="2070004"/>
-            <a:ext cx="3547497" cy="3217250"/>
+            <a:off x="1022931" y="2142066"/>
+            <a:ext cx="4409681" cy="3620580"/>
           </a:xfrm>
           <a:prstGeom prst="rect">
             <a:avLst/>
@@ -18845,7 +18845,7 @@
       </p:pic>
       <p:pic>
         <p:nvPicPr>
-          <p:cNvPr id="8" name="Imagen 7"/>
+          <p:cNvPr id="9" name="Imagen 8"/>
           <p:cNvPicPr>
             <a:picLocks noChangeAspect="1"/>
           </p:cNvPicPr>
@@ -18859,8 +18859,8 @@
         </p:blipFill>
         <p:spPr>
           <a:xfrm>
-            <a:off x="7256197" y="165954"/>
-            <a:ext cx="4591380" cy="5826488"/>
+            <a:off x="7128747" y="202529"/>
+            <a:ext cx="4932801" cy="6417727"/>
           </a:xfrm>
           <a:prstGeom prst="rect">
             <a:avLst/>
@@ -21725,21 +21725,6 @@
 </file>
 
 <file path=customXml/item1.xml><?xml version="1.0" encoding="utf-8"?>
-<?mso-contentType ?>
-<FormTemplates xmlns="http://schemas.microsoft.com/sharepoint/v3/contenttype/forms">
-  <Display>DocumentLibraryForm</Display>
-  <Edit>DocumentLibraryForm</Edit>
-  <New>DocumentLibraryForm</New>
-</FormTemplates>
-</file>
-
-<file path=customXml/item2.xml><?xml version="1.0" encoding="utf-8"?>
-<p:properties xmlns:p="http://schemas.microsoft.com/office/2006/metadata/properties" xmlns:xsi="http://www.w3.org/2001/XMLSchema-instance" xmlns:pc="http://schemas.microsoft.com/office/infopath/2007/PartnerControls">
-  <documentManagement/>
-</p:properties>
-</file>
-
-<file path=customXml/item3.xml><?xml version="1.0" encoding="utf-8"?>
 <ct:contentTypeSchema xmlns:ct="http://schemas.microsoft.com/office/2006/metadata/contentType" xmlns:ma="http://schemas.microsoft.com/office/2006/metadata/properties/metaAttributes" ct:_="" ma:_="" ma:contentTypeName="Documento" ma:contentTypeID="0x010100EE07C93EE308FD45A1DF8EECCD132EA8" ma:contentTypeVersion="2" ma:contentTypeDescription="Crear nuevo documento." ma:contentTypeScope="" ma:versionID="293d65d43021d27c03e1543e16c1116d">
   <xsd:schema xmlns:xsd="http://www.w3.org/2001/XMLSchema" xmlns:xs="http://www.w3.org/2001/XMLSchema" xmlns:p="http://schemas.microsoft.com/office/2006/metadata/properties" xmlns:ns2="6b8ba544-61ba-4092-92c0-bbfbc426b2b9" targetNamespace="http://schemas.microsoft.com/office/2006/metadata/properties" ma:root="true" ma:fieldsID="5d4d1204a385af403260f4b70f2d4cdc" ns2:_="">
     <xsd:import namespace="6b8ba544-61ba-4092-92c0-bbfbc426b2b9"/>
@@ -21887,10 +21872,35 @@
 </ct:contentTypeSchema>
 </file>
 
+<file path=customXml/item2.xml><?xml version="1.0" encoding="utf-8"?>
+<p:properties xmlns:p="http://schemas.microsoft.com/office/2006/metadata/properties" xmlns:xsi="http://www.w3.org/2001/XMLSchema-instance" xmlns:pc="http://schemas.microsoft.com/office/infopath/2007/PartnerControls">
+  <documentManagement/>
+</p:properties>
+</file>
+
+<file path=customXml/item3.xml><?xml version="1.0" encoding="utf-8"?>
+<?mso-contentType ?>
+<FormTemplates xmlns="http://schemas.microsoft.com/sharepoint/v3/contenttype/forms">
+  <Display>DocumentLibraryForm</Display>
+  <Edit>DocumentLibraryForm</Edit>
+  <New>DocumentLibraryForm</New>
+</FormTemplates>
+</file>
+
 <file path=customXml/itemProps1.xml><?xml version="1.0" encoding="utf-8"?>
-<ds:datastoreItem xmlns:ds="http://schemas.openxmlformats.org/officeDocument/2006/customXml" ds:itemID="{5313EA09-C0DC-4015-ABE0-A5612D75F864}">
+<ds:datastoreItem xmlns:ds="http://schemas.openxmlformats.org/officeDocument/2006/customXml" ds:itemID="{3EAE86C5-427D-4329-8AAA-7B500850AC96}">
   <ds:schemaRefs>
-    <ds:schemaRef ds:uri="http://schemas.microsoft.com/sharepoint/v3/contenttype/forms"/>
+    <ds:schemaRef ds:uri="http://schemas.microsoft.com/office/2006/metadata/contentType"/>
+    <ds:schemaRef ds:uri="http://schemas.microsoft.com/office/2006/metadata/properties/metaAttributes"/>
+    <ds:schemaRef ds:uri="http://www.w3.org/2001/XMLSchema"/>
+    <ds:schemaRef ds:uri="http://schemas.microsoft.com/office/2006/metadata/properties"/>
+    <ds:schemaRef ds:uri="6b8ba544-61ba-4092-92c0-bbfbc426b2b9"/>
+    <ds:schemaRef ds:uri="http://schemas.microsoft.com/office/2006/documentManagement/types"/>
+    <ds:schemaRef ds:uri="http://schemas.microsoft.com/office/infopath/2007/PartnerControls"/>
+    <ds:schemaRef ds:uri="http://schemas.openxmlformats.org/package/2006/metadata/core-properties"/>
+    <ds:schemaRef ds:uri="http://purl.org/dc/elements/1.1/"/>
+    <ds:schemaRef ds:uri="http://purl.org/dc/terms/"/>
+    <ds:schemaRef ds:uri="http://schemas.microsoft.com/internal/obd"/>
   </ds:schemaRefs>
 </ds:datastoreItem>
 </file>
@@ -21912,19 +21922,9 @@
 </file>
 
 <file path=customXml/itemProps3.xml><?xml version="1.0" encoding="utf-8"?>
-<ds:datastoreItem xmlns:ds="http://schemas.openxmlformats.org/officeDocument/2006/customXml" ds:itemID="{3EAE86C5-427D-4329-8AAA-7B500850AC96}">
+<ds:datastoreItem xmlns:ds="http://schemas.openxmlformats.org/officeDocument/2006/customXml" ds:itemID="{5313EA09-C0DC-4015-ABE0-A5612D75F864}">
   <ds:schemaRefs>
-    <ds:schemaRef ds:uri="http://schemas.microsoft.com/office/2006/metadata/contentType"/>
-    <ds:schemaRef ds:uri="http://schemas.microsoft.com/office/2006/metadata/properties/metaAttributes"/>
-    <ds:schemaRef ds:uri="http://www.w3.org/2001/XMLSchema"/>
-    <ds:schemaRef ds:uri="http://schemas.microsoft.com/office/2006/metadata/properties"/>
-    <ds:schemaRef ds:uri="6b8ba544-61ba-4092-92c0-bbfbc426b2b9"/>
-    <ds:schemaRef ds:uri="http://schemas.microsoft.com/office/2006/documentManagement/types"/>
-    <ds:schemaRef ds:uri="http://schemas.microsoft.com/office/infopath/2007/PartnerControls"/>
-    <ds:schemaRef ds:uri="http://schemas.openxmlformats.org/package/2006/metadata/core-properties"/>
-    <ds:schemaRef ds:uri="http://purl.org/dc/elements/1.1/"/>
-    <ds:schemaRef ds:uri="http://purl.org/dc/terms/"/>
-    <ds:schemaRef ds:uri="http://schemas.microsoft.com/internal/obd"/>
+    <ds:schemaRef ds:uri="http://schemas.microsoft.com/sharepoint/v3/contenttype/forms"/>
   </ds:schemaRefs>
 </ds:datastoreItem>
 </file>
--- a/Documentacion/jasmine.pptx
+++ b/Documentacion/jasmine.pptx
@@ -11,10 +11,10 @@
     <p:sldMasterId id="2147483661" r:id="rId10"/>
   </p:sldMasterIdLst>
   <p:notesMasterIdLst>
-    <p:notesMasterId r:id="rId31"/>
+    <p:notesMasterId r:id="rId32"/>
   </p:notesMasterIdLst>
   <p:handoutMasterIdLst>
-    <p:handoutMasterId r:id="rId32"/>
+    <p:handoutMasterId r:id="rId33"/>
   </p:handoutMasterIdLst>
   <p:sldIdLst>
     <p:sldId id="256" r:id="rId11"/>
@@ -32,11 +32,12 @@
     <p:sldId id="374" r:id="rId23"/>
     <p:sldId id="367" r:id="rId24"/>
     <p:sldId id="377" r:id="rId25"/>
-    <p:sldId id="375" r:id="rId26"/>
-    <p:sldId id="379" r:id="rId27"/>
-    <p:sldId id="380" r:id="rId28"/>
-    <p:sldId id="368" r:id="rId29"/>
-    <p:sldId id="265" r:id="rId30"/>
+    <p:sldId id="381" r:id="rId26"/>
+    <p:sldId id="375" r:id="rId27"/>
+    <p:sldId id="379" r:id="rId28"/>
+    <p:sldId id="380" r:id="rId29"/>
+    <p:sldId id="368" r:id="rId30"/>
+    <p:sldId id="265" r:id="rId31"/>
   </p:sldIdLst>
   <p:sldSz cx="12192000" cy="6858000"/>
   <p:notesSz cx="6858000" cy="9144000"/>
@@ -163,6 +164,7 @@
           <p14:sldIdLst>
             <p14:sldId id="367"/>
             <p14:sldId id="377"/>
+            <p14:sldId id="381"/>
             <p14:sldId id="375"/>
             <p14:sldId id="379"/>
             <p14:sldId id="380"/>
@@ -15699,7 +15701,7 @@
         <p:spPr>
           <a:xfrm>
             <a:off x="1080789" y="6170545"/>
-            <a:ext cx="5429884" cy="523220"/>
+            <a:ext cx="5429884" cy="800219"/>
           </a:xfrm>
           <a:prstGeom prst="rect">
             <a:avLst/>
@@ -15712,13 +15714,21 @@
           <a:lstStyle/>
           <a:p>
             <a:r>
-              <a:rPr lang="es-ES" sz="2800" dirty="0"/>
+              <a:rPr lang="es-ES" sz="2800" dirty="0">
+                <a:hlinkClick r:id="rId4"/>
+              </a:rPr>
               <a:t>http://jsfiddle.net/Ericuss/vujvaxx4</a:t>
             </a:r>
             <a:r>
-              <a:rPr lang="es-ES" dirty="0"/>
+              <a:rPr lang="es-ES" dirty="0" smtClean="0">
+                <a:hlinkClick r:id="rId4"/>
+              </a:rPr>
               <a:t>/</a:t>
             </a:r>
+            <a:endParaRPr lang="es-ES" dirty="0" smtClean="0"/>
+          </a:p>
+          <a:p>
+            <a:endParaRPr lang="es-ES" dirty="0"/>
           </a:p>
         </p:txBody>
       </p:sp>
@@ -15918,7 +15928,7 @@
         <p:spPr>
           <a:xfrm>
             <a:off x="1080789" y="6056245"/>
-            <a:ext cx="5706049" cy="523220"/>
+            <a:ext cx="5706049" cy="800219"/>
           </a:xfrm>
           <a:prstGeom prst="rect">
             <a:avLst/>
@@ -15931,9 +15941,20 @@
           <a:lstStyle/>
           <a:p>
             <a:r>
-              <a:rPr lang="es-ES" sz="2800" dirty="0"/>
-              <a:t>http://jsfiddle.net/Ericuss/vmyuqzoe/</a:t>
-            </a:r>
+              <a:rPr lang="es-ES" sz="2800" dirty="0">
+                <a:hlinkClick r:id="rId3"/>
+              </a:rPr>
+              <a:t>http://jsfiddle.net/Ericuss/vmyuqzoe</a:t>
+            </a:r>
+            <a:r>
+              <a:rPr lang="es-ES" sz="2800" dirty="0" smtClean="0">
+                <a:hlinkClick r:id="rId3"/>
+              </a:rPr>
+              <a:t>/</a:t>
+            </a:r>
+            <a:endParaRPr lang="es-ES" sz="2800" dirty="0" smtClean="0"/>
+          </a:p>
+          <a:p>
             <a:endParaRPr lang="es-ES" dirty="0"/>
           </a:p>
         </p:txBody>
@@ -15947,7 +15968,7 @@
           <p:nvPr/>
         </p:nvPicPr>
         <p:blipFill>
-          <a:blip r:embed="rId3"/>
+          <a:blip r:embed="rId4"/>
           <a:stretch>
             <a:fillRect/>
           </a:stretch>
@@ -16108,7 +16129,7 @@
         <p:spPr>
           <a:xfrm>
             <a:off x="1080789" y="6056245"/>
-            <a:ext cx="5626092" cy="523220"/>
+            <a:ext cx="5626092" cy="800219"/>
           </a:xfrm>
           <a:prstGeom prst="rect">
             <a:avLst/>
@@ -16121,9 +16142,20 @@
           <a:lstStyle/>
           <a:p>
             <a:r>
-              <a:rPr lang="es-ES" sz="2800" dirty="0"/>
-              <a:t>http://jsfiddle.net/Ericuss/d15p5ozL/</a:t>
-            </a:r>
+              <a:rPr lang="es-ES" sz="2800" dirty="0">
+                <a:hlinkClick r:id="rId2"/>
+              </a:rPr>
+              <a:t>http://jsfiddle.net/Ericuss/d15p5ozL</a:t>
+            </a:r>
+            <a:r>
+              <a:rPr lang="es-ES" sz="2800" dirty="0" smtClean="0">
+                <a:hlinkClick r:id="rId2"/>
+              </a:rPr>
+              <a:t>/</a:t>
+            </a:r>
+            <a:endParaRPr lang="es-ES" sz="2800" dirty="0" smtClean="0"/>
+          </a:p>
+          <a:p>
             <a:endParaRPr lang="es-ES" dirty="0"/>
           </a:p>
         </p:txBody>
@@ -16137,7 +16169,7 @@
           <p:nvPr/>
         </p:nvPicPr>
         <p:blipFill>
-          <a:blip r:embed="rId2"/>
+          <a:blip r:embed="rId3"/>
           <a:stretch>
             <a:fillRect/>
           </a:stretch>
@@ -16191,7 +16223,7 @@
           <p:nvPr/>
         </p:nvPicPr>
         <p:blipFill>
-          <a:blip r:embed="rId3"/>
+          <a:blip r:embed="rId4"/>
           <a:stretch>
             <a:fillRect/>
           </a:stretch>
@@ -16364,7 +16396,7 @@
         <p:spPr>
           <a:xfrm>
             <a:off x="1080789" y="6056245"/>
-            <a:ext cx="5770682" cy="523220"/>
+            <a:ext cx="5770682" cy="800219"/>
           </a:xfrm>
           <a:prstGeom prst="rect">
             <a:avLst/>
@@ -16377,9 +16409,20 @@
           <a:lstStyle/>
           <a:p>
             <a:r>
-              <a:rPr lang="es-ES" sz="2800" dirty="0"/>
-              <a:t>http://jsfiddle.net/Ericuss/Lramyuum/</a:t>
-            </a:r>
+              <a:rPr lang="es-ES" sz="2800" dirty="0">
+                <a:hlinkClick r:id="rId2"/>
+              </a:rPr>
+              <a:t>http://jsfiddle.net/Ericuss/Lramyuum</a:t>
+            </a:r>
+            <a:r>
+              <a:rPr lang="es-ES" sz="2800" dirty="0" smtClean="0">
+                <a:hlinkClick r:id="rId2"/>
+              </a:rPr>
+              <a:t>/</a:t>
+            </a:r>
+            <a:endParaRPr lang="es-ES" sz="2800" dirty="0" smtClean="0"/>
+          </a:p>
+          <a:p>
             <a:endParaRPr lang="es-ES" dirty="0"/>
           </a:p>
         </p:txBody>
@@ -16393,7 +16436,7 @@
           <p:nvPr/>
         </p:nvPicPr>
         <p:blipFill>
-          <a:blip r:embed="rId2"/>
+          <a:blip r:embed="rId3"/>
           <a:stretch>
             <a:fillRect/>
           </a:stretch>
@@ -16417,7 +16460,7 @@
           <p:nvPr/>
         </p:nvPicPr>
         <p:blipFill>
-          <a:blip r:embed="rId3"/>
+          <a:blip r:embed="rId4"/>
           <a:stretch>
             <a:fillRect/>
           </a:stretch>
@@ -16856,6 +16899,179 @@
           <a:p>
             <a:r>
               <a:rPr lang="es-ES" dirty="0" smtClean="0"/>
+              <a:t>Con </a:t>
+            </a:r>
+            <a:r>
+              <a:rPr lang="es-ES" dirty="0" err="1" smtClean="0"/>
+              <a:t>JsFiddler</a:t>
+            </a:r>
+            <a:r>
+              <a:rPr lang="es-ES" dirty="0" smtClean="0"/>
+              <a:t>	</a:t>
+            </a:r>
+            <a:endParaRPr lang="es-ES" dirty="0"/>
+          </a:p>
+        </p:txBody>
+      </p:sp>
+      <p:sp>
+        <p:nvSpPr>
+          <p:cNvPr id="3" name="Marcador de contenido 2"/>
+          <p:cNvSpPr>
+            <a:spLocks noGrp="1"/>
+          </p:cNvSpPr>
+          <p:nvPr>
+            <p:ph idx="1"/>
+          </p:nvPr>
+        </p:nvSpPr>
+        <p:spPr>
+          <a:xfrm>
+            <a:off x="4346331" y="1825625"/>
+            <a:ext cx="7743092" cy="4351338"/>
+          </a:xfrm>
+        </p:spPr>
+        <p:txBody>
+          <a:bodyPr/>
+          <a:lstStyle/>
+          <a:p>
+            <a:pPr marL="0" indent="0">
+              <a:buNone/>
+            </a:pPr>
+            <a:r>
+              <a:rPr lang="es-ES" dirty="0" smtClean="0"/>
+              <a:t>Haciendo un </a:t>
+            </a:r>
+            <a:r>
+              <a:rPr lang="es-ES" dirty="0" err="1" smtClean="0"/>
+              <a:t>fork</a:t>
+            </a:r>
+            <a:r>
+              <a:rPr lang="es-ES" dirty="0" smtClean="0"/>
+              <a:t> del ejemplo vacío</a:t>
+            </a:r>
+          </a:p>
+          <a:p>
+            <a:pPr marL="0" indent="0">
+              <a:buNone/>
+            </a:pPr>
+            <a:endParaRPr lang="es-ES" dirty="0"/>
+          </a:p>
+          <a:p>
+            <a:pPr marL="0" indent="0">
+              <a:buNone/>
+            </a:pPr>
+            <a:endParaRPr lang="es-ES" dirty="0" smtClean="0"/>
+          </a:p>
+          <a:p>
+            <a:pPr marL="0" indent="0">
+              <a:buNone/>
+            </a:pPr>
+            <a:r>
+              <a:rPr lang="es-ES" sz="4000" dirty="0">
+                <a:hlinkClick r:id="rId2"/>
+              </a:rPr>
+              <a:t>http://jsfiddle.net/Ericuss/srfxu7t2</a:t>
+            </a:r>
+            <a:r>
+              <a:rPr lang="es-ES" sz="4000" dirty="0" smtClean="0">
+                <a:hlinkClick r:id="rId2"/>
+              </a:rPr>
+              <a:t>/</a:t>
+            </a:r>
+            <a:endParaRPr lang="es-ES" sz="4000" dirty="0" smtClean="0"/>
+          </a:p>
+          <a:p>
+            <a:endParaRPr lang="es-ES" dirty="0"/>
+          </a:p>
+        </p:txBody>
+      </p:sp>
+      <p:pic>
+        <p:nvPicPr>
+          <p:cNvPr id="1034" name="Picture 10" descr="http://www.jubalslone.com/images/currency.png"/>
+          <p:cNvPicPr>
+            <a:picLocks noChangeAspect="1" noChangeArrowheads="1"/>
+          </p:cNvPicPr>
+          <p:nvPr/>
+        </p:nvPicPr>
+        <p:blipFill>
+          <a:blip r:embed="rId3">
+            <a:extLst>
+              <a:ext uri="{28A0092B-C50C-407E-A947-70E740481C1C}">
+                <a14:useLocalDpi xmlns:a14="http://schemas.microsoft.com/office/drawing/2010/main" val="0"/>
+              </a:ext>
+            </a:extLst>
+          </a:blip>
+          <a:srcRect/>
+          <a:stretch>
+            <a:fillRect/>
+          </a:stretch>
+        </p:blipFill>
+        <p:spPr bwMode="auto">
+          <a:xfrm>
+            <a:off x="536331" y="1825625"/>
+            <a:ext cx="3810000" cy="2381250"/>
+          </a:xfrm>
+          <a:prstGeom prst="rect">
+            <a:avLst/>
+          </a:prstGeom>
+          <a:noFill/>
+          <a:extLst>
+            <a:ext uri="{909E8E84-426E-40DD-AFC4-6F175D3DCCD1}">
+              <a14:hiddenFill xmlns:a14="http://schemas.microsoft.com/office/drawing/2010/main">
+                <a:solidFill>
+                  <a:srgbClr val="FFFFFF"/>
+                </a:solidFill>
+              </a14:hiddenFill>
+            </a:ext>
+          </a:extLst>
+        </p:spPr>
+      </p:pic>
+    </p:spTree>
+    <p:extLst>
+      <p:ext uri="{BB962C8B-B14F-4D97-AF65-F5344CB8AC3E}">
+        <p14:creationId xmlns:p14="http://schemas.microsoft.com/office/powerpoint/2010/main" val="3468196535"/>
+      </p:ext>
+    </p:extLst>
+  </p:cSld>
+  <p:clrMapOvr>
+    <a:masterClrMapping/>
+  </p:clrMapOvr>
+</p:sld>
+</file>
+
+<file path=ppt/slides/slide17.xml><?xml version="1.0" encoding="utf-8"?>
+<p:sld xmlns:a="http://schemas.openxmlformats.org/drawingml/2006/main" xmlns:r="http://schemas.openxmlformats.org/officeDocument/2006/relationships" xmlns:p="http://schemas.openxmlformats.org/presentationml/2006/main">
+  <p:cSld>
+    <p:spTree>
+      <p:nvGrpSpPr>
+        <p:cNvPr id="1" name=""/>
+        <p:cNvGrpSpPr/>
+        <p:nvPr/>
+      </p:nvGrpSpPr>
+      <p:grpSpPr>
+        <a:xfrm>
+          <a:off x="0" y="0"/>
+          <a:ext cx="0" cy="0"/>
+          <a:chOff x="0" y="0"/>
+          <a:chExt cx="0" cy="0"/>
+        </a:xfrm>
+      </p:grpSpPr>
+      <p:sp>
+        <p:nvSpPr>
+          <p:cNvPr id="2" name="Título 1"/>
+          <p:cNvSpPr>
+            <a:spLocks noGrp="1"/>
+          </p:cNvSpPr>
+          <p:nvPr>
+            <p:ph type="title"/>
+          </p:nvPr>
+        </p:nvSpPr>
+        <p:spPr/>
+        <p:txBody>
+          <a:bodyPr/>
+          <a:lstStyle/>
+          <a:p>
+            <a:r>
+              <a:rPr lang="es-ES" dirty="0" smtClean="0"/>
               <a:t>Recordad… </a:t>
             </a:r>
             <a:endParaRPr lang="es-ES" dirty="0"/>
@@ -16923,7 +17139,7 @@
 </p:sld>
 </file>
 
-<file path=ppt/slides/slide17.xml><?xml version="1.0" encoding="utf-8"?>
+<file path=ppt/slides/slide18.xml><?xml version="1.0" encoding="utf-8"?>
 <p:sld xmlns:a="http://schemas.openxmlformats.org/drawingml/2006/main" xmlns:r="http://schemas.openxmlformats.org/officeDocument/2006/relationships" xmlns:p="http://schemas.openxmlformats.org/presentationml/2006/main">
   <p:cSld>
     <p:spTree>
@@ -17068,7 +17284,7 @@
 </p:sld>
 </file>
 
-<file path=ppt/slides/slide18.xml><?xml version="1.0" encoding="utf-8"?>
+<file path=ppt/slides/slide19.xml><?xml version="1.0" encoding="utf-8"?>
 <p:sld xmlns:a="http://schemas.openxmlformats.org/drawingml/2006/main" xmlns:r="http://schemas.openxmlformats.org/officeDocument/2006/relationships" xmlns:p="http://schemas.openxmlformats.org/presentationml/2006/main">
   <p:cSld>
     <p:spTree>
@@ -17336,7 +17552,149 @@
 </p:sld>
 </file>
 
-<file path=ppt/slides/slide19.xml><?xml version="1.0" encoding="utf-8"?>
+<file path=ppt/slides/slide2.xml><?xml version="1.0" encoding="utf-8"?>
+<p:sld xmlns:a="http://schemas.openxmlformats.org/drawingml/2006/main" xmlns:r="http://schemas.openxmlformats.org/officeDocument/2006/relationships" xmlns:p="http://schemas.openxmlformats.org/presentationml/2006/main">
+  <p:cSld>
+    <p:spTree>
+      <p:nvGrpSpPr>
+        <p:cNvPr id="1" name=""/>
+        <p:cNvGrpSpPr/>
+        <p:nvPr/>
+      </p:nvGrpSpPr>
+      <p:grpSpPr>
+        <a:xfrm>
+          <a:off x="0" y="0"/>
+          <a:ext cx="0" cy="0"/>
+          <a:chOff x="0" y="0"/>
+          <a:chExt cx="0" cy="0"/>
+        </a:xfrm>
+      </p:grpSpPr>
+      <p:sp>
+        <p:nvSpPr>
+          <p:cNvPr id="2" name="Título 1"/>
+          <p:cNvSpPr>
+            <a:spLocks noGrp="1"/>
+          </p:cNvSpPr>
+          <p:nvPr>
+            <p:ph type="title"/>
+          </p:nvPr>
+        </p:nvSpPr>
+        <p:spPr/>
+        <p:txBody>
+          <a:bodyPr/>
+          <a:lstStyle/>
+          <a:p>
+            <a:r>
+              <a:rPr lang="en-US" dirty="0" smtClean="0"/>
+              <a:t>Jasmine</a:t>
+            </a:r>
+            <a:endParaRPr lang="en-US" dirty="0"/>
+          </a:p>
+        </p:txBody>
+      </p:sp>
+      <p:sp>
+        <p:nvSpPr>
+          <p:cNvPr id="3" name="Marcador de contenido 2"/>
+          <p:cNvSpPr>
+            <a:spLocks noGrp="1"/>
+          </p:cNvSpPr>
+          <p:nvPr>
+            <p:ph idx="1"/>
+          </p:nvPr>
+        </p:nvSpPr>
+        <p:spPr/>
+        <p:txBody>
+          <a:bodyPr/>
+          <a:lstStyle/>
+          <a:p>
+            <a:r>
+              <a:rPr lang="es-ES" dirty="0" smtClean="0"/>
+              <a:t>Librería</a:t>
+            </a:r>
+            <a:r>
+              <a:rPr lang="en-US" dirty="0" smtClean="0"/>
+              <a:t> de test </a:t>
+            </a:r>
+            <a:r>
+              <a:rPr lang="es-ES" dirty="0" smtClean="0"/>
+              <a:t>basado</a:t>
+            </a:r>
+            <a:r>
+              <a:rPr lang="en-US" dirty="0" smtClean="0"/>
+              <a:t> </a:t>
+            </a:r>
+            <a:r>
+              <a:rPr lang="en-US" dirty="0" err="1" smtClean="0"/>
+              <a:t>en</a:t>
+            </a:r>
+            <a:r>
+              <a:rPr lang="en-US" dirty="0" smtClean="0"/>
+              <a:t> Behavior-Driven </a:t>
+            </a:r>
+            <a:r>
+              <a:rPr lang="en-US" dirty="0"/>
+              <a:t>D</a:t>
+            </a:r>
+            <a:r>
+              <a:rPr lang="en-US" dirty="0" smtClean="0"/>
+              <a:t>evelopment</a:t>
+            </a:r>
+          </a:p>
+          <a:p>
+            <a:r>
+              <a:rPr lang="es-ES" dirty="0" smtClean="0"/>
+              <a:t>Las diferencias respecto a TDD son:</a:t>
+            </a:r>
+          </a:p>
+          <a:p>
+            <a:pPr lvl="1"/>
+            <a:r>
+              <a:rPr lang="es-ES" dirty="0" smtClean="0"/>
+              <a:t>Los test son más descriptivos</a:t>
+            </a:r>
+          </a:p>
+          <a:p>
+            <a:pPr lvl="1"/>
+            <a:r>
+              <a:rPr lang="es-ES" dirty="0" smtClean="0"/>
+              <a:t>Son más </a:t>
+            </a:r>
+            <a:r>
+              <a:rPr lang="es-ES" dirty="0" err="1" smtClean="0"/>
+              <a:t>verbose</a:t>
+            </a:r>
+            <a:endParaRPr lang="es-ES" dirty="0" smtClean="0"/>
+          </a:p>
+          <a:p>
+            <a:pPr lvl="1"/>
+            <a:r>
+              <a:rPr lang="es-ES" dirty="0" smtClean="0"/>
+              <a:t>Al cumplir los 2 anteriores ayuda a que sirva de documentación o que cualquiera pueda entender la finalidad del test</a:t>
+            </a:r>
+          </a:p>
+        </p:txBody>
+      </p:sp>
+    </p:spTree>
+    <p:extLst>
+      <p:ext uri="{BB962C8B-B14F-4D97-AF65-F5344CB8AC3E}">
+        <p14:creationId xmlns:p14="http://schemas.microsoft.com/office/powerpoint/2010/main" val="2529020658"/>
+      </p:ext>
+    </p:extLst>
+  </p:cSld>
+  <p:clrMapOvr>
+    <a:masterClrMapping/>
+  </p:clrMapOvr>
+  <p:timing>
+    <p:tnLst>
+      <p:par>
+        <p:cTn id="1" dur="indefinite" restart="never" nodeType="tmRoot"/>
+      </p:par>
+    </p:tnLst>
+  </p:timing>
+</p:sld>
+</file>
+
+<file path=ppt/slides/slide20.xml><?xml version="1.0" encoding="utf-8"?>
 <p:sld xmlns:a="http://schemas.openxmlformats.org/drawingml/2006/main" xmlns:r="http://schemas.openxmlformats.org/officeDocument/2006/relationships" xmlns:p="http://schemas.openxmlformats.org/presentationml/2006/main">
   <p:cSld>
     <p:spTree>
@@ -17541,149 +17899,7 @@
 </p:sld>
 </file>
 
-<file path=ppt/slides/slide2.xml><?xml version="1.0" encoding="utf-8"?>
-<p:sld xmlns:a="http://schemas.openxmlformats.org/drawingml/2006/main" xmlns:r="http://schemas.openxmlformats.org/officeDocument/2006/relationships" xmlns:p="http://schemas.openxmlformats.org/presentationml/2006/main">
-  <p:cSld>
-    <p:spTree>
-      <p:nvGrpSpPr>
-        <p:cNvPr id="1" name=""/>
-        <p:cNvGrpSpPr/>
-        <p:nvPr/>
-      </p:nvGrpSpPr>
-      <p:grpSpPr>
-        <a:xfrm>
-          <a:off x="0" y="0"/>
-          <a:ext cx="0" cy="0"/>
-          <a:chOff x="0" y="0"/>
-          <a:chExt cx="0" cy="0"/>
-        </a:xfrm>
-      </p:grpSpPr>
-      <p:sp>
-        <p:nvSpPr>
-          <p:cNvPr id="2" name="Título 1"/>
-          <p:cNvSpPr>
-            <a:spLocks noGrp="1"/>
-          </p:cNvSpPr>
-          <p:nvPr>
-            <p:ph type="title"/>
-          </p:nvPr>
-        </p:nvSpPr>
-        <p:spPr/>
-        <p:txBody>
-          <a:bodyPr/>
-          <a:lstStyle/>
-          <a:p>
-            <a:r>
-              <a:rPr lang="en-US" dirty="0" smtClean="0"/>
-              <a:t>Jasmine</a:t>
-            </a:r>
-            <a:endParaRPr lang="en-US" dirty="0"/>
-          </a:p>
-        </p:txBody>
-      </p:sp>
-      <p:sp>
-        <p:nvSpPr>
-          <p:cNvPr id="3" name="Marcador de contenido 2"/>
-          <p:cNvSpPr>
-            <a:spLocks noGrp="1"/>
-          </p:cNvSpPr>
-          <p:nvPr>
-            <p:ph idx="1"/>
-          </p:nvPr>
-        </p:nvSpPr>
-        <p:spPr/>
-        <p:txBody>
-          <a:bodyPr/>
-          <a:lstStyle/>
-          <a:p>
-            <a:r>
-              <a:rPr lang="es-ES" dirty="0" smtClean="0"/>
-              <a:t>Librería</a:t>
-            </a:r>
-            <a:r>
-              <a:rPr lang="en-US" dirty="0" smtClean="0"/>
-              <a:t> de test </a:t>
-            </a:r>
-            <a:r>
-              <a:rPr lang="es-ES" dirty="0" smtClean="0"/>
-              <a:t>basado</a:t>
-            </a:r>
-            <a:r>
-              <a:rPr lang="en-US" dirty="0" smtClean="0"/>
-              <a:t> </a:t>
-            </a:r>
-            <a:r>
-              <a:rPr lang="en-US" dirty="0" err="1" smtClean="0"/>
-              <a:t>en</a:t>
-            </a:r>
-            <a:r>
-              <a:rPr lang="en-US" dirty="0" smtClean="0"/>
-              <a:t> Behavior-Driven </a:t>
-            </a:r>
-            <a:r>
-              <a:rPr lang="en-US" dirty="0"/>
-              <a:t>D</a:t>
-            </a:r>
-            <a:r>
-              <a:rPr lang="en-US" dirty="0" smtClean="0"/>
-              <a:t>evelopment</a:t>
-            </a:r>
-          </a:p>
-          <a:p>
-            <a:r>
-              <a:rPr lang="es-ES" dirty="0" smtClean="0"/>
-              <a:t>Las diferencias respecto a TDD son:</a:t>
-            </a:r>
-          </a:p>
-          <a:p>
-            <a:pPr lvl="1"/>
-            <a:r>
-              <a:rPr lang="es-ES" dirty="0" smtClean="0"/>
-              <a:t>Los test son más descriptivos</a:t>
-            </a:r>
-          </a:p>
-          <a:p>
-            <a:pPr lvl="1"/>
-            <a:r>
-              <a:rPr lang="es-ES" dirty="0" smtClean="0"/>
-              <a:t>Son más </a:t>
-            </a:r>
-            <a:r>
-              <a:rPr lang="es-ES" dirty="0" err="1" smtClean="0"/>
-              <a:t>verbose</a:t>
-            </a:r>
-            <a:endParaRPr lang="es-ES" dirty="0" smtClean="0"/>
-          </a:p>
-          <a:p>
-            <a:pPr lvl="1"/>
-            <a:r>
-              <a:rPr lang="es-ES" dirty="0" smtClean="0"/>
-              <a:t>Al cumplir los 2 anteriores ayuda a que sirva de documentación o que cualquiera pueda entender la finalidad del test</a:t>
-            </a:r>
-          </a:p>
-        </p:txBody>
-      </p:sp>
-    </p:spTree>
-    <p:extLst>
-      <p:ext uri="{BB962C8B-B14F-4D97-AF65-F5344CB8AC3E}">
-        <p14:creationId xmlns:p14="http://schemas.microsoft.com/office/powerpoint/2010/main" val="2529020658"/>
-      </p:ext>
-    </p:extLst>
-  </p:cSld>
-  <p:clrMapOvr>
-    <a:masterClrMapping/>
-  </p:clrMapOvr>
-  <p:timing>
-    <p:tnLst>
-      <p:par>
-        <p:cTn id="1" dur="indefinite" restart="never" nodeType="tmRoot"/>
-      </p:par>
-    </p:tnLst>
-  </p:timing>
-</p:sld>
-</file>
-
-<file path=ppt/slides/slide20.xml><?xml version="1.0" encoding="utf-8"?>
+<file path=ppt/slides/slide21.xml><?xml version="1.0" encoding="utf-8"?>
 <p:sld xmlns:a="http://schemas.openxmlformats.org/drawingml/2006/main" xmlns:r="http://schemas.openxmlformats.org/officeDocument/2006/relationships" xmlns:p="http://schemas.openxmlformats.org/presentationml/2006/main">
   <p:cSld>
     <p:spTree>
@@ -18476,9 +18692,23 @@
               <a:buNone/>
             </a:pPr>
             <a:r>
-              <a:rPr lang="en-US" dirty="0" smtClean="0"/>
-              <a:t>https://jsfiddle.net/Ericuss/b03zs7kg/</a:t>
-            </a:r>
+              <a:rPr lang="en-US" dirty="0" smtClean="0">
+                <a:hlinkClick r:id="rId2"/>
+              </a:rPr>
+              <a:t>https://jsfiddle.net/Ericuss/b03zs7kg</a:t>
+            </a:r>
+            <a:r>
+              <a:rPr lang="en-US" dirty="0" smtClean="0">
+                <a:hlinkClick r:id="rId2"/>
+              </a:rPr>
+              <a:t>/</a:t>
+            </a:r>
+            <a:endParaRPr lang="en-US" dirty="0" smtClean="0"/>
+          </a:p>
+          <a:p>
+            <a:pPr marL="0" indent="0">
+              <a:buNone/>
+            </a:pPr>
             <a:endParaRPr lang="en-US" dirty="0"/>
           </a:p>
         </p:txBody>
@@ -18492,7 +18722,7 @@
           <p:nvPr/>
         </p:nvPicPr>
         <p:blipFill>
-          <a:blip r:embed="rId2"/>
+          <a:blip r:embed="rId3"/>
           <a:stretch>
             <a:fillRect/>
           </a:stretch>
@@ -18546,7 +18776,7 @@
           <p:nvPr/>
         </p:nvPicPr>
         <p:blipFill>
-          <a:blip r:embed="rId3"/>
+          <a:blip r:embed="rId4"/>
           <a:stretch>
             <a:fillRect/>
           </a:stretch>
@@ -18744,17 +18974,30 @@
               <a:buNone/>
             </a:pPr>
             <a:r>
-              <a:rPr lang="es-ES" dirty="0" smtClean="0"/>
+              <a:rPr lang="es-ES" dirty="0" smtClean="0">
+                <a:hlinkClick r:id="rId2"/>
+              </a:rPr>
               <a:t>http</a:t>
             </a:r>
             <a:r>
-              <a:rPr lang="es-ES" dirty="0"/>
+              <a:rPr lang="es-ES" dirty="0">
+                <a:hlinkClick r:id="rId2"/>
+              </a:rPr>
               <a:t>://jsfiddle.net/Ericuss/sw3f3m41</a:t>
             </a:r>
             <a:r>
-              <a:rPr lang="es-ES" dirty="0" smtClean="0"/>
+              <a:rPr lang="es-ES" dirty="0" smtClean="0">
+                <a:hlinkClick r:id="rId2"/>
+              </a:rPr>
               <a:t>/</a:t>
             </a:r>
+            <a:endParaRPr lang="es-ES" dirty="0" smtClean="0"/>
+          </a:p>
+          <a:p>
+            <a:pPr marL="0" indent="0">
+              <a:buNone/>
+            </a:pPr>
+            <a:endParaRPr lang="es-ES" dirty="0" smtClean="0"/>
           </a:p>
           <a:p>
             <a:pPr marL="0" indent="0">
@@ -18798,7 +19041,7 @@
           <p:nvPr/>
         </p:nvPicPr>
         <p:blipFill>
-          <a:blip r:embed="rId2"/>
+          <a:blip r:embed="rId3"/>
           <a:stretch>
             <a:fillRect/>
           </a:stretch>
@@ -18852,7 +19095,7 @@
           <p:nvPr/>
         </p:nvPicPr>
         <p:blipFill>
-          <a:blip r:embed="rId3"/>
+          <a:blip r:embed="rId4"/>
           <a:stretch>
             <a:fillRect/>
           </a:stretch>
@@ -19048,7 +19291,7 @@
         <p:spPr>
           <a:xfrm>
             <a:off x="1080789" y="6056245"/>
-            <a:ext cx="5739263" cy="523220"/>
+            <a:ext cx="5739263" cy="800219"/>
           </a:xfrm>
           <a:prstGeom prst="rect">
             <a:avLst/>
@@ -19061,9 +19304,20 @@
           <a:lstStyle/>
           <a:p>
             <a:r>
-              <a:rPr lang="es-ES" sz="2800" dirty="0"/>
-              <a:t>http://jsfiddle.net/Ericuss/wyrov8bw/</a:t>
-            </a:r>
+              <a:rPr lang="es-ES" sz="2800" dirty="0">
+                <a:hlinkClick r:id="rId3"/>
+              </a:rPr>
+              <a:t>http://jsfiddle.net/Ericuss/wyrov8bw</a:t>
+            </a:r>
+            <a:r>
+              <a:rPr lang="es-ES" sz="2800" dirty="0" smtClean="0">
+                <a:hlinkClick r:id="rId3"/>
+              </a:rPr>
+              <a:t>/</a:t>
+            </a:r>
+            <a:endParaRPr lang="es-ES" sz="2800" dirty="0" smtClean="0"/>
+          </a:p>
+          <a:p>
             <a:endParaRPr lang="es-ES" dirty="0"/>
           </a:p>
         </p:txBody>
@@ -19077,7 +19331,7 @@
           <p:nvPr/>
         </p:nvPicPr>
         <p:blipFill>
-          <a:blip r:embed="rId3"/>
+          <a:blip r:embed="rId4"/>
           <a:stretch>
             <a:fillRect/>
           </a:stretch>
@@ -19227,7 +19481,7 @@
         <p:spPr>
           <a:xfrm>
             <a:off x="1080789" y="6056245"/>
-            <a:ext cx="5739263" cy="523220"/>
+            <a:ext cx="5739263" cy="800219"/>
           </a:xfrm>
           <a:prstGeom prst="rect">
             <a:avLst/>
@@ -19240,9 +19494,20 @@
           <a:lstStyle/>
           <a:p>
             <a:r>
-              <a:rPr lang="es-ES" sz="2800" dirty="0"/>
-              <a:t>http://jsfiddle.net/Ericuss/wyrov8bw/</a:t>
-            </a:r>
+              <a:rPr lang="es-ES" sz="2800" dirty="0">
+                <a:hlinkClick r:id="rId2"/>
+              </a:rPr>
+              <a:t>http://jsfiddle.net/Ericuss/wyrov8bw</a:t>
+            </a:r>
+            <a:r>
+              <a:rPr lang="es-ES" sz="2800" dirty="0" smtClean="0">
+                <a:hlinkClick r:id="rId2"/>
+              </a:rPr>
+              <a:t>/</a:t>
+            </a:r>
+            <a:endParaRPr lang="es-ES" sz="2800" dirty="0" smtClean="0"/>
+          </a:p>
+          <a:p>
             <a:endParaRPr lang="es-ES" dirty="0"/>
           </a:p>
         </p:txBody>
@@ -19256,7 +19521,7 @@
           <p:nvPr/>
         </p:nvPicPr>
         <p:blipFill>
-          <a:blip r:embed="rId2"/>
+          <a:blip r:embed="rId3"/>
           <a:stretch>
             <a:fillRect/>
           </a:stretch>
@@ -19310,7 +19575,7 @@
           <p:nvPr/>
         </p:nvPicPr>
         <p:blipFill>
-          <a:blip r:embed="rId3"/>
+          <a:blip r:embed="rId4"/>
           <a:stretch>
             <a:fillRect/>
           </a:stretch>
@@ -21725,6 +21990,21 @@
 </file>
 
 <file path=customXml/item1.xml><?xml version="1.0" encoding="utf-8"?>
+<?mso-contentType ?>
+<FormTemplates xmlns="http://schemas.microsoft.com/sharepoint/v3/contenttype/forms">
+  <Display>DocumentLibraryForm</Display>
+  <Edit>DocumentLibraryForm</Edit>
+  <New>DocumentLibraryForm</New>
+</FormTemplates>
+</file>
+
+<file path=customXml/item2.xml><?xml version="1.0" encoding="utf-8"?>
+<p:properties xmlns:p="http://schemas.microsoft.com/office/2006/metadata/properties" xmlns:xsi="http://www.w3.org/2001/XMLSchema-instance" xmlns:pc="http://schemas.microsoft.com/office/infopath/2007/PartnerControls">
+  <documentManagement/>
+</p:properties>
+</file>
+
+<file path=customXml/item3.xml><?xml version="1.0" encoding="utf-8"?>
 <ct:contentTypeSchema xmlns:ct="http://schemas.microsoft.com/office/2006/metadata/contentType" xmlns:ma="http://schemas.microsoft.com/office/2006/metadata/properties/metaAttributes" ct:_="" ma:_="" ma:contentTypeName="Documento" ma:contentTypeID="0x010100EE07C93EE308FD45A1DF8EECCD132EA8" ma:contentTypeVersion="2" ma:contentTypeDescription="Crear nuevo documento." ma:contentTypeScope="" ma:versionID="293d65d43021d27c03e1543e16c1116d">
   <xsd:schema xmlns:xsd="http://www.w3.org/2001/XMLSchema" xmlns:xs="http://www.w3.org/2001/XMLSchema" xmlns:p="http://schemas.microsoft.com/office/2006/metadata/properties" xmlns:ns2="6b8ba544-61ba-4092-92c0-bbfbc426b2b9" targetNamespace="http://schemas.microsoft.com/office/2006/metadata/properties" ma:root="true" ma:fieldsID="5d4d1204a385af403260f4b70f2d4cdc" ns2:_="">
     <xsd:import namespace="6b8ba544-61ba-4092-92c0-bbfbc426b2b9"/>
@@ -21872,35 +22152,10 @@
 </ct:contentTypeSchema>
 </file>
 
-<file path=customXml/item2.xml><?xml version="1.0" encoding="utf-8"?>
-<p:properties xmlns:p="http://schemas.microsoft.com/office/2006/metadata/properties" xmlns:xsi="http://www.w3.org/2001/XMLSchema-instance" xmlns:pc="http://schemas.microsoft.com/office/infopath/2007/PartnerControls">
-  <documentManagement/>
-</p:properties>
-</file>
-
-<file path=customXml/item3.xml><?xml version="1.0" encoding="utf-8"?>
-<?mso-contentType ?>
-<FormTemplates xmlns="http://schemas.microsoft.com/sharepoint/v3/contenttype/forms">
-  <Display>DocumentLibraryForm</Display>
-  <Edit>DocumentLibraryForm</Edit>
-  <New>DocumentLibraryForm</New>
-</FormTemplates>
-</file>
-
 <file path=customXml/itemProps1.xml><?xml version="1.0" encoding="utf-8"?>
-<ds:datastoreItem xmlns:ds="http://schemas.openxmlformats.org/officeDocument/2006/customXml" ds:itemID="{3EAE86C5-427D-4329-8AAA-7B500850AC96}">
+<ds:datastoreItem xmlns:ds="http://schemas.openxmlformats.org/officeDocument/2006/customXml" ds:itemID="{5313EA09-C0DC-4015-ABE0-A5612D75F864}">
   <ds:schemaRefs>
-    <ds:schemaRef ds:uri="http://schemas.microsoft.com/office/2006/metadata/contentType"/>
-    <ds:schemaRef ds:uri="http://schemas.microsoft.com/office/2006/metadata/properties/metaAttributes"/>
-    <ds:schemaRef ds:uri="http://www.w3.org/2001/XMLSchema"/>
-    <ds:schemaRef ds:uri="http://schemas.microsoft.com/office/2006/metadata/properties"/>
-    <ds:schemaRef ds:uri="6b8ba544-61ba-4092-92c0-bbfbc426b2b9"/>
-    <ds:schemaRef ds:uri="http://schemas.microsoft.com/office/2006/documentManagement/types"/>
-    <ds:schemaRef ds:uri="http://schemas.microsoft.com/office/infopath/2007/PartnerControls"/>
-    <ds:schemaRef ds:uri="http://schemas.openxmlformats.org/package/2006/metadata/core-properties"/>
-    <ds:schemaRef ds:uri="http://purl.org/dc/elements/1.1/"/>
-    <ds:schemaRef ds:uri="http://purl.org/dc/terms/"/>
-    <ds:schemaRef ds:uri="http://schemas.microsoft.com/internal/obd"/>
+    <ds:schemaRef ds:uri="http://schemas.microsoft.com/sharepoint/v3/contenttype/forms"/>
   </ds:schemaRefs>
 </ds:datastoreItem>
 </file>
@@ -21922,9 +22177,19 @@
 </file>
 
 <file path=customXml/itemProps3.xml><?xml version="1.0" encoding="utf-8"?>
-<ds:datastoreItem xmlns:ds="http://schemas.openxmlformats.org/officeDocument/2006/customXml" ds:itemID="{5313EA09-C0DC-4015-ABE0-A5612D75F864}">
+<ds:datastoreItem xmlns:ds="http://schemas.openxmlformats.org/officeDocument/2006/customXml" ds:itemID="{3EAE86C5-427D-4329-8AAA-7B500850AC96}">
   <ds:schemaRefs>
-    <ds:schemaRef ds:uri="http://schemas.microsoft.com/sharepoint/v3/contenttype/forms"/>
+    <ds:schemaRef ds:uri="http://schemas.microsoft.com/office/2006/metadata/contentType"/>
+    <ds:schemaRef ds:uri="http://schemas.microsoft.com/office/2006/metadata/properties/metaAttributes"/>
+    <ds:schemaRef ds:uri="http://www.w3.org/2001/XMLSchema"/>
+    <ds:schemaRef ds:uri="http://schemas.microsoft.com/office/2006/metadata/properties"/>
+    <ds:schemaRef ds:uri="6b8ba544-61ba-4092-92c0-bbfbc426b2b9"/>
+    <ds:schemaRef ds:uri="http://schemas.microsoft.com/office/2006/documentManagement/types"/>
+    <ds:schemaRef ds:uri="http://schemas.microsoft.com/office/infopath/2007/PartnerControls"/>
+    <ds:schemaRef ds:uri="http://schemas.openxmlformats.org/package/2006/metadata/core-properties"/>
+    <ds:schemaRef ds:uri="http://purl.org/dc/elements/1.1/"/>
+    <ds:schemaRef ds:uri="http://purl.org/dc/terms/"/>
+    <ds:schemaRef ds:uri="http://schemas.microsoft.com/internal/obd"/>
   </ds:schemaRefs>
 </ds:datastoreItem>
 </file>
--- a/Documentacion/jasmine.pptx
+++ b/Documentacion/jasmine.pptx
@@ -17657,7 +17657,27 @@
             <a:pPr lvl="1"/>
             <a:r>
               <a:rPr lang="es-ES" dirty="0" smtClean="0"/>
-              <a:t>Son más </a:t>
+              <a:t>Las verificaciones (</a:t>
+            </a:r>
+            <a:r>
+              <a:rPr lang="es-ES" dirty="0" err="1" smtClean="0"/>
+              <a:t>expects</a:t>
+            </a:r>
+            <a:r>
+              <a:rPr lang="es-ES" dirty="0" smtClean="0"/>
+              <a:t>, </a:t>
+            </a:r>
+            <a:r>
+              <a:rPr lang="es-ES" dirty="0" err="1" smtClean="0"/>
+              <a:t>asserts</a:t>
+            </a:r>
+            <a:r>
+              <a:rPr lang="es-ES" dirty="0" smtClean="0"/>
+              <a:t>, …) son </a:t>
+            </a:r>
+            <a:r>
+              <a:rPr lang="es-ES" dirty="0" smtClean="0"/>
+              <a:t>más </a:t>
             </a:r>
             <a:r>
               <a:rPr lang="es-ES" dirty="0" err="1" smtClean="0"/>
@@ -18252,7 +18272,19 @@
           <a:p>
             <a:r>
               <a:rPr lang="es-ES" dirty="0" smtClean="0"/>
-              <a:t>Lo que se utiliza para sustituir servicios, colaboradores, objetos ajenos o por parámetros, …</a:t>
+              <a:t>Lo que se utiliza para sustituir servicios, colaboradores, objetos ajenos </a:t>
+            </a:r>
+            <a:r>
+              <a:rPr lang="es-ES" smtClean="0"/>
+              <a:t>o </a:t>
+            </a:r>
+            <a:r>
+              <a:rPr lang="es-ES" smtClean="0"/>
+              <a:t>parámetros</a:t>
+            </a:r>
+            <a:r>
+              <a:rPr lang="es-ES" dirty="0" smtClean="0"/>
+              <a:t>, …</a:t>
             </a:r>
           </a:p>
           <a:p>
@@ -18695,13 +18727,7 @@
               <a:rPr lang="en-US" dirty="0" smtClean="0">
                 <a:hlinkClick r:id="rId2"/>
               </a:rPr>
-              <a:t>https://jsfiddle.net/Ericuss/b03zs7kg</a:t>
-            </a:r>
-            <a:r>
-              <a:rPr lang="en-US" dirty="0" smtClean="0">
-                <a:hlinkClick r:id="rId2"/>
-              </a:rPr>
-              <a:t>/</a:t>
+              <a:t>https://jsfiddle.net/Ericuss/b03zs7kg/</a:t>
             </a:r>
             <a:endParaRPr lang="en-US" dirty="0" smtClean="0"/>
           </a:p>
@@ -21990,21 +22016,6 @@
 </file>
 
 <file path=customXml/item1.xml><?xml version="1.0" encoding="utf-8"?>
-<?mso-contentType ?>
-<FormTemplates xmlns="http://schemas.microsoft.com/sharepoint/v3/contenttype/forms">
-  <Display>DocumentLibraryForm</Display>
-  <Edit>DocumentLibraryForm</Edit>
-  <New>DocumentLibraryForm</New>
-</FormTemplates>
-</file>
-
-<file path=customXml/item2.xml><?xml version="1.0" encoding="utf-8"?>
-<p:properties xmlns:p="http://schemas.microsoft.com/office/2006/metadata/properties" xmlns:xsi="http://www.w3.org/2001/XMLSchema-instance" xmlns:pc="http://schemas.microsoft.com/office/infopath/2007/PartnerControls">
-  <documentManagement/>
-</p:properties>
-</file>
-
-<file path=customXml/item3.xml><?xml version="1.0" encoding="utf-8"?>
 <ct:contentTypeSchema xmlns:ct="http://schemas.microsoft.com/office/2006/metadata/contentType" xmlns:ma="http://schemas.microsoft.com/office/2006/metadata/properties/metaAttributes" ct:_="" ma:_="" ma:contentTypeName="Documento" ma:contentTypeID="0x010100EE07C93EE308FD45A1DF8EECCD132EA8" ma:contentTypeVersion="2" ma:contentTypeDescription="Crear nuevo documento." ma:contentTypeScope="" ma:versionID="293d65d43021d27c03e1543e16c1116d">
   <xsd:schema xmlns:xsd="http://www.w3.org/2001/XMLSchema" xmlns:xs="http://www.w3.org/2001/XMLSchema" xmlns:p="http://schemas.microsoft.com/office/2006/metadata/properties" xmlns:ns2="6b8ba544-61ba-4092-92c0-bbfbc426b2b9" targetNamespace="http://schemas.microsoft.com/office/2006/metadata/properties" ma:root="true" ma:fieldsID="5d4d1204a385af403260f4b70f2d4cdc" ns2:_="">
     <xsd:import namespace="6b8ba544-61ba-4092-92c0-bbfbc426b2b9"/>
@@ -22152,10 +22163,35 @@
 </ct:contentTypeSchema>
 </file>
 
+<file path=customXml/item2.xml><?xml version="1.0" encoding="utf-8"?>
+<p:properties xmlns:p="http://schemas.microsoft.com/office/2006/metadata/properties" xmlns:xsi="http://www.w3.org/2001/XMLSchema-instance" xmlns:pc="http://schemas.microsoft.com/office/infopath/2007/PartnerControls">
+  <documentManagement/>
+</p:properties>
+</file>
+
+<file path=customXml/item3.xml><?xml version="1.0" encoding="utf-8"?>
+<?mso-contentType ?>
+<FormTemplates xmlns="http://schemas.microsoft.com/sharepoint/v3/contenttype/forms">
+  <Display>DocumentLibraryForm</Display>
+  <Edit>DocumentLibraryForm</Edit>
+  <New>DocumentLibraryForm</New>
+</FormTemplates>
+</file>
+
 <file path=customXml/itemProps1.xml><?xml version="1.0" encoding="utf-8"?>
-<ds:datastoreItem xmlns:ds="http://schemas.openxmlformats.org/officeDocument/2006/customXml" ds:itemID="{5313EA09-C0DC-4015-ABE0-A5612D75F864}">
+<ds:datastoreItem xmlns:ds="http://schemas.openxmlformats.org/officeDocument/2006/customXml" ds:itemID="{3EAE86C5-427D-4329-8AAA-7B500850AC96}">
   <ds:schemaRefs>
-    <ds:schemaRef ds:uri="http://schemas.microsoft.com/sharepoint/v3/contenttype/forms"/>
+    <ds:schemaRef ds:uri="http://schemas.microsoft.com/office/2006/metadata/contentType"/>
+    <ds:schemaRef ds:uri="http://schemas.microsoft.com/office/2006/metadata/properties/metaAttributes"/>
+    <ds:schemaRef ds:uri="http://www.w3.org/2001/XMLSchema"/>
+    <ds:schemaRef ds:uri="http://schemas.microsoft.com/office/2006/metadata/properties"/>
+    <ds:schemaRef ds:uri="6b8ba544-61ba-4092-92c0-bbfbc426b2b9"/>
+    <ds:schemaRef ds:uri="http://schemas.microsoft.com/office/2006/documentManagement/types"/>
+    <ds:schemaRef ds:uri="http://schemas.microsoft.com/office/infopath/2007/PartnerControls"/>
+    <ds:schemaRef ds:uri="http://schemas.openxmlformats.org/package/2006/metadata/core-properties"/>
+    <ds:schemaRef ds:uri="http://purl.org/dc/elements/1.1/"/>
+    <ds:schemaRef ds:uri="http://purl.org/dc/terms/"/>
+    <ds:schemaRef ds:uri="http://schemas.microsoft.com/internal/obd"/>
   </ds:schemaRefs>
 </ds:datastoreItem>
 </file>
@@ -22177,19 +22213,9 @@
 </file>
 
 <file path=customXml/itemProps3.xml><?xml version="1.0" encoding="utf-8"?>
-<ds:datastoreItem xmlns:ds="http://schemas.openxmlformats.org/officeDocument/2006/customXml" ds:itemID="{3EAE86C5-427D-4329-8AAA-7B500850AC96}">
+<ds:datastoreItem xmlns:ds="http://schemas.openxmlformats.org/officeDocument/2006/customXml" ds:itemID="{5313EA09-C0DC-4015-ABE0-A5612D75F864}">
   <ds:schemaRefs>
-    <ds:schemaRef ds:uri="http://schemas.microsoft.com/office/2006/metadata/contentType"/>
-    <ds:schemaRef ds:uri="http://schemas.microsoft.com/office/2006/metadata/properties/metaAttributes"/>
-    <ds:schemaRef ds:uri="http://www.w3.org/2001/XMLSchema"/>
-    <ds:schemaRef ds:uri="http://schemas.microsoft.com/office/2006/metadata/properties"/>
-    <ds:schemaRef ds:uri="6b8ba544-61ba-4092-92c0-bbfbc426b2b9"/>
-    <ds:schemaRef ds:uri="http://schemas.microsoft.com/office/2006/documentManagement/types"/>
-    <ds:schemaRef ds:uri="http://schemas.microsoft.com/office/infopath/2007/PartnerControls"/>
-    <ds:schemaRef ds:uri="http://schemas.openxmlformats.org/package/2006/metadata/core-properties"/>
-    <ds:schemaRef ds:uri="http://purl.org/dc/elements/1.1/"/>
-    <ds:schemaRef ds:uri="http://purl.org/dc/terms/"/>
-    <ds:schemaRef ds:uri="http://schemas.microsoft.com/internal/obd"/>
+    <ds:schemaRef ds:uri="http://schemas.microsoft.com/sharepoint/v3/contenttype/forms"/>
   </ds:schemaRefs>
 </ds:datastoreItem>
 </file>